--- a/SleepDataAnalysisProjectPresentation.pptx
+++ b/SleepDataAnalysisProjectPresentation.pptx
@@ -1,32 +1,32 @@
 
 <file path=ppt/presentation.xml><?xml version="1.0" encoding="utf-8"?>
-<p:presentation xmlns:a="http://schemas.openxmlformats.org/drawingml/2006/main" xmlns:r="http://schemas.openxmlformats.org/officeDocument/2006/relationships" xmlns:mc="http://schemas.openxmlformats.org/markup-compatibility/2006" xmlns:mv="urn:schemas-microsoft-com:mac:vml" xmlns:p="http://schemas.openxmlformats.org/presentationml/2006/main" xmlns:c="http://schemas.openxmlformats.org/drawingml/2006/chart" xmlns:dgm="http://schemas.openxmlformats.org/drawingml/2006/diagram" xmlns:o="urn:schemas-microsoft-com:office:office" xmlns:v="urn:schemas-microsoft-com:vml" xmlns:pvml="urn:schemas-microsoft-com:office:powerpoint" xmlns:com="http://schemas.openxmlformats.org/drawingml/2006/compatibility" xmlns:p14="http://schemas.microsoft.com/office/powerpoint/2010/main" xmlns:p15="http://schemas.microsoft.com/office/powerpoint/2012/main" xmlns:ahyp="http://schemas.microsoft.com/office/drawing/2018/hyperlinkcolor" autoCompressPictures="0" strictFirstAndLastChars="0" saveSubsetFonts="1">
+<p:presentation xmlns:a="http://schemas.openxmlformats.org/drawingml/2006/main" xmlns:r="http://schemas.openxmlformats.org/officeDocument/2006/relationships" xmlns:p="http://schemas.openxmlformats.org/presentationml/2006/main" strictFirstAndLastChars="0" saveSubsetFonts="1" autoCompressPictures="0">
   <p:sldMasterIdLst>
-    <p:sldMasterId id="2147483659" r:id="rId4"/>
+    <p:sldMasterId id="2147483659" r:id="rId1"/>
   </p:sldMasterIdLst>
   <p:notesMasterIdLst>
-    <p:notesMasterId r:id="rId5"/>
+    <p:notesMasterId r:id="rId16"/>
   </p:notesMasterIdLst>
   <p:sldIdLst>
-    <p:sldId id="256" r:id="rId6"/>
-    <p:sldId id="257" r:id="rId7"/>
-    <p:sldId id="258" r:id="rId8"/>
-    <p:sldId id="259" r:id="rId9"/>
-    <p:sldId id="260" r:id="rId10"/>
-    <p:sldId id="261" r:id="rId11"/>
-    <p:sldId id="262" r:id="rId12"/>
-    <p:sldId id="263" r:id="rId13"/>
-    <p:sldId id="264" r:id="rId14"/>
-    <p:sldId id="265" r:id="rId15"/>
-    <p:sldId id="266" r:id="rId16"/>
-    <p:sldId id="267" r:id="rId17"/>
-    <p:sldId id="268" r:id="rId18"/>
-    <p:sldId id="269" r:id="rId19"/>
+    <p:sldId id="256" r:id="rId2"/>
+    <p:sldId id="257" r:id="rId3"/>
+    <p:sldId id="258" r:id="rId4"/>
+    <p:sldId id="259" r:id="rId5"/>
+    <p:sldId id="260" r:id="rId6"/>
+    <p:sldId id="261" r:id="rId7"/>
+    <p:sldId id="262" r:id="rId8"/>
+    <p:sldId id="263" r:id="rId9"/>
+    <p:sldId id="264" r:id="rId10"/>
+    <p:sldId id="265" r:id="rId11"/>
+    <p:sldId id="266" r:id="rId12"/>
+    <p:sldId id="267" r:id="rId13"/>
+    <p:sldId id="268" r:id="rId14"/>
+    <p:sldId id="269" r:id="rId15"/>
   </p:sldIdLst>
-  <p:sldSz cy="5143500" cx="9144000"/>
+  <p:sldSz cx="9144000" cy="5143500" type="screen16x9"/>
   <p:notesSz cx="6858000" cy="9144000"/>
   <p:defaultTextStyle>
-    <a:defPPr lvl="0" marR="0" rtl="0" algn="l">
+    <a:defPPr marR="0" lvl="0" algn="l" rtl="0">
       <a:lnSpc>
         <a:spcPct val="100000"/>
       </a:lnSpc>
@@ -37,7 +37,7 @@
         <a:spcPts val="0"/>
       </a:spcAft>
     </a:defPPr>
-    <a:lvl1pPr lvl="0" marR="0" rtl="0" algn="l">
+    <a:lvl1pPr marR="0" lvl="0" algn="l" rtl="0">
       <a:lnSpc>
         <a:spcPct val="100000"/>
       </a:lnSpc>
@@ -51,7 +51,7 @@
         <a:srgbClr val="000000"/>
       </a:buClr>
       <a:buFont typeface="Arial"/>
-      <a:defRPr b="0" i="0" sz="1400" u="none" cap="none" strike="noStrike">
+      <a:defRPr sz="1400" b="0" i="0" u="none" strike="noStrike" cap="none">
         <a:solidFill>
           <a:srgbClr val="000000"/>
         </a:solidFill>
@@ -61,7 +61,7 @@
         <a:sym typeface="Arial"/>
       </a:defRPr>
     </a:lvl1pPr>
-    <a:lvl2pPr lvl="1" marR="0" rtl="0" algn="l">
+    <a:lvl2pPr marR="0" lvl="1" algn="l" rtl="0">
       <a:lnSpc>
         <a:spcPct val="100000"/>
       </a:lnSpc>
@@ -75,7 +75,7 @@
         <a:srgbClr val="000000"/>
       </a:buClr>
       <a:buFont typeface="Arial"/>
-      <a:defRPr b="0" i="0" sz="1400" u="none" cap="none" strike="noStrike">
+      <a:defRPr sz="1400" b="0" i="0" u="none" strike="noStrike" cap="none">
         <a:solidFill>
           <a:srgbClr val="000000"/>
         </a:solidFill>
@@ -85,7 +85,7 @@
         <a:sym typeface="Arial"/>
       </a:defRPr>
     </a:lvl2pPr>
-    <a:lvl3pPr lvl="2" marR="0" rtl="0" algn="l">
+    <a:lvl3pPr marR="0" lvl="2" algn="l" rtl="0">
       <a:lnSpc>
         <a:spcPct val="100000"/>
       </a:lnSpc>
@@ -99,7 +99,7 @@
         <a:srgbClr val="000000"/>
       </a:buClr>
       <a:buFont typeface="Arial"/>
-      <a:defRPr b="0" i="0" sz="1400" u="none" cap="none" strike="noStrike">
+      <a:defRPr sz="1400" b="0" i="0" u="none" strike="noStrike" cap="none">
         <a:solidFill>
           <a:srgbClr val="000000"/>
         </a:solidFill>
@@ -109,7 +109,7 @@
         <a:sym typeface="Arial"/>
       </a:defRPr>
     </a:lvl3pPr>
-    <a:lvl4pPr lvl="3" marR="0" rtl="0" algn="l">
+    <a:lvl4pPr marR="0" lvl="3" algn="l" rtl="0">
       <a:lnSpc>
         <a:spcPct val="100000"/>
       </a:lnSpc>
@@ -123,7 +123,7 @@
         <a:srgbClr val="000000"/>
       </a:buClr>
       <a:buFont typeface="Arial"/>
-      <a:defRPr b="0" i="0" sz="1400" u="none" cap="none" strike="noStrike">
+      <a:defRPr sz="1400" b="0" i="0" u="none" strike="noStrike" cap="none">
         <a:solidFill>
           <a:srgbClr val="000000"/>
         </a:solidFill>
@@ -133,7 +133,7 @@
         <a:sym typeface="Arial"/>
       </a:defRPr>
     </a:lvl4pPr>
-    <a:lvl5pPr lvl="4" marR="0" rtl="0" algn="l">
+    <a:lvl5pPr marR="0" lvl="4" algn="l" rtl="0">
       <a:lnSpc>
         <a:spcPct val="100000"/>
       </a:lnSpc>
@@ -147,7 +147,7 @@
         <a:srgbClr val="000000"/>
       </a:buClr>
       <a:buFont typeface="Arial"/>
-      <a:defRPr b="0" i="0" sz="1400" u="none" cap="none" strike="noStrike">
+      <a:defRPr sz="1400" b="0" i="0" u="none" strike="noStrike" cap="none">
         <a:solidFill>
           <a:srgbClr val="000000"/>
         </a:solidFill>
@@ -157,7 +157,7 @@
         <a:sym typeface="Arial"/>
       </a:defRPr>
     </a:lvl5pPr>
-    <a:lvl6pPr lvl="5" marR="0" rtl="0" algn="l">
+    <a:lvl6pPr marR="0" lvl="5" algn="l" rtl="0">
       <a:lnSpc>
         <a:spcPct val="100000"/>
       </a:lnSpc>
@@ -171,7 +171,7 @@
         <a:srgbClr val="000000"/>
       </a:buClr>
       <a:buFont typeface="Arial"/>
-      <a:defRPr b="0" i="0" sz="1400" u="none" cap="none" strike="noStrike">
+      <a:defRPr sz="1400" b="0" i="0" u="none" strike="noStrike" cap="none">
         <a:solidFill>
           <a:srgbClr val="000000"/>
         </a:solidFill>
@@ -181,7 +181,7 @@
         <a:sym typeface="Arial"/>
       </a:defRPr>
     </a:lvl6pPr>
-    <a:lvl7pPr lvl="6" marR="0" rtl="0" algn="l">
+    <a:lvl7pPr marR="0" lvl="6" algn="l" rtl="0">
       <a:lnSpc>
         <a:spcPct val="100000"/>
       </a:lnSpc>
@@ -195,7 +195,7 @@
         <a:srgbClr val="000000"/>
       </a:buClr>
       <a:buFont typeface="Arial"/>
-      <a:defRPr b="0" i="0" sz="1400" u="none" cap="none" strike="noStrike">
+      <a:defRPr sz="1400" b="0" i="0" u="none" strike="noStrike" cap="none">
         <a:solidFill>
           <a:srgbClr val="000000"/>
         </a:solidFill>
@@ -205,7 +205,7 @@
         <a:sym typeface="Arial"/>
       </a:defRPr>
     </a:lvl7pPr>
-    <a:lvl8pPr lvl="7" marR="0" rtl="0" algn="l">
+    <a:lvl8pPr marR="0" lvl="7" algn="l" rtl="0">
       <a:lnSpc>
         <a:spcPct val="100000"/>
       </a:lnSpc>
@@ -219,7 +219,7 @@
         <a:srgbClr val="000000"/>
       </a:buClr>
       <a:buFont typeface="Arial"/>
-      <a:defRPr b="0" i="0" sz="1400" u="none" cap="none" strike="noStrike">
+      <a:defRPr sz="1400" b="0" i="0" u="none" strike="noStrike" cap="none">
         <a:solidFill>
           <a:srgbClr val="000000"/>
         </a:solidFill>
@@ -229,7 +229,7 @@
         <a:sym typeface="Arial"/>
       </a:defRPr>
     </a:lvl8pPr>
-    <a:lvl9pPr lvl="8" marR="0" rtl="0" algn="l">
+    <a:lvl9pPr marR="0" lvl="8" algn="l" rtl="0">
       <a:lnSpc>
         <a:spcPct val="100000"/>
       </a:lnSpc>
@@ -243,7 +243,7 @@
         <a:srgbClr val="000000"/>
       </a:buClr>
       <a:buFont typeface="Arial"/>
-      <a:defRPr b="0" i="0" sz="1400" u="none" cap="none" strike="noStrike">
+      <a:defRPr sz="1400" b="0" i="0" u="none" strike="noStrike" cap="none">
         <a:solidFill>
           <a:srgbClr val="000000"/>
         </a:solidFill>
@@ -256,7 +256,7 @@
   </p:defaultTextStyle>
   <p:extLst>
     <p:ext uri="{EFAFB233-063F-42B5-8137-9DF3F51BA10A}">
-      <p15:sldGuideLst>
+      <p15:sldGuideLst xmlns:p15="http://schemas.microsoft.com/office/powerpoint/2012/main">
         <p15:guide id="1" orient="horz" pos="1620">
           <p15:clr>
             <a:srgbClr val="747775"/>
@@ -274,11 +274,16 @@
 </file>
 
 <file path=ppt/notesMasters/notesMaster1.xml><?xml version="1.0" encoding="utf-8"?>
-<p:notesMaster xmlns:a="http://schemas.openxmlformats.org/drawingml/2006/main" xmlns:r="http://schemas.openxmlformats.org/officeDocument/2006/relationships" xmlns:mc="http://schemas.openxmlformats.org/markup-compatibility/2006" xmlns:mv="urn:schemas-microsoft-com:mac:vml" xmlns:p="http://schemas.openxmlformats.org/presentationml/2006/main" xmlns:c="http://schemas.openxmlformats.org/drawingml/2006/chart" xmlns:dgm="http://schemas.openxmlformats.org/drawingml/2006/diagram" xmlns:o="urn:schemas-microsoft-com:office:office" xmlns:v="urn:schemas-microsoft-com:vml" xmlns:pvml="urn:schemas-microsoft-com:office:powerpoint" xmlns:com="http://schemas.openxmlformats.org/drawingml/2006/compatibility" xmlns:p14="http://schemas.microsoft.com/office/powerpoint/2010/main" xmlns:p15="http://schemas.microsoft.com/office/powerpoint/2012/main" xmlns:ahyp="http://schemas.microsoft.com/office/drawing/2018/hyperlinkcolor">
+<p:notesMaster xmlns:a="http://schemas.openxmlformats.org/drawingml/2006/main" xmlns:r="http://schemas.openxmlformats.org/officeDocument/2006/relationships" xmlns:p="http://schemas.openxmlformats.org/presentationml/2006/main">
   <p:cSld>
+    <p:bg>
+      <p:bgRef idx="1001">
+        <a:schemeClr val="bg1"/>
+      </p:bgRef>
+    </p:bg>
     <p:spTree>
       <p:nvGrpSpPr>
-        <p:cNvPr id="2" name="Shape 2"/>
+        <p:cNvPr id="1" name="Shape 2"/>
         <p:cNvGrpSpPr/>
         <p:nvPr/>
       </p:nvGrpSpPr>
@@ -293,9 +298,11 @@
       <p:sp>
         <p:nvSpPr>
           <p:cNvPr id="3" name="Google Shape;3;n"/>
-          <p:cNvSpPr/>
+          <p:cNvSpPr>
+            <a:spLocks noGrp="1" noRot="1" noChangeAspect="1"/>
+          </p:cNvSpPr>
           <p:nvPr>
-            <p:ph idx="2" type="sldImg"/>
+            <p:ph type="sldImg" idx="2"/>
           </p:nvPr>
         </p:nvSpPr>
         <p:spPr>
@@ -304,9 +311,13 @@
             <a:ext cx="6096075" cy="3429000"/>
           </a:xfrm>
           <a:custGeom>
-            <a:rect b="b" l="l" r="r" t="t"/>
+            <a:avLst/>
+            <a:gdLst/>
+            <a:ahLst/>
+            <a:cxnLst/>
+            <a:rect l="l" t="t" r="r" b="b"/>
             <a:pathLst>
-              <a:path extrusionOk="0" h="120000" w="120000">
+              <a:path w="120000" h="120000" extrusionOk="0">
                 <a:moveTo>
                   <a:pt x="0" y="0"/>
                 </a:moveTo>
@@ -324,23 +335,25 @@
             </a:pathLst>
           </a:custGeom>
           <a:noFill/>
-          <a:ln cap="flat" cmpd="sng" w="9525">
+          <a:ln w="9525" cap="flat" cmpd="sng">
             <a:solidFill>
               <a:srgbClr val="000000"/>
             </a:solidFill>
             <a:prstDash val="solid"/>
             <a:round/>
-            <a:headEnd len="sm" w="sm" type="none"/>
-            <a:tailEnd len="sm" w="sm" type="none"/>
+            <a:headEnd type="none" w="sm" len="sm"/>
+            <a:tailEnd type="none" w="sm" len="sm"/>
           </a:ln>
         </p:spPr>
       </p:sp>
       <p:sp>
         <p:nvSpPr>
           <p:cNvPr id="4" name="Google Shape;4;n"/>
-          <p:cNvSpPr txBox="1"/>
+          <p:cNvSpPr txBox="1">
+            <a:spLocks noGrp="1"/>
+          </p:cNvSpPr>
           <p:nvPr>
-            <p:ph idx="1" type="body"/>
+            <p:ph type="body" idx="1"/>
           </p:nvPr>
         </p:nvSpPr>
         <p:spPr>
@@ -357,11 +370,11 @@
           </a:ln>
         </p:spPr>
         <p:txBody>
-          <a:bodyPr anchorCtr="0" anchor="t" bIns="91425" lIns="91425" spcFirstLastPara="1" rIns="91425" wrap="square" tIns="91425">
+          <a:bodyPr spcFirstLastPara="1" wrap="square" lIns="91425" tIns="91425" rIns="91425" bIns="91425" anchor="t" anchorCtr="0">
             <a:noAutofit/>
           </a:bodyPr>
           <a:lstStyle>
-            <a:lvl1pPr indent="-298450" lvl="0" marL="457200">
+            <a:lvl1pPr marL="457200" lvl="0" indent="-298450">
               <a:spcBef>
                 <a:spcPts val="0"/>
               </a:spcBef>
@@ -372,7 +385,7 @@
               <a:buChar char="●"/>
               <a:defRPr sz="1100"/>
             </a:lvl1pPr>
-            <a:lvl2pPr indent="-298450" lvl="1" marL="914400">
+            <a:lvl2pPr marL="914400" lvl="1" indent="-298450">
               <a:spcBef>
                 <a:spcPts val="0"/>
               </a:spcBef>
@@ -383,7 +396,7 @@
               <a:buChar char="○"/>
               <a:defRPr sz="1100"/>
             </a:lvl2pPr>
-            <a:lvl3pPr indent="-298450" lvl="2" marL="1371600">
+            <a:lvl3pPr marL="1371600" lvl="2" indent="-298450">
               <a:spcBef>
                 <a:spcPts val="0"/>
               </a:spcBef>
@@ -394,7 +407,7 @@
               <a:buChar char="■"/>
               <a:defRPr sz="1100"/>
             </a:lvl3pPr>
-            <a:lvl4pPr indent="-298450" lvl="3" marL="1828800">
+            <a:lvl4pPr marL="1828800" lvl="3" indent="-298450">
               <a:spcBef>
                 <a:spcPts val="0"/>
               </a:spcBef>
@@ -405,7 +418,7 @@
               <a:buChar char="●"/>
               <a:defRPr sz="1100"/>
             </a:lvl4pPr>
-            <a:lvl5pPr indent="-298450" lvl="4" marL="2286000">
+            <a:lvl5pPr marL="2286000" lvl="4" indent="-298450">
               <a:spcBef>
                 <a:spcPts val="0"/>
               </a:spcBef>
@@ -416,7 +429,7 @@
               <a:buChar char="○"/>
               <a:defRPr sz="1100"/>
             </a:lvl5pPr>
-            <a:lvl6pPr indent="-298450" lvl="5" marL="2743200">
+            <a:lvl6pPr marL="2743200" lvl="5" indent="-298450">
               <a:spcBef>
                 <a:spcPts val="0"/>
               </a:spcBef>
@@ -427,7 +440,7 @@
               <a:buChar char="■"/>
               <a:defRPr sz="1100"/>
             </a:lvl6pPr>
-            <a:lvl7pPr indent="-298450" lvl="6" marL="3200400">
+            <a:lvl7pPr marL="3200400" lvl="6" indent="-298450">
               <a:spcBef>
                 <a:spcPts val="0"/>
               </a:spcBef>
@@ -438,7 +451,7 @@
               <a:buChar char="●"/>
               <a:defRPr sz="1100"/>
             </a:lvl7pPr>
-            <a:lvl8pPr indent="-298450" lvl="7" marL="3657600">
+            <a:lvl8pPr marL="3657600" lvl="7" indent="-298450">
               <a:spcBef>
                 <a:spcPts val="0"/>
               </a:spcBef>
@@ -449,7 +462,7 @@
               <a:buChar char="○"/>
               <a:defRPr sz="1100"/>
             </a:lvl8pPr>
-            <a:lvl9pPr indent="-298450" lvl="8" marL="4114800">
+            <a:lvl9pPr marL="4114800" lvl="8" indent="-298450">
               <a:spcBef>
                 <a:spcPts val="0"/>
               </a:spcBef>
@@ -461,14 +474,16 @@
               <a:defRPr sz="1100"/>
             </a:lvl9pPr>
           </a:lstStyle>
-          <a:p/>
+          <a:p>
+            <a:endParaRPr/>
+          </a:p>
         </p:txBody>
       </p:sp>
     </p:spTree>
   </p:cSld>
-  <p:clrMap accent1="accent1" accent2="accent2" accent3="accent3" accent4="accent4" accent5="accent5" accent6="accent6" bg1="lt1" bg2="dk2" tx1="dk1" tx2="lt2" folHlink="folHlink" hlink="hlink"/>
+  <p:clrMap bg1="lt1" tx1="dk1" bg2="dk2" tx2="lt2" accent1="accent1" accent2="accent2" accent3="accent3" accent4="accent4" accent5="accent5" accent6="accent6" hlink="hlink" folHlink="folHlink"/>
   <p:notesStyle>
-    <a:defPPr lvl="0" marR="0" rtl="0" algn="l">
+    <a:defPPr marR="0" lvl="0" algn="l" rtl="0">
       <a:lnSpc>
         <a:spcPct val="100000"/>
       </a:lnSpc>
@@ -479,7 +494,7 @@
         <a:spcPts val="0"/>
       </a:spcAft>
     </a:defPPr>
-    <a:lvl1pPr lvl="0" marR="0" rtl="0" algn="l">
+    <a:lvl1pPr marR="0" lvl="0" algn="l" rtl="0">
       <a:lnSpc>
         <a:spcPct val="100000"/>
       </a:lnSpc>
@@ -493,7 +508,7 @@
         <a:srgbClr val="000000"/>
       </a:buClr>
       <a:buFont typeface="Arial"/>
-      <a:defRPr b="0" i="0" sz="1400" u="none" cap="none" strike="noStrike">
+      <a:defRPr sz="1400" b="0" i="0" u="none" strike="noStrike" cap="none">
         <a:solidFill>
           <a:srgbClr val="000000"/>
         </a:solidFill>
@@ -503,7 +518,7 @@
         <a:sym typeface="Arial"/>
       </a:defRPr>
     </a:lvl1pPr>
-    <a:lvl2pPr lvl="1" marR="0" rtl="0" algn="l">
+    <a:lvl2pPr marR="0" lvl="1" algn="l" rtl="0">
       <a:lnSpc>
         <a:spcPct val="100000"/>
       </a:lnSpc>
@@ -517,7 +532,7 @@
         <a:srgbClr val="000000"/>
       </a:buClr>
       <a:buFont typeface="Arial"/>
-      <a:defRPr b="0" i="0" sz="1400" u="none" cap="none" strike="noStrike">
+      <a:defRPr sz="1400" b="0" i="0" u="none" strike="noStrike" cap="none">
         <a:solidFill>
           <a:srgbClr val="000000"/>
         </a:solidFill>
@@ -527,7 +542,7 @@
         <a:sym typeface="Arial"/>
       </a:defRPr>
     </a:lvl2pPr>
-    <a:lvl3pPr lvl="2" marR="0" rtl="0" algn="l">
+    <a:lvl3pPr marR="0" lvl="2" algn="l" rtl="0">
       <a:lnSpc>
         <a:spcPct val="100000"/>
       </a:lnSpc>
@@ -541,7 +556,7 @@
         <a:srgbClr val="000000"/>
       </a:buClr>
       <a:buFont typeface="Arial"/>
-      <a:defRPr b="0" i="0" sz="1400" u="none" cap="none" strike="noStrike">
+      <a:defRPr sz="1400" b="0" i="0" u="none" strike="noStrike" cap="none">
         <a:solidFill>
           <a:srgbClr val="000000"/>
         </a:solidFill>
@@ -551,7 +566,7 @@
         <a:sym typeface="Arial"/>
       </a:defRPr>
     </a:lvl3pPr>
-    <a:lvl4pPr lvl="3" marR="0" rtl="0" algn="l">
+    <a:lvl4pPr marR="0" lvl="3" algn="l" rtl="0">
       <a:lnSpc>
         <a:spcPct val="100000"/>
       </a:lnSpc>
@@ -565,7 +580,7 @@
         <a:srgbClr val="000000"/>
       </a:buClr>
       <a:buFont typeface="Arial"/>
-      <a:defRPr b="0" i="0" sz="1400" u="none" cap="none" strike="noStrike">
+      <a:defRPr sz="1400" b="0" i="0" u="none" strike="noStrike" cap="none">
         <a:solidFill>
           <a:srgbClr val="000000"/>
         </a:solidFill>
@@ -575,7 +590,7 @@
         <a:sym typeface="Arial"/>
       </a:defRPr>
     </a:lvl4pPr>
-    <a:lvl5pPr lvl="4" marR="0" rtl="0" algn="l">
+    <a:lvl5pPr marR="0" lvl="4" algn="l" rtl="0">
       <a:lnSpc>
         <a:spcPct val="100000"/>
       </a:lnSpc>
@@ -589,7 +604,7 @@
         <a:srgbClr val="000000"/>
       </a:buClr>
       <a:buFont typeface="Arial"/>
-      <a:defRPr b="0" i="0" sz="1400" u="none" cap="none" strike="noStrike">
+      <a:defRPr sz="1400" b="0" i="0" u="none" strike="noStrike" cap="none">
         <a:solidFill>
           <a:srgbClr val="000000"/>
         </a:solidFill>
@@ -599,7 +614,7 @@
         <a:sym typeface="Arial"/>
       </a:defRPr>
     </a:lvl5pPr>
-    <a:lvl6pPr lvl="5" marR="0" rtl="0" algn="l">
+    <a:lvl6pPr marR="0" lvl="5" algn="l" rtl="0">
       <a:lnSpc>
         <a:spcPct val="100000"/>
       </a:lnSpc>
@@ -613,7 +628,7 @@
         <a:srgbClr val="000000"/>
       </a:buClr>
       <a:buFont typeface="Arial"/>
-      <a:defRPr b="0" i="0" sz="1400" u="none" cap="none" strike="noStrike">
+      <a:defRPr sz="1400" b="0" i="0" u="none" strike="noStrike" cap="none">
         <a:solidFill>
           <a:srgbClr val="000000"/>
         </a:solidFill>
@@ -623,7 +638,7 @@
         <a:sym typeface="Arial"/>
       </a:defRPr>
     </a:lvl6pPr>
-    <a:lvl7pPr lvl="6" marR="0" rtl="0" algn="l">
+    <a:lvl7pPr marR="0" lvl="6" algn="l" rtl="0">
       <a:lnSpc>
         <a:spcPct val="100000"/>
       </a:lnSpc>
@@ -637,7 +652,7 @@
         <a:srgbClr val="000000"/>
       </a:buClr>
       <a:buFont typeface="Arial"/>
-      <a:defRPr b="0" i="0" sz="1400" u="none" cap="none" strike="noStrike">
+      <a:defRPr sz="1400" b="0" i="0" u="none" strike="noStrike" cap="none">
         <a:solidFill>
           <a:srgbClr val="000000"/>
         </a:solidFill>
@@ -647,7 +662,7 @@
         <a:sym typeface="Arial"/>
       </a:defRPr>
     </a:lvl7pPr>
-    <a:lvl8pPr lvl="7" marR="0" rtl="0" algn="l">
+    <a:lvl8pPr marR="0" lvl="7" algn="l" rtl="0">
       <a:lnSpc>
         <a:spcPct val="100000"/>
       </a:lnSpc>
@@ -661,7 +676,7 @@
         <a:srgbClr val="000000"/>
       </a:buClr>
       <a:buFont typeface="Arial"/>
-      <a:defRPr b="0" i="0" sz="1400" u="none" cap="none" strike="noStrike">
+      <a:defRPr sz="1400" b="0" i="0" u="none" strike="noStrike" cap="none">
         <a:solidFill>
           <a:srgbClr val="000000"/>
         </a:solidFill>
@@ -671,7 +686,7 @@
         <a:sym typeface="Arial"/>
       </a:defRPr>
     </a:lvl8pPr>
-    <a:lvl9pPr lvl="8" marR="0" rtl="0" algn="l">
+    <a:lvl9pPr marR="0" lvl="8" algn="l" rtl="0">
       <a:lnSpc>
         <a:spcPct val="100000"/>
       </a:lnSpc>
@@ -685,7 +700,7 @@
         <a:srgbClr val="000000"/>
       </a:buClr>
       <a:buFont typeface="Arial"/>
-      <a:defRPr b="0" i="0" sz="1400" u="none" cap="none" strike="noStrike">
+      <a:defRPr sz="1400" b="0" i="0" u="none" strike="noStrike" cap="none">
         <a:solidFill>
           <a:srgbClr val="000000"/>
         </a:solidFill>
@@ -700,11 +715,11 @@
 </file>
 
 <file path=ppt/notesSlides/notesSlide1.xml><?xml version="1.0" encoding="utf-8"?>
-<p:notes xmlns:a="http://schemas.openxmlformats.org/drawingml/2006/main" xmlns:r="http://schemas.openxmlformats.org/officeDocument/2006/relationships" xmlns:mc="http://schemas.openxmlformats.org/markup-compatibility/2006" xmlns:mv="urn:schemas-microsoft-com:mac:vml" xmlns:p="http://schemas.openxmlformats.org/presentationml/2006/main" xmlns:c="http://schemas.openxmlformats.org/drawingml/2006/chart" xmlns:dgm="http://schemas.openxmlformats.org/drawingml/2006/diagram" xmlns:o="urn:schemas-microsoft-com:office:office" xmlns:v="urn:schemas-microsoft-com:vml" xmlns:pvml="urn:schemas-microsoft-com:office:powerpoint" xmlns:com="http://schemas.openxmlformats.org/drawingml/2006/compatibility" xmlns:p14="http://schemas.microsoft.com/office/powerpoint/2010/main" xmlns:p15="http://schemas.microsoft.com/office/powerpoint/2012/main" xmlns:ahyp="http://schemas.microsoft.com/office/drawing/2018/hyperlinkcolor" showMasterPhAnim="0" showMasterSp="0">
+<p:notes xmlns:a="http://schemas.openxmlformats.org/drawingml/2006/main" xmlns:r="http://schemas.openxmlformats.org/officeDocument/2006/relationships" xmlns:p="http://schemas.openxmlformats.org/presentationml/2006/main" showMasterSp="0" showMasterPhAnim="0">
   <p:cSld>
     <p:spTree>
       <p:nvGrpSpPr>
-        <p:cNvPr id="50" name="Shape 50"/>
+        <p:cNvPr id="1" name="Shape 50"/>
         <p:cNvGrpSpPr/>
         <p:nvPr/>
       </p:nvGrpSpPr>
@@ -719,9 +734,11 @@
       <p:sp>
         <p:nvSpPr>
           <p:cNvPr id="51" name="Google Shape;51;p:notes"/>
-          <p:cNvSpPr/>
+          <p:cNvSpPr>
+            <a:spLocks noGrp="1" noRot="1" noChangeAspect="1"/>
+          </p:cNvSpPr>
           <p:nvPr>
-            <p:ph idx="2" type="sldImg"/>
+            <p:ph type="sldImg" idx="2"/>
           </p:nvPr>
         </p:nvSpPr>
         <p:spPr>
@@ -730,9 +747,13 @@
             <a:ext cx="6096075" cy="3429000"/>
           </a:xfrm>
           <a:custGeom>
-            <a:rect b="b" l="l" r="r" t="t"/>
+            <a:avLst/>
+            <a:gdLst/>
+            <a:ahLst/>
+            <a:cxnLst/>
+            <a:rect l="l" t="t" r="r" b="b"/>
             <a:pathLst>
-              <a:path extrusionOk="0" h="120000" w="120000">
+              <a:path w="120000" h="120000" extrusionOk="0">
                 <a:moveTo>
                   <a:pt x="0" y="0"/>
                 </a:moveTo>
@@ -754,9 +775,11 @@
       <p:sp>
         <p:nvSpPr>
           <p:cNvPr id="52" name="Google Shape;52;p:notes"/>
-          <p:cNvSpPr txBox="1"/>
+          <p:cNvSpPr txBox="1">
+            <a:spLocks noGrp="1"/>
+          </p:cNvSpPr>
           <p:nvPr>
-            <p:ph idx="1" type="body"/>
+            <p:ph type="body" idx="1"/>
           </p:nvPr>
         </p:nvSpPr>
         <p:spPr>
@@ -769,12 +792,12 @@
           </a:prstGeom>
         </p:spPr>
         <p:txBody>
-          <a:bodyPr anchorCtr="0" anchor="t" bIns="91425" lIns="91425" spcFirstLastPara="1" rIns="91425" wrap="square" tIns="91425">
+          <a:bodyPr spcFirstLastPara="1" wrap="square" lIns="91425" tIns="91425" rIns="91425" bIns="91425" anchor="t" anchorCtr="0">
             <a:noAutofit/>
           </a:bodyPr>
           <a:lstStyle/>
           <a:p>
-            <a:pPr indent="0" lvl="0" marL="0" rtl="0" algn="l">
+            <a:pPr marL="0" lvl="0" indent="0" algn="l" rtl="0">
               <a:spcBef>
                 <a:spcPts val="0"/>
               </a:spcBef>
@@ -783,9 +806,6 @@
               </a:spcAft>
               <a:buNone/>
             </a:pPr>
-            <a:r>
-              <a:t/>
-            </a:r>
             <a:endParaRPr/>
           </a:p>
         </p:txBody>
@@ -799,11 +819,11 @@
 </file>
 
 <file path=ppt/notesSlides/notesSlide10.xml><?xml version="1.0" encoding="utf-8"?>
-<p:notes xmlns:a="http://schemas.openxmlformats.org/drawingml/2006/main" xmlns:r="http://schemas.openxmlformats.org/officeDocument/2006/relationships" xmlns:mc="http://schemas.openxmlformats.org/markup-compatibility/2006" xmlns:mv="urn:schemas-microsoft-com:mac:vml" xmlns:p="http://schemas.openxmlformats.org/presentationml/2006/main" xmlns:c="http://schemas.openxmlformats.org/drawingml/2006/chart" xmlns:dgm="http://schemas.openxmlformats.org/drawingml/2006/diagram" xmlns:o="urn:schemas-microsoft-com:office:office" xmlns:v="urn:schemas-microsoft-com:vml" xmlns:pvml="urn:schemas-microsoft-com:office:powerpoint" xmlns:com="http://schemas.openxmlformats.org/drawingml/2006/compatibility" xmlns:p14="http://schemas.microsoft.com/office/powerpoint/2010/main" xmlns:p15="http://schemas.microsoft.com/office/powerpoint/2012/main" xmlns:ahyp="http://schemas.microsoft.com/office/drawing/2018/hyperlinkcolor" showMasterPhAnim="0" showMasterSp="0">
+<p:notes xmlns:a="http://schemas.openxmlformats.org/drawingml/2006/main" xmlns:r="http://schemas.openxmlformats.org/officeDocument/2006/relationships" xmlns:p="http://schemas.openxmlformats.org/presentationml/2006/main" showMasterSp="0" showMasterPhAnim="0">
   <p:cSld>
     <p:spTree>
       <p:nvGrpSpPr>
-        <p:cNvPr id="112" name="Shape 112"/>
+        <p:cNvPr id="1" name="Shape 112"/>
         <p:cNvGrpSpPr/>
         <p:nvPr/>
       </p:nvGrpSpPr>
@@ -818,9 +838,11 @@
       <p:sp>
         <p:nvSpPr>
           <p:cNvPr id="113" name="Google Shape;113;g25ea0b40176_2_5:notes"/>
-          <p:cNvSpPr/>
+          <p:cNvSpPr>
+            <a:spLocks noGrp="1" noRot="1" noChangeAspect="1"/>
+          </p:cNvSpPr>
           <p:nvPr>
-            <p:ph idx="2" type="sldImg"/>
+            <p:ph type="sldImg" idx="2"/>
           </p:nvPr>
         </p:nvSpPr>
         <p:spPr>
@@ -829,9 +851,13 @@
             <a:ext cx="6096000" cy="3429000"/>
           </a:xfrm>
           <a:custGeom>
-            <a:rect b="b" l="l" r="r" t="t"/>
+            <a:avLst/>
+            <a:gdLst/>
+            <a:ahLst/>
+            <a:cxnLst/>
+            <a:rect l="l" t="t" r="r" b="b"/>
             <a:pathLst>
-              <a:path extrusionOk="0" h="120000" w="120000">
+              <a:path w="120000" h="120000" extrusionOk="0">
                 <a:moveTo>
                   <a:pt x="0" y="0"/>
                 </a:moveTo>
@@ -853,9 +879,11 @@
       <p:sp>
         <p:nvSpPr>
           <p:cNvPr id="114" name="Google Shape;114;g25ea0b40176_2_5:notes"/>
-          <p:cNvSpPr txBox="1"/>
+          <p:cNvSpPr txBox="1">
+            <a:spLocks noGrp="1"/>
+          </p:cNvSpPr>
           <p:nvPr>
-            <p:ph idx="1" type="body"/>
+            <p:ph type="body" idx="1"/>
           </p:nvPr>
         </p:nvSpPr>
         <p:spPr>
@@ -868,12 +896,12 @@
           </a:prstGeom>
         </p:spPr>
         <p:txBody>
-          <a:bodyPr anchorCtr="0" anchor="t" bIns="91425" lIns="91425" spcFirstLastPara="1" rIns="91425" wrap="square" tIns="91425">
+          <a:bodyPr spcFirstLastPara="1" wrap="square" lIns="91425" tIns="91425" rIns="91425" bIns="91425" anchor="t" anchorCtr="0">
             <a:noAutofit/>
           </a:bodyPr>
           <a:lstStyle/>
           <a:p>
-            <a:pPr indent="0" lvl="0" marL="0" rtl="0" algn="l">
+            <a:pPr marL="0" lvl="0" indent="0" algn="l" rtl="0">
               <a:spcBef>
                 <a:spcPts val="0"/>
               </a:spcBef>
@@ -882,9 +910,6 @@
               </a:spcAft>
               <a:buNone/>
             </a:pPr>
-            <a:r>
-              <a:t/>
-            </a:r>
             <a:endParaRPr/>
           </a:p>
         </p:txBody>
@@ -898,11 +923,11 @@
 </file>
 
 <file path=ppt/notesSlides/notesSlide11.xml><?xml version="1.0" encoding="utf-8"?>
-<p:notes xmlns:a="http://schemas.openxmlformats.org/drawingml/2006/main" xmlns:r="http://schemas.openxmlformats.org/officeDocument/2006/relationships" xmlns:mc="http://schemas.openxmlformats.org/markup-compatibility/2006" xmlns:mv="urn:schemas-microsoft-com:mac:vml" xmlns:p="http://schemas.openxmlformats.org/presentationml/2006/main" xmlns:c="http://schemas.openxmlformats.org/drawingml/2006/chart" xmlns:dgm="http://schemas.openxmlformats.org/drawingml/2006/diagram" xmlns:o="urn:schemas-microsoft-com:office:office" xmlns:v="urn:schemas-microsoft-com:vml" xmlns:pvml="urn:schemas-microsoft-com:office:powerpoint" xmlns:com="http://schemas.openxmlformats.org/drawingml/2006/compatibility" xmlns:p14="http://schemas.microsoft.com/office/powerpoint/2010/main" xmlns:p15="http://schemas.microsoft.com/office/powerpoint/2012/main" xmlns:ahyp="http://schemas.microsoft.com/office/drawing/2018/hyperlinkcolor" showMasterPhAnim="0" showMasterSp="0">
+<p:notes xmlns:a="http://schemas.openxmlformats.org/drawingml/2006/main" xmlns:r="http://schemas.openxmlformats.org/officeDocument/2006/relationships" xmlns:p="http://schemas.openxmlformats.org/presentationml/2006/main" showMasterSp="0" showMasterPhAnim="0">
   <p:cSld>
     <p:spTree>
       <p:nvGrpSpPr>
-        <p:cNvPr id="118" name="Shape 118"/>
+        <p:cNvPr id="1" name="Shape 118"/>
         <p:cNvGrpSpPr/>
         <p:nvPr/>
       </p:nvGrpSpPr>
@@ -917,9 +942,11 @@
       <p:sp>
         <p:nvSpPr>
           <p:cNvPr id="119" name="Google Shape;119;g25ea0b40176_2_10:notes"/>
-          <p:cNvSpPr/>
+          <p:cNvSpPr>
+            <a:spLocks noGrp="1" noRot="1" noChangeAspect="1"/>
+          </p:cNvSpPr>
           <p:nvPr>
-            <p:ph idx="2" type="sldImg"/>
+            <p:ph type="sldImg" idx="2"/>
           </p:nvPr>
         </p:nvSpPr>
         <p:spPr>
@@ -928,9 +955,13 @@
             <a:ext cx="6096000" cy="3429000"/>
           </a:xfrm>
           <a:custGeom>
-            <a:rect b="b" l="l" r="r" t="t"/>
+            <a:avLst/>
+            <a:gdLst/>
+            <a:ahLst/>
+            <a:cxnLst/>
+            <a:rect l="l" t="t" r="r" b="b"/>
             <a:pathLst>
-              <a:path extrusionOk="0" h="120000" w="120000">
+              <a:path w="120000" h="120000" extrusionOk="0">
                 <a:moveTo>
                   <a:pt x="0" y="0"/>
                 </a:moveTo>
@@ -952,9 +983,11 @@
       <p:sp>
         <p:nvSpPr>
           <p:cNvPr id="120" name="Google Shape;120;g25ea0b40176_2_10:notes"/>
-          <p:cNvSpPr txBox="1"/>
+          <p:cNvSpPr txBox="1">
+            <a:spLocks noGrp="1"/>
+          </p:cNvSpPr>
           <p:nvPr>
-            <p:ph idx="1" type="body"/>
+            <p:ph type="body" idx="1"/>
           </p:nvPr>
         </p:nvSpPr>
         <p:spPr>
@@ -967,12 +1000,12 @@
           </a:prstGeom>
         </p:spPr>
         <p:txBody>
-          <a:bodyPr anchorCtr="0" anchor="t" bIns="91425" lIns="91425" spcFirstLastPara="1" rIns="91425" wrap="square" tIns="91425">
+          <a:bodyPr spcFirstLastPara="1" wrap="square" lIns="91425" tIns="91425" rIns="91425" bIns="91425" anchor="t" anchorCtr="0">
             <a:noAutofit/>
           </a:bodyPr>
           <a:lstStyle/>
           <a:p>
-            <a:pPr indent="0" lvl="0" marL="0" rtl="0" algn="l">
+            <a:pPr marL="0" lvl="0" indent="0" algn="l" rtl="0">
               <a:spcBef>
                 <a:spcPts val="0"/>
               </a:spcBef>
@@ -981,9 +1014,6 @@
               </a:spcAft>
               <a:buNone/>
             </a:pPr>
-            <a:r>
-              <a:t/>
-            </a:r>
             <a:endParaRPr/>
           </a:p>
         </p:txBody>
@@ -997,11 +1027,11 @@
 </file>
 
 <file path=ppt/notesSlides/notesSlide12.xml><?xml version="1.0" encoding="utf-8"?>
-<p:notes xmlns:a="http://schemas.openxmlformats.org/drawingml/2006/main" xmlns:r="http://schemas.openxmlformats.org/officeDocument/2006/relationships" xmlns:mc="http://schemas.openxmlformats.org/markup-compatibility/2006" xmlns:mv="urn:schemas-microsoft-com:mac:vml" xmlns:p="http://schemas.openxmlformats.org/presentationml/2006/main" xmlns:c="http://schemas.openxmlformats.org/drawingml/2006/chart" xmlns:dgm="http://schemas.openxmlformats.org/drawingml/2006/diagram" xmlns:o="urn:schemas-microsoft-com:office:office" xmlns:v="urn:schemas-microsoft-com:vml" xmlns:pvml="urn:schemas-microsoft-com:office:powerpoint" xmlns:com="http://schemas.openxmlformats.org/drawingml/2006/compatibility" xmlns:p14="http://schemas.microsoft.com/office/powerpoint/2010/main" xmlns:p15="http://schemas.microsoft.com/office/powerpoint/2012/main" xmlns:ahyp="http://schemas.microsoft.com/office/drawing/2018/hyperlinkcolor" showMasterPhAnim="0" showMasterSp="0">
+<p:notes xmlns:a="http://schemas.openxmlformats.org/drawingml/2006/main" xmlns:r="http://schemas.openxmlformats.org/officeDocument/2006/relationships" xmlns:p="http://schemas.openxmlformats.org/presentationml/2006/main" showMasterSp="0" showMasterPhAnim="0">
   <p:cSld>
     <p:spTree>
       <p:nvGrpSpPr>
-        <p:cNvPr id="124" name="Shape 124"/>
+        <p:cNvPr id="1" name="Shape 124"/>
         <p:cNvGrpSpPr/>
         <p:nvPr/>
       </p:nvGrpSpPr>
@@ -1016,9 +1046,11 @@
       <p:sp>
         <p:nvSpPr>
           <p:cNvPr id="125" name="Google Shape;125;g25ea0b40176_2_15:notes"/>
-          <p:cNvSpPr/>
+          <p:cNvSpPr>
+            <a:spLocks noGrp="1" noRot="1" noChangeAspect="1"/>
+          </p:cNvSpPr>
           <p:nvPr>
-            <p:ph idx="2" type="sldImg"/>
+            <p:ph type="sldImg" idx="2"/>
           </p:nvPr>
         </p:nvSpPr>
         <p:spPr>
@@ -1027,9 +1059,13 @@
             <a:ext cx="6096000" cy="3429000"/>
           </a:xfrm>
           <a:custGeom>
-            <a:rect b="b" l="l" r="r" t="t"/>
+            <a:avLst/>
+            <a:gdLst/>
+            <a:ahLst/>
+            <a:cxnLst/>
+            <a:rect l="l" t="t" r="r" b="b"/>
             <a:pathLst>
-              <a:path extrusionOk="0" h="120000" w="120000">
+              <a:path w="120000" h="120000" extrusionOk="0">
                 <a:moveTo>
                   <a:pt x="0" y="0"/>
                 </a:moveTo>
@@ -1051,9 +1087,11 @@
       <p:sp>
         <p:nvSpPr>
           <p:cNvPr id="126" name="Google Shape;126;g25ea0b40176_2_15:notes"/>
-          <p:cNvSpPr txBox="1"/>
+          <p:cNvSpPr txBox="1">
+            <a:spLocks noGrp="1"/>
+          </p:cNvSpPr>
           <p:nvPr>
-            <p:ph idx="1" type="body"/>
+            <p:ph type="body" idx="1"/>
           </p:nvPr>
         </p:nvSpPr>
         <p:spPr>
@@ -1066,12 +1104,12 @@
           </a:prstGeom>
         </p:spPr>
         <p:txBody>
-          <a:bodyPr anchorCtr="0" anchor="t" bIns="91425" lIns="91425" spcFirstLastPara="1" rIns="91425" wrap="square" tIns="91425">
+          <a:bodyPr spcFirstLastPara="1" wrap="square" lIns="91425" tIns="91425" rIns="91425" bIns="91425" anchor="t" anchorCtr="0">
             <a:noAutofit/>
           </a:bodyPr>
           <a:lstStyle/>
           <a:p>
-            <a:pPr indent="0" lvl="0" marL="0" rtl="0" algn="l">
+            <a:pPr marL="0" lvl="0" indent="0" algn="l" rtl="0">
               <a:spcBef>
                 <a:spcPts val="0"/>
               </a:spcBef>
@@ -1080,9 +1118,6 @@
               </a:spcAft>
               <a:buNone/>
             </a:pPr>
-            <a:r>
-              <a:t/>
-            </a:r>
             <a:endParaRPr/>
           </a:p>
         </p:txBody>
@@ -1096,11 +1131,11 @@
 </file>
 
 <file path=ppt/notesSlides/notesSlide13.xml><?xml version="1.0" encoding="utf-8"?>
-<p:notes xmlns:a="http://schemas.openxmlformats.org/drawingml/2006/main" xmlns:r="http://schemas.openxmlformats.org/officeDocument/2006/relationships" xmlns:mc="http://schemas.openxmlformats.org/markup-compatibility/2006" xmlns:mv="urn:schemas-microsoft-com:mac:vml" xmlns:p="http://schemas.openxmlformats.org/presentationml/2006/main" xmlns:c="http://schemas.openxmlformats.org/drawingml/2006/chart" xmlns:dgm="http://schemas.openxmlformats.org/drawingml/2006/diagram" xmlns:o="urn:schemas-microsoft-com:office:office" xmlns:v="urn:schemas-microsoft-com:vml" xmlns:pvml="urn:schemas-microsoft-com:office:powerpoint" xmlns:com="http://schemas.openxmlformats.org/drawingml/2006/compatibility" xmlns:p14="http://schemas.microsoft.com/office/powerpoint/2010/main" xmlns:p15="http://schemas.microsoft.com/office/powerpoint/2012/main" xmlns:ahyp="http://schemas.microsoft.com/office/drawing/2018/hyperlinkcolor" showMasterPhAnim="0" showMasterSp="0">
+<p:notes xmlns:a="http://schemas.openxmlformats.org/drawingml/2006/main" xmlns:r="http://schemas.openxmlformats.org/officeDocument/2006/relationships" xmlns:p="http://schemas.openxmlformats.org/presentationml/2006/main" showMasterSp="0" showMasterPhAnim="0">
   <p:cSld>
     <p:spTree>
       <p:nvGrpSpPr>
-        <p:cNvPr id="130" name="Shape 130"/>
+        <p:cNvPr id="1" name="Shape 130"/>
         <p:cNvGrpSpPr/>
         <p:nvPr/>
       </p:nvGrpSpPr>
@@ -1115,9 +1150,11 @@
       <p:sp>
         <p:nvSpPr>
           <p:cNvPr id="131" name="Google Shape;131;g25ea0b40176_2_20:notes"/>
-          <p:cNvSpPr/>
+          <p:cNvSpPr>
+            <a:spLocks noGrp="1" noRot="1" noChangeAspect="1"/>
+          </p:cNvSpPr>
           <p:nvPr>
-            <p:ph idx="2" type="sldImg"/>
+            <p:ph type="sldImg" idx="2"/>
           </p:nvPr>
         </p:nvSpPr>
         <p:spPr>
@@ -1126,9 +1163,13 @@
             <a:ext cx="6096000" cy="3429000"/>
           </a:xfrm>
           <a:custGeom>
-            <a:rect b="b" l="l" r="r" t="t"/>
+            <a:avLst/>
+            <a:gdLst/>
+            <a:ahLst/>
+            <a:cxnLst/>
+            <a:rect l="l" t="t" r="r" b="b"/>
             <a:pathLst>
-              <a:path extrusionOk="0" h="120000" w="120000">
+              <a:path w="120000" h="120000" extrusionOk="0">
                 <a:moveTo>
                   <a:pt x="0" y="0"/>
                 </a:moveTo>
@@ -1150,9 +1191,11 @@
       <p:sp>
         <p:nvSpPr>
           <p:cNvPr id="132" name="Google Shape;132;g25ea0b40176_2_20:notes"/>
-          <p:cNvSpPr txBox="1"/>
+          <p:cNvSpPr txBox="1">
+            <a:spLocks noGrp="1"/>
+          </p:cNvSpPr>
           <p:nvPr>
-            <p:ph idx="1" type="body"/>
+            <p:ph type="body" idx="1"/>
           </p:nvPr>
         </p:nvSpPr>
         <p:spPr>
@@ -1165,12 +1208,12 @@
           </a:prstGeom>
         </p:spPr>
         <p:txBody>
-          <a:bodyPr anchorCtr="0" anchor="t" bIns="91425" lIns="91425" spcFirstLastPara="1" rIns="91425" wrap="square" tIns="91425">
+          <a:bodyPr spcFirstLastPara="1" wrap="square" lIns="91425" tIns="91425" rIns="91425" bIns="91425" anchor="t" anchorCtr="0">
             <a:noAutofit/>
           </a:bodyPr>
           <a:lstStyle/>
           <a:p>
-            <a:pPr indent="0" lvl="0" marL="0" rtl="0" algn="l">
+            <a:pPr marL="0" lvl="0" indent="0" algn="l" rtl="0">
               <a:spcBef>
                 <a:spcPts val="0"/>
               </a:spcBef>
@@ -1179,9 +1222,6 @@
               </a:spcAft>
               <a:buNone/>
             </a:pPr>
-            <a:r>
-              <a:t/>
-            </a:r>
             <a:endParaRPr/>
           </a:p>
         </p:txBody>
@@ -1195,11 +1235,11 @@
 </file>
 
 <file path=ppt/notesSlides/notesSlide14.xml><?xml version="1.0" encoding="utf-8"?>
-<p:notes xmlns:a="http://schemas.openxmlformats.org/drawingml/2006/main" xmlns:r="http://schemas.openxmlformats.org/officeDocument/2006/relationships" xmlns:mc="http://schemas.openxmlformats.org/markup-compatibility/2006" xmlns:mv="urn:schemas-microsoft-com:mac:vml" xmlns:p="http://schemas.openxmlformats.org/presentationml/2006/main" xmlns:c="http://schemas.openxmlformats.org/drawingml/2006/chart" xmlns:dgm="http://schemas.openxmlformats.org/drawingml/2006/diagram" xmlns:o="urn:schemas-microsoft-com:office:office" xmlns:v="urn:schemas-microsoft-com:vml" xmlns:pvml="urn:schemas-microsoft-com:office:powerpoint" xmlns:com="http://schemas.openxmlformats.org/drawingml/2006/compatibility" xmlns:p14="http://schemas.microsoft.com/office/powerpoint/2010/main" xmlns:p15="http://schemas.microsoft.com/office/powerpoint/2012/main" xmlns:ahyp="http://schemas.microsoft.com/office/drawing/2018/hyperlinkcolor" showMasterPhAnim="0" showMasterSp="0">
+<p:notes xmlns:a="http://schemas.openxmlformats.org/drawingml/2006/main" xmlns:r="http://schemas.openxmlformats.org/officeDocument/2006/relationships" xmlns:p="http://schemas.openxmlformats.org/presentationml/2006/main" showMasterSp="0" showMasterPhAnim="0">
   <p:cSld>
     <p:spTree>
       <p:nvGrpSpPr>
-        <p:cNvPr id="138" name="Shape 138"/>
+        <p:cNvPr id="1" name="Shape 138"/>
         <p:cNvGrpSpPr/>
         <p:nvPr/>
       </p:nvGrpSpPr>
@@ -1214,9 +1254,11 @@
       <p:sp>
         <p:nvSpPr>
           <p:cNvPr id="139" name="Google Shape;139;g25ea0b40176_1_389:notes"/>
-          <p:cNvSpPr/>
+          <p:cNvSpPr>
+            <a:spLocks noGrp="1" noRot="1" noChangeAspect="1"/>
+          </p:cNvSpPr>
           <p:nvPr>
-            <p:ph idx="2" type="sldImg"/>
+            <p:ph type="sldImg" idx="2"/>
           </p:nvPr>
         </p:nvSpPr>
         <p:spPr>
@@ -1225,9 +1267,13 @@
             <a:ext cx="6096000" cy="3429000"/>
           </a:xfrm>
           <a:custGeom>
-            <a:rect b="b" l="l" r="r" t="t"/>
+            <a:avLst/>
+            <a:gdLst/>
+            <a:ahLst/>
+            <a:cxnLst/>
+            <a:rect l="l" t="t" r="r" b="b"/>
             <a:pathLst>
-              <a:path extrusionOk="0" h="120000" w="120000">
+              <a:path w="120000" h="120000" extrusionOk="0">
                 <a:moveTo>
                   <a:pt x="0" y="0"/>
                 </a:moveTo>
@@ -1249,9 +1295,11 @@
       <p:sp>
         <p:nvSpPr>
           <p:cNvPr id="140" name="Google Shape;140;g25ea0b40176_1_389:notes"/>
-          <p:cNvSpPr txBox="1"/>
+          <p:cNvSpPr txBox="1">
+            <a:spLocks noGrp="1"/>
+          </p:cNvSpPr>
           <p:nvPr>
-            <p:ph idx="1" type="body"/>
+            <p:ph type="body" idx="1"/>
           </p:nvPr>
         </p:nvSpPr>
         <p:spPr>
@@ -1264,12 +1312,12 @@
           </a:prstGeom>
         </p:spPr>
         <p:txBody>
-          <a:bodyPr anchorCtr="0" anchor="t" bIns="91425" lIns="91425" spcFirstLastPara="1" rIns="91425" wrap="square" tIns="91425">
+          <a:bodyPr spcFirstLastPara="1" wrap="square" lIns="91425" tIns="91425" rIns="91425" bIns="91425" anchor="t" anchorCtr="0">
             <a:noAutofit/>
           </a:bodyPr>
           <a:lstStyle/>
           <a:p>
-            <a:pPr indent="0" lvl="0" marL="0" rtl="0" algn="l">
+            <a:pPr marL="0" lvl="0" indent="0" algn="l" rtl="0">
               <a:spcBef>
                 <a:spcPts val="0"/>
               </a:spcBef>
@@ -1278,9 +1326,6 @@
               </a:spcAft>
               <a:buNone/>
             </a:pPr>
-            <a:r>
-              <a:t/>
-            </a:r>
             <a:endParaRPr/>
           </a:p>
         </p:txBody>
@@ -1294,11 +1339,11 @@
 </file>
 
 <file path=ppt/notesSlides/notesSlide2.xml><?xml version="1.0" encoding="utf-8"?>
-<p:notes xmlns:a="http://schemas.openxmlformats.org/drawingml/2006/main" xmlns:r="http://schemas.openxmlformats.org/officeDocument/2006/relationships" xmlns:mc="http://schemas.openxmlformats.org/markup-compatibility/2006" xmlns:mv="urn:schemas-microsoft-com:mac:vml" xmlns:p="http://schemas.openxmlformats.org/presentationml/2006/main" xmlns:c="http://schemas.openxmlformats.org/drawingml/2006/chart" xmlns:dgm="http://schemas.openxmlformats.org/drawingml/2006/diagram" xmlns:o="urn:schemas-microsoft-com:office:office" xmlns:v="urn:schemas-microsoft-com:vml" xmlns:pvml="urn:schemas-microsoft-com:office:powerpoint" xmlns:com="http://schemas.openxmlformats.org/drawingml/2006/compatibility" xmlns:p14="http://schemas.microsoft.com/office/powerpoint/2010/main" xmlns:p15="http://schemas.microsoft.com/office/powerpoint/2012/main" xmlns:ahyp="http://schemas.microsoft.com/office/drawing/2018/hyperlinkcolor" showMasterPhAnim="0" showMasterSp="0">
+<p:notes xmlns:a="http://schemas.openxmlformats.org/drawingml/2006/main" xmlns:r="http://schemas.openxmlformats.org/officeDocument/2006/relationships" xmlns:p="http://schemas.openxmlformats.org/presentationml/2006/main" showMasterSp="0" showMasterPhAnim="0">
   <p:cSld>
     <p:spTree>
       <p:nvGrpSpPr>
-        <p:cNvPr id="56" name="Shape 56"/>
+        <p:cNvPr id="1" name="Shape 56"/>
         <p:cNvGrpSpPr/>
         <p:nvPr/>
       </p:nvGrpSpPr>
@@ -1313,20 +1358,26 @@
       <p:sp>
         <p:nvSpPr>
           <p:cNvPr id="57" name="Google Shape;57;g25ea0b40176_1_90:notes"/>
-          <p:cNvSpPr/>
+          <p:cNvSpPr>
+            <a:spLocks noGrp="1" noRot="1" noChangeAspect="1"/>
+          </p:cNvSpPr>
           <p:nvPr>
-            <p:ph idx="2" type="sldImg"/>
+            <p:ph type="sldImg" idx="2"/>
           </p:nvPr>
         </p:nvSpPr>
         <p:spPr>
           <a:xfrm>
-            <a:off x="381300" y="685800"/>
+            <a:off x="381000" y="685800"/>
             <a:ext cx="6096000" cy="3429000"/>
           </a:xfrm>
           <a:custGeom>
-            <a:rect b="b" l="l" r="r" t="t"/>
+            <a:avLst/>
+            <a:gdLst/>
+            <a:ahLst/>
+            <a:cxnLst/>
+            <a:rect l="l" t="t" r="r" b="b"/>
             <a:pathLst>
-              <a:path extrusionOk="0" h="120000" w="120000">
+              <a:path w="120000" h="120000" extrusionOk="0">
                 <a:moveTo>
                   <a:pt x="0" y="0"/>
                 </a:moveTo>
@@ -1348,9 +1399,11 @@
       <p:sp>
         <p:nvSpPr>
           <p:cNvPr id="58" name="Google Shape;58;g25ea0b40176_1_90:notes"/>
-          <p:cNvSpPr txBox="1"/>
+          <p:cNvSpPr txBox="1">
+            <a:spLocks noGrp="1"/>
+          </p:cNvSpPr>
           <p:nvPr>
-            <p:ph idx="1" type="body"/>
+            <p:ph type="body" idx="1"/>
           </p:nvPr>
         </p:nvSpPr>
         <p:spPr>
@@ -1363,12 +1416,12 @@
           </a:prstGeom>
         </p:spPr>
         <p:txBody>
-          <a:bodyPr anchorCtr="0" anchor="t" bIns="91425" lIns="91425" spcFirstLastPara="1" rIns="91425" wrap="square" tIns="91425">
+          <a:bodyPr spcFirstLastPara="1" wrap="square" lIns="91425" tIns="91425" rIns="91425" bIns="91425" anchor="t" anchorCtr="0">
             <a:noAutofit/>
           </a:bodyPr>
           <a:lstStyle/>
           <a:p>
-            <a:pPr indent="0" lvl="0" marL="0" rtl="0" algn="l">
+            <a:pPr marL="0" lvl="0" indent="0" algn="l" rtl="0">
               <a:spcBef>
                 <a:spcPts val="0"/>
               </a:spcBef>
@@ -1377,9 +1430,6 @@
               </a:spcAft>
               <a:buNone/>
             </a:pPr>
-            <a:r>
-              <a:t/>
-            </a:r>
             <a:endParaRPr/>
           </a:p>
         </p:txBody>
@@ -1393,11 +1443,11 @@
 </file>
 
 <file path=ppt/notesSlides/notesSlide3.xml><?xml version="1.0" encoding="utf-8"?>
-<p:notes xmlns:a="http://schemas.openxmlformats.org/drawingml/2006/main" xmlns:r="http://schemas.openxmlformats.org/officeDocument/2006/relationships" xmlns:mc="http://schemas.openxmlformats.org/markup-compatibility/2006" xmlns:mv="urn:schemas-microsoft-com:mac:vml" xmlns:p="http://schemas.openxmlformats.org/presentationml/2006/main" xmlns:c="http://schemas.openxmlformats.org/drawingml/2006/chart" xmlns:dgm="http://schemas.openxmlformats.org/drawingml/2006/diagram" xmlns:o="urn:schemas-microsoft-com:office:office" xmlns:v="urn:schemas-microsoft-com:vml" xmlns:pvml="urn:schemas-microsoft-com:office:powerpoint" xmlns:com="http://schemas.openxmlformats.org/drawingml/2006/compatibility" xmlns:p14="http://schemas.microsoft.com/office/powerpoint/2010/main" xmlns:p15="http://schemas.microsoft.com/office/powerpoint/2012/main" xmlns:ahyp="http://schemas.microsoft.com/office/drawing/2018/hyperlinkcolor" showMasterPhAnim="0" showMasterSp="0">
+<p:notes xmlns:a="http://schemas.openxmlformats.org/drawingml/2006/main" xmlns:r="http://schemas.openxmlformats.org/officeDocument/2006/relationships" xmlns:p="http://schemas.openxmlformats.org/presentationml/2006/main" showMasterSp="0" showMasterPhAnim="0">
   <p:cSld>
     <p:spTree>
       <p:nvGrpSpPr>
-        <p:cNvPr id="62" name="Shape 62"/>
+        <p:cNvPr id="1" name="Shape 62"/>
         <p:cNvGrpSpPr/>
         <p:nvPr/>
       </p:nvGrpSpPr>
@@ -1412,20 +1462,26 @@
       <p:sp>
         <p:nvSpPr>
           <p:cNvPr id="63" name="Google Shape;63;g25ea0b40176_1_0:notes"/>
-          <p:cNvSpPr/>
+          <p:cNvSpPr>
+            <a:spLocks noGrp="1" noRot="1" noChangeAspect="1"/>
+          </p:cNvSpPr>
           <p:nvPr>
-            <p:ph idx="2" type="sldImg"/>
+            <p:ph type="sldImg" idx="2"/>
           </p:nvPr>
         </p:nvSpPr>
         <p:spPr>
           <a:xfrm>
-            <a:off x="381300" y="685800"/>
+            <a:off x="381000" y="685800"/>
             <a:ext cx="6096000" cy="3429000"/>
           </a:xfrm>
           <a:custGeom>
-            <a:rect b="b" l="l" r="r" t="t"/>
+            <a:avLst/>
+            <a:gdLst/>
+            <a:ahLst/>
+            <a:cxnLst/>
+            <a:rect l="l" t="t" r="r" b="b"/>
             <a:pathLst>
-              <a:path extrusionOk="0" h="120000" w="120000">
+              <a:path w="120000" h="120000" extrusionOk="0">
                 <a:moveTo>
                   <a:pt x="0" y="0"/>
                 </a:moveTo>
@@ -1447,9 +1503,11 @@
       <p:sp>
         <p:nvSpPr>
           <p:cNvPr id="64" name="Google Shape;64;g25ea0b40176_1_0:notes"/>
-          <p:cNvSpPr txBox="1"/>
+          <p:cNvSpPr txBox="1">
+            <a:spLocks noGrp="1"/>
+          </p:cNvSpPr>
           <p:nvPr>
-            <p:ph idx="1" type="body"/>
+            <p:ph type="body" idx="1"/>
           </p:nvPr>
         </p:nvSpPr>
         <p:spPr>
@@ -1462,12 +1520,12 @@
           </a:prstGeom>
         </p:spPr>
         <p:txBody>
-          <a:bodyPr anchorCtr="0" anchor="t" bIns="91425" lIns="91425" spcFirstLastPara="1" rIns="91425" wrap="square" tIns="91425">
+          <a:bodyPr spcFirstLastPara="1" wrap="square" lIns="91425" tIns="91425" rIns="91425" bIns="91425" anchor="t" anchorCtr="0">
             <a:noAutofit/>
           </a:bodyPr>
           <a:lstStyle/>
           <a:p>
-            <a:pPr indent="0" lvl="0" marL="0" rtl="0" algn="l">
+            <a:pPr marL="0" lvl="0" indent="0" algn="l" rtl="0">
               <a:spcBef>
                 <a:spcPts val="0"/>
               </a:spcBef>
@@ -1477,10 +1535,10 @@
               <a:buNone/>
             </a:pPr>
             <a:r>
-              <a:rPr lang="en"/>
+              <a:rPr lang="en" dirty="0"/>
               <a:t>The Bar charts show that Engineers have the best sleep (the average sleep duration and average quality of sleep is highest for Engineers).</a:t>
             </a:r>
-            <a:endParaRPr/>
+            <a:endParaRPr dirty="0"/>
           </a:p>
         </p:txBody>
       </p:sp>
@@ -1493,11 +1551,11 @@
 </file>
 
 <file path=ppt/notesSlides/notesSlide4.xml><?xml version="1.0" encoding="utf-8"?>
-<p:notes xmlns:a="http://schemas.openxmlformats.org/drawingml/2006/main" xmlns:r="http://schemas.openxmlformats.org/officeDocument/2006/relationships" xmlns:mc="http://schemas.openxmlformats.org/markup-compatibility/2006" xmlns:mv="urn:schemas-microsoft-com:mac:vml" xmlns:p="http://schemas.openxmlformats.org/presentationml/2006/main" xmlns:c="http://schemas.openxmlformats.org/drawingml/2006/chart" xmlns:dgm="http://schemas.openxmlformats.org/drawingml/2006/diagram" xmlns:o="urn:schemas-microsoft-com:office:office" xmlns:v="urn:schemas-microsoft-com:vml" xmlns:pvml="urn:schemas-microsoft-com:office:powerpoint" xmlns:com="http://schemas.openxmlformats.org/drawingml/2006/compatibility" xmlns:p14="http://schemas.microsoft.com/office/powerpoint/2010/main" xmlns:p15="http://schemas.microsoft.com/office/powerpoint/2012/main" xmlns:ahyp="http://schemas.microsoft.com/office/drawing/2018/hyperlinkcolor" showMasterPhAnim="0" showMasterSp="0">
+<p:notes xmlns:a="http://schemas.openxmlformats.org/drawingml/2006/main" xmlns:r="http://schemas.openxmlformats.org/officeDocument/2006/relationships" xmlns:p="http://schemas.openxmlformats.org/presentationml/2006/main" showMasterSp="0" showMasterPhAnim="0">
   <p:cSld>
     <p:spTree>
       <p:nvGrpSpPr>
-        <p:cNvPr id="69" name="Shape 69"/>
+        <p:cNvPr id="1" name="Shape 69"/>
         <p:cNvGrpSpPr/>
         <p:nvPr/>
       </p:nvGrpSpPr>
@@ -1512,9 +1570,11 @@
       <p:sp>
         <p:nvSpPr>
           <p:cNvPr id="70" name="Google Shape;70;g25ea0b40176_1_42:notes"/>
-          <p:cNvSpPr/>
+          <p:cNvSpPr>
+            <a:spLocks noGrp="1" noRot="1" noChangeAspect="1"/>
+          </p:cNvSpPr>
           <p:nvPr>
-            <p:ph idx="2" type="sldImg"/>
+            <p:ph type="sldImg" idx="2"/>
           </p:nvPr>
         </p:nvSpPr>
         <p:spPr>
@@ -1523,9 +1583,13 @@
             <a:ext cx="6096000" cy="3429000"/>
           </a:xfrm>
           <a:custGeom>
-            <a:rect b="b" l="l" r="r" t="t"/>
+            <a:avLst/>
+            <a:gdLst/>
+            <a:ahLst/>
+            <a:cxnLst/>
+            <a:rect l="l" t="t" r="r" b="b"/>
             <a:pathLst>
-              <a:path extrusionOk="0" h="120000" w="120000">
+              <a:path w="120000" h="120000" extrusionOk="0">
                 <a:moveTo>
                   <a:pt x="0" y="0"/>
                 </a:moveTo>
@@ -1547,9 +1611,11 @@
       <p:sp>
         <p:nvSpPr>
           <p:cNvPr id="71" name="Google Shape;71;g25ea0b40176_1_42:notes"/>
-          <p:cNvSpPr txBox="1"/>
+          <p:cNvSpPr txBox="1">
+            <a:spLocks noGrp="1"/>
+          </p:cNvSpPr>
           <p:nvPr>
-            <p:ph idx="1" type="body"/>
+            <p:ph type="body" idx="1"/>
           </p:nvPr>
         </p:nvSpPr>
         <p:spPr>
@@ -1562,12 +1628,12 @@
           </a:prstGeom>
         </p:spPr>
         <p:txBody>
-          <a:bodyPr anchorCtr="0" anchor="t" bIns="91425" lIns="91425" spcFirstLastPara="1" rIns="91425" wrap="square" tIns="91425">
+          <a:bodyPr spcFirstLastPara="1" wrap="square" lIns="91425" tIns="91425" rIns="91425" bIns="91425" anchor="t" anchorCtr="0">
             <a:noAutofit/>
           </a:bodyPr>
           <a:lstStyle/>
           <a:p>
-            <a:pPr indent="0" lvl="0" marL="0" rtl="0" algn="l">
+            <a:pPr marL="0" lvl="0" indent="0" algn="l" rtl="0">
               <a:spcBef>
                 <a:spcPts val="0"/>
               </a:spcBef>
@@ -1576,9 +1642,6 @@
               </a:spcAft>
               <a:buNone/>
             </a:pPr>
-            <a:r>
-              <a:t/>
-            </a:r>
             <a:endParaRPr/>
           </a:p>
         </p:txBody>
@@ -1592,11 +1655,11 @@
 </file>
 
 <file path=ppt/notesSlides/notesSlide5.xml><?xml version="1.0" encoding="utf-8"?>
-<p:notes xmlns:a="http://schemas.openxmlformats.org/drawingml/2006/main" xmlns:r="http://schemas.openxmlformats.org/officeDocument/2006/relationships" xmlns:mc="http://schemas.openxmlformats.org/markup-compatibility/2006" xmlns:mv="urn:schemas-microsoft-com:mac:vml" xmlns:p="http://schemas.openxmlformats.org/presentationml/2006/main" xmlns:c="http://schemas.openxmlformats.org/drawingml/2006/chart" xmlns:dgm="http://schemas.openxmlformats.org/drawingml/2006/diagram" xmlns:o="urn:schemas-microsoft-com:office:office" xmlns:v="urn:schemas-microsoft-com:vml" xmlns:pvml="urn:schemas-microsoft-com:office:powerpoint" xmlns:com="http://schemas.openxmlformats.org/drawingml/2006/compatibility" xmlns:p14="http://schemas.microsoft.com/office/powerpoint/2010/main" xmlns:p15="http://schemas.microsoft.com/office/powerpoint/2012/main" xmlns:ahyp="http://schemas.microsoft.com/office/drawing/2018/hyperlinkcolor" showMasterPhAnim="0" showMasterSp="0">
+<p:notes xmlns:a="http://schemas.openxmlformats.org/drawingml/2006/main" xmlns:r="http://schemas.openxmlformats.org/officeDocument/2006/relationships" xmlns:p="http://schemas.openxmlformats.org/presentationml/2006/main" showMasterSp="0" showMasterPhAnim="0">
   <p:cSld>
     <p:spTree>
       <p:nvGrpSpPr>
-        <p:cNvPr id="76" name="Shape 76"/>
+        <p:cNvPr id="1" name="Shape 76"/>
         <p:cNvGrpSpPr/>
         <p:nvPr/>
       </p:nvGrpSpPr>
@@ -1611,20 +1674,26 @@
       <p:sp>
         <p:nvSpPr>
           <p:cNvPr id="77" name="Google Shape;77;g25ea0b40176_1_17:notes"/>
-          <p:cNvSpPr/>
+          <p:cNvSpPr>
+            <a:spLocks noGrp="1" noRot="1" noChangeAspect="1"/>
+          </p:cNvSpPr>
           <p:nvPr>
-            <p:ph idx="2" type="sldImg"/>
+            <p:ph type="sldImg" idx="2"/>
           </p:nvPr>
         </p:nvSpPr>
         <p:spPr>
           <a:xfrm>
-            <a:off x="381300" y="685800"/>
+            <a:off x="381000" y="685800"/>
             <a:ext cx="6096000" cy="3429000"/>
           </a:xfrm>
           <a:custGeom>
-            <a:rect b="b" l="l" r="r" t="t"/>
+            <a:avLst/>
+            <a:gdLst/>
+            <a:ahLst/>
+            <a:cxnLst/>
+            <a:rect l="l" t="t" r="r" b="b"/>
             <a:pathLst>
-              <a:path extrusionOk="0" h="120000" w="120000">
+              <a:path w="120000" h="120000" extrusionOk="0">
                 <a:moveTo>
                   <a:pt x="0" y="0"/>
                 </a:moveTo>
@@ -1646,9 +1715,11 @@
       <p:sp>
         <p:nvSpPr>
           <p:cNvPr id="78" name="Google Shape;78;g25ea0b40176_1_17:notes"/>
-          <p:cNvSpPr txBox="1"/>
+          <p:cNvSpPr txBox="1">
+            <a:spLocks noGrp="1"/>
+          </p:cNvSpPr>
           <p:nvPr>
-            <p:ph idx="1" type="body"/>
+            <p:ph type="body" idx="1"/>
           </p:nvPr>
         </p:nvSpPr>
         <p:spPr>
@@ -1661,12 +1732,12 @@
           </a:prstGeom>
         </p:spPr>
         <p:txBody>
-          <a:bodyPr anchorCtr="0" anchor="t" bIns="91425" lIns="91425" spcFirstLastPara="1" rIns="91425" wrap="square" tIns="91425">
+          <a:bodyPr spcFirstLastPara="1" wrap="square" lIns="91425" tIns="91425" rIns="91425" bIns="91425" anchor="t" anchorCtr="0">
             <a:noAutofit/>
           </a:bodyPr>
           <a:lstStyle/>
           <a:p>
-            <a:pPr indent="0" lvl="0" marL="0" rtl="0" algn="l">
+            <a:pPr marL="0" lvl="0" indent="0" algn="l" rtl="0">
               <a:spcBef>
                 <a:spcPts val="0"/>
               </a:spcBef>
@@ -1675,9 +1746,6 @@
               </a:spcAft>
               <a:buNone/>
             </a:pPr>
-            <a:r>
-              <a:t/>
-            </a:r>
             <a:endParaRPr/>
           </a:p>
         </p:txBody>
@@ -1691,11 +1759,11 @@
 </file>
 
 <file path=ppt/notesSlides/notesSlide6.xml><?xml version="1.0" encoding="utf-8"?>
-<p:notes xmlns:a="http://schemas.openxmlformats.org/drawingml/2006/main" xmlns:r="http://schemas.openxmlformats.org/officeDocument/2006/relationships" xmlns:mc="http://schemas.openxmlformats.org/markup-compatibility/2006" xmlns:mv="urn:schemas-microsoft-com:mac:vml" xmlns:p="http://schemas.openxmlformats.org/presentationml/2006/main" xmlns:c="http://schemas.openxmlformats.org/drawingml/2006/chart" xmlns:dgm="http://schemas.openxmlformats.org/drawingml/2006/diagram" xmlns:o="urn:schemas-microsoft-com:office:office" xmlns:v="urn:schemas-microsoft-com:vml" xmlns:pvml="urn:schemas-microsoft-com:office:powerpoint" xmlns:com="http://schemas.openxmlformats.org/drawingml/2006/compatibility" xmlns:p14="http://schemas.microsoft.com/office/powerpoint/2010/main" xmlns:p15="http://schemas.microsoft.com/office/powerpoint/2012/main" xmlns:ahyp="http://schemas.microsoft.com/office/drawing/2018/hyperlinkcolor" showMasterPhAnim="0" showMasterSp="0">
+<p:notes xmlns:a="http://schemas.openxmlformats.org/drawingml/2006/main" xmlns:r="http://schemas.openxmlformats.org/officeDocument/2006/relationships" xmlns:p="http://schemas.openxmlformats.org/presentationml/2006/main" showMasterSp="0" showMasterPhAnim="0">
   <p:cSld>
     <p:spTree>
       <p:nvGrpSpPr>
-        <p:cNvPr id="85" name="Shape 85"/>
+        <p:cNvPr id="1" name="Shape 85"/>
         <p:cNvGrpSpPr/>
         <p:nvPr/>
       </p:nvGrpSpPr>
@@ -1710,20 +1778,26 @@
       <p:sp>
         <p:nvSpPr>
           <p:cNvPr id="86" name="Google Shape;86;g25ea0b40176_0_0:notes"/>
-          <p:cNvSpPr/>
+          <p:cNvSpPr>
+            <a:spLocks noGrp="1" noRot="1" noChangeAspect="1"/>
+          </p:cNvSpPr>
           <p:nvPr>
-            <p:ph idx="2" type="sldImg"/>
+            <p:ph type="sldImg" idx="2"/>
           </p:nvPr>
         </p:nvSpPr>
         <p:spPr>
           <a:xfrm>
-            <a:off x="381300" y="685800"/>
+            <a:off x="381000" y="685800"/>
             <a:ext cx="6096000" cy="3429000"/>
           </a:xfrm>
           <a:custGeom>
-            <a:rect b="b" l="l" r="r" t="t"/>
+            <a:avLst/>
+            <a:gdLst/>
+            <a:ahLst/>
+            <a:cxnLst/>
+            <a:rect l="l" t="t" r="r" b="b"/>
             <a:pathLst>
-              <a:path extrusionOk="0" h="120000" w="120000">
+              <a:path w="120000" h="120000" extrusionOk="0">
                 <a:moveTo>
                   <a:pt x="0" y="0"/>
                 </a:moveTo>
@@ -1745,9 +1819,11 @@
       <p:sp>
         <p:nvSpPr>
           <p:cNvPr id="87" name="Google Shape;87;g25ea0b40176_0_0:notes"/>
-          <p:cNvSpPr txBox="1"/>
+          <p:cNvSpPr txBox="1">
+            <a:spLocks noGrp="1"/>
+          </p:cNvSpPr>
           <p:nvPr>
-            <p:ph idx="1" type="body"/>
+            <p:ph type="body" idx="1"/>
           </p:nvPr>
         </p:nvSpPr>
         <p:spPr>
@@ -1760,12 +1836,12 @@
           </a:prstGeom>
         </p:spPr>
         <p:txBody>
-          <a:bodyPr anchorCtr="0" anchor="t" bIns="91425" lIns="91425" spcFirstLastPara="1" rIns="91425" wrap="square" tIns="91425">
+          <a:bodyPr spcFirstLastPara="1" wrap="square" lIns="91425" tIns="91425" rIns="91425" bIns="91425" anchor="t" anchorCtr="0">
             <a:noAutofit/>
           </a:bodyPr>
           <a:lstStyle/>
           <a:p>
-            <a:pPr indent="-298450" lvl="0" marL="457200" rtl="0" algn="l">
+            <a:pPr marL="457200" lvl="0" indent="-298450" algn="l" rtl="0">
               <a:spcBef>
                 <a:spcPts val="0"/>
               </a:spcBef>
@@ -1782,7 +1858,7 @@
             <a:endParaRPr/>
           </a:p>
           <a:p>
-            <a:pPr indent="-298450" lvl="0" marL="457200" rtl="0" algn="l">
+            <a:pPr marL="457200" lvl="0" indent="-298450" algn="l" rtl="0">
               <a:spcBef>
                 <a:spcPts val="0"/>
               </a:spcBef>
@@ -1809,11 +1885,11 @@
 </file>
 
 <file path=ppt/notesSlides/notesSlide7.xml><?xml version="1.0" encoding="utf-8"?>
-<p:notes xmlns:a="http://schemas.openxmlformats.org/drawingml/2006/main" xmlns:r="http://schemas.openxmlformats.org/officeDocument/2006/relationships" xmlns:mc="http://schemas.openxmlformats.org/markup-compatibility/2006" xmlns:mv="urn:schemas-microsoft-com:mac:vml" xmlns:p="http://schemas.openxmlformats.org/presentationml/2006/main" xmlns:c="http://schemas.openxmlformats.org/drawingml/2006/chart" xmlns:dgm="http://schemas.openxmlformats.org/drawingml/2006/diagram" xmlns:o="urn:schemas-microsoft-com:office:office" xmlns:v="urn:schemas-microsoft-com:vml" xmlns:pvml="urn:schemas-microsoft-com:office:powerpoint" xmlns:com="http://schemas.openxmlformats.org/drawingml/2006/compatibility" xmlns:p14="http://schemas.microsoft.com/office/powerpoint/2010/main" xmlns:p15="http://schemas.microsoft.com/office/powerpoint/2012/main" xmlns:ahyp="http://schemas.microsoft.com/office/drawing/2018/hyperlinkcolor" showMasterPhAnim="0" showMasterSp="0">
+<p:notes xmlns:a="http://schemas.openxmlformats.org/drawingml/2006/main" xmlns:r="http://schemas.openxmlformats.org/officeDocument/2006/relationships" xmlns:p="http://schemas.openxmlformats.org/presentationml/2006/main" showMasterSp="0" showMasterPhAnim="0">
   <p:cSld>
     <p:spTree>
       <p:nvGrpSpPr>
-        <p:cNvPr id="92" name="Shape 92"/>
+        <p:cNvPr id="1" name="Shape 92"/>
         <p:cNvGrpSpPr/>
         <p:nvPr/>
       </p:nvGrpSpPr>
@@ -1828,20 +1904,26 @@
       <p:sp>
         <p:nvSpPr>
           <p:cNvPr id="93" name="Google Shape;93;g25ea0b40176_0_6:notes"/>
-          <p:cNvSpPr/>
+          <p:cNvSpPr>
+            <a:spLocks noGrp="1" noRot="1" noChangeAspect="1"/>
+          </p:cNvSpPr>
           <p:nvPr>
-            <p:ph idx="2" type="sldImg"/>
+            <p:ph type="sldImg" idx="2"/>
           </p:nvPr>
         </p:nvSpPr>
         <p:spPr>
           <a:xfrm>
-            <a:off x="381300" y="685800"/>
+            <a:off x="381000" y="685800"/>
             <a:ext cx="6096000" cy="3429000"/>
           </a:xfrm>
           <a:custGeom>
-            <a:rect b="b" l="l" r="r" t="t"/>
+            <a:avLst/>
+            <a:gdLst/>
+            <a:ahLst/>
+            <a:cxnLst/>
+            <a:rect l="l" t="t" r="r" b="b"/>
             <a:pathLst>
-              <a:path extrusionOk="0" h="120000" w="120000">
+              <a:path w="120000" h="120000" extrusionOk="0">
                 <a:moveTo>
                   <a:pt x="0" y="0"/>
                 </a:moveTo>
@@ -1863,9 +1945,11 @@
       <p:sp>
         <p:nvSpPr>
           <p:cNvPr id="94" name="Google Shape;94;g25ea0b40176_0_6:notes"/>
-          <p:cNvSpPr txBox="1"/>
+          <p:cNvSpPr txBox="1">
+            <a:spLocks noGrp="1"/>
+          </p:cNvSpPr>
           <p:nvPr>
-            <p:ph idx="1" type="body"/>
+            <p:ph type="body" idx="1"/>
           </p:nvPr>
         </p:nvSpPr>
         <p:spPr>
@@ -1878,12 +1962,12 @@
           </a:prstGeom>
         </p:spPr>
         <p:txBody>
-          <a:bodyPr anchorCtr="0" anchor="t" bIns="91425" lIns="91425" spcFirstLastPara="1" rIns="91425" wrap="square" tIns="91425">
+          <a:bodyPr spcFirstLastPara="1" wrap="square" lIns="91425" tIns="91425" rIns="91425" bIns="91425" anchor="t" anchorCtr="0">
             <a:noAutofit/>
           </a:bodyPr>
           <a:lstStyle/>
           <a:p>
-            <a:pPr indent="-298450" lvl="0" marL="457200" rtl="0" algn="l">
+            <a:pPr marL="457200" lvl="0" indent="-298450" algn="l" rtl="0">
               <a:spcBef>
                 <a:spcPts val="0"/>
               </a:spcBef>
@@ -1900,7 +1984,7 @@
             <a:endParaRPr/>
           </a:p>
           <a:p>
-            <a:pPr indent="-298450" lvl="0" marL="457200" rtl="0" algn="l">
+            <a:pPr marL="457200" lvl="0" indent="-298450" algn="l" rtl="0">
               <a:spcBef>
                 <a:spcPts val="0"/>
               </a:spcBef>
@@ -1912,15 +1996,7 @@
             </a:pPr>
             <a:r>
               <a:rPr lang="en"/>
-              <a:t>Differences are more defined however once those sleep disorders are </a:t>
-            </a:r>
-            <a:r>
-              <a:rPr lang="en"/>
-              <a:t>separated</a:t>
-            </a:r>
-            <a:r>
-              <a:rPr lang="en"/>
-              <a:t> in regards to gender with females without a sleep disorder having the highest quality of sleep and males with insomnia having the lowest quality of sleep</a:t>
+              <a:t>Differences are more defined however once those sleep disorders are separated in regards to gender with females without a sleep disorder having the highest quality of sleep and males with insomnia having the lowest quality of sleep</a:t>
             </a:r>
             <a:endParaRPr/>
           </a:p>
@@ -1935,11 +2011,11 @@
 </file>
 
 <file path=ppt/notesSlides/notesSlide8.xml><?xml version="1.0" encoding="utf-8"?>
-<p:notes xmlns:a="http://schemas.openxmlformats.org/drawingml/2006/main" xmlns:r="http://schemas.openxmlformats.org/officeDocument/2006/relationships" xmlns:mc="http://schemas.openxmlformats.org/markup-compatibility/2006" xmlns:mv="urn:schemas-microsoft-com:mac:vml" xmlns:p="http://schemas.openxmlformats.org/presentationml/2006/main" xmlns:c="http://schemas.openxmlformats.org/drawingml/2006/chart" xmlns:dgm="http://schemas.openxmlformats.org/drawingml/2006/diagram" xmlns:o="urn:schemas-microsoft-com:office:office" xmlns:v="urn:schemas-microsoft-com:vml" xmlns:pvml="urn:schemas-microsoft-com:office:powerpoint" xmlns:com="http://schemas.openxmlformats.org/drawingml/2006/compatibility" xmlns:p14="http://schemas.microsoft.com/office/powerpoint/2010/main" xmlns:p15="http://schemas.microsoft.com/office/powerpoint/2012/main" xmlns:ahyp="http://schemas.microsoft.com/office/drawing/2018/hyperlinkcolor" showMasterPhAnim="0" showMasterSp="0">
+<p:notes xmlns:a="http://schemas.openxmlformats.org/drawingml/2006/main" xmlns:r="http://schemas.openxmlformats.org/officeDocument/2006/relationships" xmlns:p="http://schemas.openxmlformats.org/presentationml/2006/main" showMasterSp="0" showMasterPhAnim="0">
   <p:cSld>
     <p:spTree>
       <p:nvGrpSpPr>
-        <p:cNvPr id="99" name="Shape 99"/>
+        <p:cNvPr id="1" name="Shape 99"/>
         <p:cNvGrpSpPr/>
         <p:nvPr/>
       </p:nvGrpSpPr>
@@ -1954,9 +2030,11 @@
       <p:sp>
         <p:nvSpPr>
           <p:cNvPr id="100" name="Google Shape;100;g25ea0b40176_1_58:notes"/>
-          <p:cNvSpPr/>
+          <p:cNvSpPr>
+            <a:spLocks noGrp="1" noRot="1" noChangeAspect="1"/>
+          </p:cNvSpPr>
           <p:nvPr>
-            <p:ph idx="2" type="sldImg"/>
+            <p:ph type="sldImg" idx="2"/>
           </p:nvPr>
         </p:nvSpPr>
         <p:spPr>
@@ -1965,9 +2043,13 @@
             <a:ext cx="6096000" cy="3429000"/>
           </a:xfrm>
           <a:custGeom>
-            <a:rect b="b" l="l" r="r" t="t"/>
+            <a:avLst/>
+            <a:gdLst/>
+            <a:ahLst/>
+            <a:cxnLst/>
+            <a:rect l="l" t="t" r="r" b="b"/>
             <a:pathLst>
-              <a:path extrusionOk="0" h="120000" w="120000">
+              <a:path w="120000" h="120000" extrusionOk="0">
                 <a:moveTo>
                   <a:pt x="0" y="0"/>
                 </a:moveTo>
@@ -1989,9 +2071,11 @@
       <p:sp>
         <p:nvSpPr>
           <p:cNvPr id="101" name="Google Shape;101;g25ea0b40176_1_58:notes"/>
-          <p:cNvSpPr txBox="1"/>
+          <p:cNvSpPr txBox="1">
+            <a:spLocks noGrp="1"/>
+          </p:cNvSpPr>
           <p:nvPr>
-            <p:ph idx="1" type="body"/>
+            <p:ph type="body" idx="1"/>
           </p:nvPr>
         </p:nvSpPr>
         <p:spPr>
@@ -2004,12 +2088,12 @@
           </a:prstGeom>
         </p:spPr>
         <p:txBody>
-          <a:bodyPr anchorCtr="0" anchor="t" bIns="91425" lIns="91425" spcFirstLastPara="1" rIns="91425" wrap="square" tIns="91425">
+          <a:bodyPr spcFirstLastPara="1" wrap="square" lIns="91425" tIns="91425" rIns="91425" bIns="91425" anchor="t" anchorCtr="0">
             <a:noAutofit/>
           </a:bodyPr>
           <a:lstStyle/>
           <a:p>
-            <a:pPr indent="-292100" lvl="0" marL="457200" rtl="0" algn="l">
+            <a:pPr marL="457200" lvl="0" indent="-292100" algn="l" rtl="0">
               <a:spcBef>
                 <a:spcPts val="0"/>
               </a:spcBef>
@@ -2047,11 +2131,11 @@
 </file>
 
 <file path=ppt/notesSlides/notesSlide9.xml><?xml version="1.0" encoding="utf-8"?>
-<p:notes xmlns:a="http://schemas.openxmlformats.org/drawingml/2006/main" xmlns:r="http://schemas.openxmlformats.org/officeDocument/2006/relationships" xmlns:mc="http://schemas.openxmlformats.org/markup-compatibility/2006" xmlns:mv="urn:schemas-microsoft-com:mac:vml" xmlns:p="http://schemas.openxmlformats.org/presentationml/2006/main" xmlns:c="http://schemas.openxmlformats.org/drawingml/2006/chart" xmlns:dgm="http://schemas.openxmlformats.org/drawingml/2006/diagram" xmlns:o="urn:schemas-microsoft-com:office:office" xmlns:v="urn:schemas-microsoft-com:vml" xmlns:pvml="urn:schemas-microsoft-com:office:powerpoint" xmlns:com="http://schemas.openxmlformats.org/drawingml/2006/compatibility" xmlns:p14="http://schemas.microsoft.com/office/powerpoint/2010/main" xmlns:p15="http://schemas.microsoft.com/office/powerpoint/2012/main" xmlns:ahyp="http://schemas.microsoft.com/office/drawing/2018/hyperlinkcolor" showMasterPhAnim="0" showMasterSp="0">
+<p:notes xmlns:a="http://schemas.openxmlformats.org/drawingml/2006/main" xmlns:r="http://schemas.openxmlformats.org/officeDocument/2006/relationships" xmlns:p="http://schemas.openxmlformats.org/presentationml/2006/main" showMasterSp="0" showMasterPhAnim="0">
   <p:cSld>
     <p:spTree>
       <p:nvGrpSpPr>
-        <p:cNvPr id="106" name="Shape 106"/>
+        <p:cNvPr id="1" name="Shape 106"/>
         <p:cNvGrpSpPr/>
         <p:nvPr/>
       </p:nvGrpSpPr>
@@ -2066,9 +2150,11 @@
       <p:sp>
         <p:nvSpPr>
           <p:cNvPr id="107" name="Google Shape;107;g25ea0b40176_2_0:notes"/>
-          <p:cNvSpPr/>
+          <p:cNvSpPr>
+            <a:spLocks noGrp="1" noRot="1" noChangeAspect="1"/>
+          </p:cNvSpPr>
           <p:nvPr>
-            <p:ph idx="2" type="sldImg"/>
+            <p:ph type="sldImg" idx="2"/>
           </p:nvPr>
         </p:nvSpPr>
         <p:spPr>
@@ -2077,9 +2163,13 @@
             <a:ext cx="6096000" cy="3429000"/>
           </a:xfrm>
           <a:custGeom>
-            <a:rect b="b" l="l" r="r" t="t"/>
+            <a:avLst/>
+            <a:gdLst/>
+            <a:ahLst/>
+            <a:cxnLst/>
+            <a:rect l="l" t="t" r="r" b="b"/>
             <a:pathLst>
-              <a:path extrusionOk="0" h="120000" w="120000">
+              <a:path w="120000" h="120000" extrusionOk="0">
                 <a:moveTo>
                   <a:pt x="0" y="0"/>
                 </a:moveTo>
@@ -2101,9 +2191,11 @@
       <p:sp>
         <p:nvSpPr>
           <p:cNvPr id="108" name="Google Shape;108;g25ea0b40176_2_0:notes"/>
-          <p:cNvSpPr txBox="1"/>
+          <p:cNvSpPr txBox="1">
+            <a:spLocks noGrp="1"/>
+          </p:cNvSpPr>
           <p:nvPr>
-            <p:ph idx="1" type="body"/>
+            <p:ph type="body" idx="1"/>
           </p:nvPr>
         </p:nvSpPr>
         <p:spPr>
@@ -2116,12 +2208,12 @@
           </a:prstGeom>
         </p:spPr>
         <p:txBody>
-          <a:bodyPr anchorCtr="0" anchor="t" bIns="91425" lIns="91425" spcFirstLastPara="1" rIns="91425" wrap="square" tIns="91425">
+          <a:bodyPr spcFirstLastPara="1" wrap="square" lIns="91425" tIns="91425" rIns="91425" bIns="91425" anchor="t" anchorCtr="0">
             <a:noAutofit/>
           </a:bodyPr>
           <a:lstStyle/>
           <a:p>
-            <a:pPr indent="0" lvl="0" marL="0" rtl="0" algn="l">
+            <a:pPr marL="0" lvl="0" indent="0" algn="l" rtl="0">
               <a:spcBef>
                 <a:spcPts val="0"/>
               </a:spcBef>
@@ -2130,9 +2222,6 @@
               </a:spcAft>
               <a:buNone/>
             </a:pPr>
-            <a:r>
-              <a:t/>
-            </a:r>
             <a:endParaRPr/>
           </a:p>
         </p:txBody>
@@ -2146,11 +2235,11 @@
 </file>
 
 <file path=ppt/slideLayouts/slideLayout1.xml><?xml version="1.0" encoding="utf-8"?>
-<p:sldLayout xmlns:a="http://schemas.openxmlformats.org/drawingml/2006/main" xmlns:r="http://schemas.openxmlformats.org/officeDocument/2006/relationships" xmlns:mc="http://schemas.openxmlformats.org/markup-compatibility/2006" xmlns:mv="urn:schemas-microsoft-com:mac:vml" xmlns:p="http://schemas.openxmlformats.org/presentationml/2006/main" xmlns:c="http://schemas.openxmlformats.org/drawingml/2006/chart" xmlns:dgm="http://schemas.openxmlformats.org/drawingml/2006/diagram" xmlns:o="urn:schemas-microsoft-com:office:office" xmlns:v="urn:schemas-microsoft-com:vml" xmlns:pvml="urn:schemas-microsoft-com:office:powerpoint" xmlns:com="http://schemas.openxmlformats.org/drawingml/2006/compatibility" xmlns:p14="http://schemas.microsoft.com/office/powerpoint/2010/main" xmlns:p15="http://schemas.microsoft.com/office/powerpoint/2012/main" xmlns:ahyp="http://schemas.microsoft.com/office/drawing/2018/hyperlinkcolor" matchingName="Title slide" type="title">
+<p:sldLayout xmlns:a="http://schemas.openxmlformats.org/drawingml/2006/main" xmlns:r="http://schemas.openxmlformats.org/officeDocument/2006/relationships" xmlns:p="http://schemas.openxmlformats.org/presentationml/2006/main" matchingName="Title slide" type="title">
   <p:cSld name="TITLE">
     <p:spTree>
       <p:nvGrpSpPr>
-        <p:cNvPr id="9" name="Shape 9"/>
+        <p:cNvPr id="1" name="Shape 9"/>
         <p:cNvGrpSpPr/>
         <p:nvPr/>
       </p:nvGrpSpPr>
@@ -2165,7 +2254,9 @@
       <p:sp>
         <p:nvSpPr>
           <p:cNvPr id="10" name="Google Shape;10;p2"/>
-          <p:cNvSpPr txBox="1"/>
+          <p:cNvSpPr txBox="1">
+            <a:spLocks noGrp="1"/>
+          </p:cNvSpPr>
           <p:nvPr>
             <p:ph type="ctrTitle"/>
           </p:nvPr>
@@ -2180,11 +2271,11 @@
           </a:prstGeom>
         </p:spPr>
         <p:txBody>
-          <a:bodyPr anchorCtr="0" anchor="b" bIns="91425" lIns="91425" spcFirstLastPara="1" rIns="91425" wrap="square" tIns="91425">
+          <a:bodyPr spcFirstLastPara="1" wrap="square" lIns="91425" tIns="91425" rIns="91425" bIns="91425" anchor="b" anchorCtr="0">
             <a:normAutofit/>
           </a:bodyPr>
           <a:lstStyle>
-            <a:lvl1pPr lvl="0" rtl="0" algn="ctr">
+            <a:lvl1pPr lvl="0" algn="ctr" rtl="0">
               <a:spcBef>
                 <a:spcPts val="0"/>
               </a:spcBef>
@@ -2195,7 +2286,7 @@
               <a:buNone/>
               <a:defRPr sz="5200"/>
             </a:lvl1pPr>
-            <a:lvl2pPr lvl="1" rtl="0" algn="ctr">
+            <a:lvl2pPr lvl="1" algn="ctr" rtl="0">
               <a:spcBef>
                 <a:spcPts val="0"/>
               </a:spcBef>
@@ -2206,7 +2297,7 @@
               <a:buNone/>
               <a:defRPr sz="5200"/>
             </a:lvl2pPr>
-            <a:lvl3pPr lvl="2" rtl="0" algn="ctr">
+            <a:lvl3pPr lvl="2" algn="ctr" rtl="0">
               <a:spcBef>
                 <a:spcPts val="0"/>
               </a:spcBef>
@@ -2217,7 +2308,7 @@
               <a:buNone/>
               <a:defRPr sz="5200"/>
             </a:lvl3pPr>
-            <a:lvl4pPr lvl="3" rtl="0" algn="ctr">
+            <a:lvl4pPr lvl="3" algn="ctr" rtl="0">
               <a:spcBef>
                 <a:spcPts val="0"/>
               </a:spcBef>
@@ -2228,7 +2319,7 @@
               <a:buNone/>
               <a:defRPr sz="5200"/>
             </a:lvl4pPr>
-            <a:lvl5pPr lvl="4" rtl="0" algn="ctr">
+            <a:lvl5pPr lvl="4" algn="ctr" rtl="0">
               <a:spcBef>
                 <a:spcPts val="0"/>
               </a:spcBef>
@@ -2239,7 +2330,7 @@
               <a:buNone/>
               <a:defRPr sz="5200"/>
             </a:lvl5pPr>
-            <a:lvl6pPr lvl="5" rtl="0" algn="ctr">
+            <a:lvl6pPr lvl="5" algn="ctr" rtl="0">
               <a:spcBef>
                 <a:spcPts val="0"/>
               </a:spcBef>
@@ -2250,7 +2341,7 @@
               <a:buNone/>
               <a:defRPr sz="5200"/>
             </a:lvl6pPr>
-            <a:lvl7pPr lvl="6" rtl="0" algn="ctr">
+            <a:lvl7pPr lvl="6" algn="ctr" rtl="0">
               <a:spcBef>
                 <a:spcPts val="0"/>
               </a:spcBef>
@@ -2261,7 +2352,7 @@
               <a:buNone/>
               <a:defRPr sz="5200"/>
             </a:lvl7pPr>
-            <a:lvl8pPr lvl="7" rtl="0" algn="ctr">
+            <a:lvl8pPr lvl="7" algn="ctr" rtl="0">
               <a:spcBef>
                 <a:spcPts val="0"/>
               </a:spcBef>
@@ -2272,7 +2363,7 @@
               <a:buNone/>
               <a:defRPr sz="5200"/>
             </a:lvl8pPr>
-            <a:lvl9pPr lvl="8" rtl="0" algn="ctr">
+            <a:lvl9pPr lvl="8" algn="ctr" rtl="0">
               <a:spcBef>
                 <a:spcPts val="0"/>
               </a:spcBef>
@@ -2284,15 +2375,19 @@
               <a:defRPr sz="5200"/>
             </a:lvl9pPr>
           </a:lstStyle>
-          <a:p/>
+          <a:p>
+            <a:endParaRPr/>
+          </a:p>
         </p:txBody>
       </p:sp>
       <p:sp>
         <p:nvSpPr>
           <p:cNvPr id="11" name="Google Shape;11;p2"/>
-          <p:cNvSpPr txBox="1"/>
+          <p:cNvSpPr txBox="1">
+            <a:spLocks noGrp="1"/>
+          </p:cNvSpPr>
           <p:nvPr>
-            <p:ph idx="1" type="subTitle"/>
+            <p:ph type="subTitle" idx="1"/>
           </p:nvPr>
         </p:nvSpPr>
         <p:spPr>
@@ -2305,11 +2400,11 @@
           </a:prstGeom>
         </p:spPr>
         <p:txBody>
-          <a:bodyPr anchorCtr="0" anchor="t" bIns="91425" lIns="91425" spcFirstLastPara="1" rIns="91425" wrap="square" tIns="91425">
+          <a:bodyPr spcFirstLastPara="1" wrap="square" lIns="91425" tIns="91425" rIns="91425" bIns="91425" anchor="t" anchorCtr="0">
             <a:normAutofit/>
           </a:bodyPr>
           <a:lstStyle>
-            <a:lvl1pPr lvl="0" rtl="0" algn="ctr">
+            <a:lvl1pPr lvl="0" algn="ctr" rtl="0">
               <a:lnSpc>
                 <a:spcPct val="100000"/>
               </a:lnSpc>
@@ -2323,7 +2418,7 @@
               <a:buNone/>
               <a:defRPr sz="2800"/>
             </a:lvl1pPr>
-            <a:lvl2pPr lvl="1" rtl="0" algn="ctr">
+            <a:lvl2pPr lvl="1" algn="ctr" rtl="0">
               <a:lnSpc>
                 <a:spcPct val="100000"/>
               </a:lnSpc>
@@ -2337,7 +2432,7 @@
               <a:buNone/>
               <a:defRPr sz="2800"/>
             </a:lvl2pPr>
-            <a:lvl3pPr lvl="2" rtl="0" algn="ctr">
+            <a:lvl3pPr lvl="2" algn="ctr" rtl="0">
               <a:lnSpc>
                 <a:spcPct val="100000"/>
               </a:lnSpc>
@@ -2351,7 +2446,7 @@
               <a:buNone/>
               <a:defRPr sz="2800"/>
             </a:lvl3pPr>
-            <a:lvl4pPr lvl="3" rtl="0" algn="ctr">
+            <a:lvl4pPr lvl="3" algn="ctr" rtl="0">
               <a:lnSpc>
                 <a:spcPct val="100000"/>
               </a:lnSpc>
@@ -2365,7 +2460,7 @@
               <a:buNone/>
               <a:defRPr sz="2800"/>
             </a:lvl4pPr>
-            <a:lvl5pPr lvl="4" rtl="0" algn="ctr">
+            <a:lvl5pPr lvl="4" algn="ctr" rtl="0">
               <a:lnSpc>
                 <a:spcPct val="100000"/>
               </a:lnSpc>
@@ -2379,7 +2474,7 @@
               <a:buNone/>
               <a:defRPr sz="2800"/>
             </a:lvl5pPr>
-            <a:lvl6pPr lvl="5" rtl="0" algn="ctr">
+            <a:lvl6pPr lvl="5" algn="ctr" rtl="0">
               <a:lnSpc>
                 <a:spcPct val="100000"/>
               </a:lnSpc>
@@ -2393,7 +2488,7 @@
               <a:buNone/>
               <a:defRPr sz="2800"/>
             </a:lvl6pPr>
-            <a:lvl7pPr lvl="6" rtl="0" algn="ctr">
+            <a:lvl7pPr lvl="6" algn="ctr" rtl="0">
               <a:lnSpc>
                 <a:spcPct val="100000"/>
               </a:lnSpc>
@@ -2407,7 +2502,7 @@
               <a:buNone/>
               <a:defRPr sz="2800"/>
             </a:lvl7pPr>
-            <a:lvl8pPr lvl="7" rtl="0" algn="ctr">
+            <a:lvl8pPr lvl="7" algn="ctr" rtl="0">
               <a:lnSpc>
                 <a:spcPct val="100000"/>
               </a:lnSpc>
@@ -2421,7 +2516,7 @@
               <a:buNone/>
               <a:defRPr sz="2800"/>
             </a:lvl8pPr>
-            <a:lvl9pPr lvl="8" rtl="0" algn="ctr">
+            <a:lvl9pPr lvl="8" algn="ctr" rtl="0">
               <a:lnSpc>
                 <a:spcPct val="100000"/>
               </a:lnSpc>
@@ -2436,15 +2531,19 @@
               <a:defRPr sz="2800"/>
             </a:lvl9pPr>
           </a:lstStyle>
-          <a:p/>
+          <a:p>
+            <a:endParaRPr/>
+          </a:p>
         </p:txBody>
       </p:sp>
       <p:sp>
         <p:nvSpPr>
           <p:cNvPr id="12" name="Google Shape;12;p2"/>
-          <p:cNvSpPr txBox="1"/>
+          <p:cNvSpPr txBox="1">
+            <a:spLocks noGrp="1"/>
+          </p:cNvSpPr>
           <p:nvPr>
-            <p:ph idx="12" type="sldNum"/>
+            <p:ph type="sldNum" idx="12"/>
           </p:nvPr>
         </p:nvSpPr>
         <p:spPr>
@@ -2457,7 +2556,7 @@
           </a:prstGeom>
         </p:spPr>
         <p:txBody>
-          <a:bodyPr anchorCtr="0" anchor="ctr" bIns="91425" lIns="91425" spcFirstLastPara="1" rIns="91425" wrap="square" tIns="91425">
+          <a:bodyPr spcFirstLastPara="1" wrap="square" lIns="91425" tIns="91425" rIns="91425" bIns="91425" anchor="ctr" anchorCtr="0">
             <a:normAutofit/>
           </a:bodyPr>
           <a:lstStyle>
@@ -2499,7 +2598,7 @@
             </a:lvl9pPr>
           </a:lstStyle>
           <a:p>
-            <a:pPr indent="0" lvl="0" marL="0" rtl="0" algn="r">
+            <a:pPr marL="0" lvl="0" indent="0" algn="r" rtl="0">
               <a:spcBef>
                 <a:spcPts val="0"/>
               </a:spcBef>
@@ -2525,11 +2624,11 @@
 </file>
 
 <file path=ppt/slideLayouts/slideLayout10.xml><?xml version="1.0" encoding="utf-8"?>
-<p:sldLayout xmlns:a="http://schemas.openxmlformats.org/drawingml/2006/main" xmlns:r="http://schemas.openxmlformats.org/officeDocument/2006/relationships" xmlns:mc="http://schemas.openxmlformats.org/markup-compatibility/2006" xmlns:mv="urn:schemas-microsoft-com:mac:vml" xmlns:p="http://schemas.openxmlformats.org/presentationml/2006/main" xmlns:c="http://schemas.openxmlformats.org/drawingml/2006/chart" xmlns:dgm="http://schemas.openxmlformats.org/drawingml/2006/diagram" xmlns:o="urn:schemas-microsoft-com:office:office" xmlns:v="urn:schemas-microsoft-com:vml" xmlns:pvml="urn:schemas-microsoft-com:office:powerpoint" xmlns:com="http://schemas.openxmlformats.org/drawingml/2006/compatibility" xmlns:p14="http://schemas.microsoft.com/office/powerpoint/2010/main" xmlns:p15="http://schemas.microsoft.com/office/powerpoint/2012/main" xmlns:ahyp="http://schemas.microsoft.com/office/drawing/2018/hyperlinkcolor" matchingName="Big number">
+<p:sldLayout xmlns:a="http://schemas.openxmlformats.org/drawingml/2006/main" xmlns:r="http://schemas.openxmlformats.org/officeDocument/2006/relationships" xmlns:p="http://schemas.openxmlformats.org/presentationml/2006/main" matchingName="Big number">
   <p:cSld name="BIG_NUMBER">
     <p:spTree>
       <p:nvGrpSpPr>
-        <p:cNvPr id="44" name="Shape 44"/>
+        <p:cNvPr id="1" name="Shape 44"/>
         <p:cNvGrpSpPr/>
         <p:nvPr/>
       </p:nvGrpSpPr>
@@ -2544,9 +2643,11 @@
       <p:sp>
         <p:nvSpPr>
           <p:cNvPr id="45" name="Google Shape;45;p11"/>
-          <p:cNvSpPr txBox="1"/>
+          <p:cNvSpPr txBox="1">
+            <a:spLocks noGrp="1"/>
+          </p:cNvSpPr>
           <p:nvPr>
-            <p:ph hasCustomPrompt="1" type="title"/>
+            <p:ph type="title" hasCustomPrompt="1"/>
           </p:nvPr>
         </p:nvSpPr>
         <p:spPr>
@@ -2559,11 +2660,11 @@
           </a:prstGeom>
         </p:spPr>
         <p:txBody>
-          <a:bodyPr anchorCtr="0" anchor="b" bIns="91425" lIns="91425" spcFirstLastPara="1" rIns="91425" wrap="square" tIns="91425">
+          <a:bodyPr spcFirstLastPara="1" wrap="square" lIns="91425" tIns="91425" rIns="91425" bIns="91425" anchor="b" anchorCtr="0">
             <a:normAutofit/>
           </a:bodyPr>
           <a:lstStyle>
-            <a:lvl1pPr lvl="0" rtl="0" algn="ctr">
+            <a:lvl1pPr lvl="0" algn="ctr" rtl="0">
               <a:spcBef>
                 <a:spcPts val="0"/>
               </a:spcBef>
@@ -2574,7 +2675,7 @@
               <a:buNone/>
               <a:defRPr sz="12000"/>
             </a:lvl1pPr>
-            <a:lvl2pPr lvl="1" rtl="0" algn="ctr">
+            <a:lvl2pPr lvl="1" algn="ctr" rtl="0">
               <a:spcBef>
                 <a:spcPts val="0"/>
               </a:spcBef>
@@ -2585,7 +2686,7 @@
               <a:buNone/>
               <a:defRPr sz="12000"/>
             </a:lvl2pPr>
-            <a:lvl3pPr lvl="2" rtl="0" algn="ctr">
+            <a:lvl3pPr lvl="2" algn="ctr" rtl="0">
               <a:spcBef>
                 <a:spcPts val="0"/>
               </a:spcBef>
@@ -2596,7 +2697,7 @@
               <a:buNone/>
               <a:defRPr sz="12000"/>
             </a:lvl3pPr>
-            <a:lvl4pPr lvl="3" rtl="0" algn="ctr">
+            <a:lvl4pPr lvl="3" algn="ctr" rtl="0">
               <a:spcBef>
                 <a:spcPts val="0"/>
               </a:spcBef>
@@ -2607,7 +2708,7 @@
               <a:buNone/>
               <a:defRPr sz="12000"/>
             </a:lvl4pPr>
-            <a:lvl5pPr lvl="4" rtl="0" algn="ctr">
+            <a:lvl5pPr lvl="4" algn="ctr" rtl="0">
               <a:spcBef>
                 <a:spcPts val="0"/>
               </a:spcBef>
@@ -2618,7 +2719,7 @@
               <a:buNone/>
               <a:defRPr sz="12000"/>
             </a:lvl5pPr>
-            <a:lvl6pPr lvl="5" rtl="0" algn="ctr">
+            <a:lvl6pPr lvl="5" algn="ctr" rtl="0">
               <a:spcBef>
                 <a:spcPts val="0"/>
               </a:spcBef>
@@ -2629,7 +2730,7 @@
               <a:buNone/>
               <a:defRPr sz="12000"/>
             </a:lvl6pPr>
-            <a:lvl7pPr lvl="6" rtl="0" algn="ctr">
+            <a:lvl7pPr lvl="6" algn="ctr" rtl="0">
               <a:spcBef>
                 <a:spcPts val="0"/>
               </a:spcBef>
@@ -2640,7 +2741,7 @@
               <a:buNone/>
               <a:defRPr sz="12000"/>
             </a:lvl7pPr>
-            <a:lvl8pPr lvl="7" rtl="0" algn="ctr">
+            <a:lvl8pPr lvl="7" algn="ctr" rtl="0">
               <a:spcBef>
                 <a:spcPts val="0"/>
               </a:spcBef>
@@ -2651,7 +2752,7 @@
               <a:buNone/>
               <a:defRPr sz="12000"/>
             </a:lvl8pPr>
-            <a:lvl9pPr lvl="8" rtl="0" algn="ctr">
+            <a:lvl9pPr lvl="8" algn="ctr" rtl="0">
               <a:spcBef>
                 <a:spcPts val="0"/>
               </a:spcBef>
@@ -2673,9 +2774,11 @@
       <p:sp>
         <p:nvSpPr>
           <p:cNvPr id="46" name="Google Shape;46;p11"/>
-          <p:cNvSpPr txBox="1"/>
+          <p:cNvSpPr txBox="1">
+            <a:spLocks noGrp="1"/>
+          </p:cNvSpPr>
           <p:nvPr>
-            <p:ph idx="1" type="body"/>
+            <p:ph type="body" idx="1"/>
           </p:nvPr>
         </p:nvSpPr>
         <p:spPr>
@@ -2688,11 +2791,11 @@
           </a:prstGeom>
         </p:spPr>
         <p:txBody>
-          <a:bodyPr anchorCtr="0" anchor="t" bIns="91425" lIns="91425" spcFirstLastPara="1" rIns="91425" wrap="square" tIns="91425">
+          <a:bodyPr spcFirstLastPara="1" wrap="square" lIns="91425" tIns="91425" rIns="91425" bIns="91425" anchor="t" anchorCtr="0">
             <a:normAutofit/>
           </a:bodyPr>
           <a:lstStyle>
-            <a:lvl1pPr indent="-342900" lvl="0" marL="457200" rtl="0" algn="ctr">
+            <a:lvl1pPr marL="457200" lvl="0" indent="-342900" algn="ctr" rtl="0">
               <a:spcBef>
                 <a:spcPts val="0"/>
               </a:spcBef>
@@ -2703,7 +2806,7 @@
               <a:buChar char="●"/>
               <a:defRPr/>
             </a:lvl1pPr>
-            <a:lvl2pPr indent="-317500" lvl="1" marL="914400" rtl="0" algn="ctr">
+            <a:lvl2pPr marL="914400" lvl="1" indent="-317500" algn="ctr" rtl="0">
               <a:spcBef>
                 <a:spcPts val="0"/>
               </a:spcBef>
@@ -2714,7 +2817,7 @@
               <a:buChar char="○"/>
               <a:defRPr/>
             </a:lvl2pPr>
-            <a:lvl3pPr indent="-317500" lvl="2" marL="1371600" rtl="0" algn="ctr">
+            <a:lvl3pPr marL="1371600" lvl="2" indent="-317500" algn="ctr" rtl="0">
               <a:spcBef>
                 <a:spcPts val="0"/>
               </a:spcBef>
@@ -2725,7 +2828,7 @@
               <a:buChar char="■"/>
               <a:defRPr/>
             </a:lvl3pPr>
-            <a:lvl4pPr indent="-317500" lvl="3" marL="1828800" rtl="0" algn="ctr">
+            <a:lvl4pPr marL="1828800" lvl="3" indent="-317500" algn="ctr" rtl="0">
               <a:spcBef>
                 <a:spcPts val="0"/>
               </a:spcBef>
@@ -2736,7 +2839,7 @@
               <a:buChar char="●"/>
               <a:defRPr/>
             </a:lvl4pPr>
-            <a:lvl5pPr indent="-317500" lvl="4" marL="2286000" rtl="0" algn="ctr">
+            <a:lvl5pPr marL="2286000" lvl="4" indent="-317500" algn="ctr" rtl="0">
               <a:spcBef>
                 <a:spcPts val="0"/>
               </a:spcBef>
@@ -2747,7 +2850,7 @@
               <a:buChar char="○"/>
               <a:defRPr/>
             </a:lvl5pPr>
-            <a:lvl6pPr indent="-317500" lvl="5" marL="2743200" rtl="0" algn="ctr">
+            <a:lvl6pPr marL="2743200" lvl="5" indent="-317500" algn="ctr" rtl="0">
               <a:spcBef>
                 <a:spcPts val="0"/>
               </a:spcBef>
@@ -2758,7 +2861,7 @@
               <a:buChar char="■"/>
               <a:defRPr/>
             </a:lvl6pPr>
-            <a:lvl7pPr indent="-317500" lvl="6" marL="3200400" rtl="0" algn="ctr">
+            <a:lvl7pPr marL="3200400" lvl="6" indent="-317500" algn="ctr" rtl="0">
               <a:spcBef>
                 <a:spcPts val="0"/>
               </a:spcBef>
@@ -2769,7 +2872,7 @@
               <a:buChar char="●"/>
               <a:defRPr/>
             </a:lvl7pPr>
-            <a:lvl8pPr indent="-317500" lvl="7" marL="3657600" rtl="0" algn="ctr">
+            <a:lvl8pPr marL="3657600" lvl="7" indent="-317500" algn="ctr" rtl="0">
               <a:spcBef>
                 <a:spcPts val="0"/>
               </a:spcBef>
@@ -2780,7 +2883,7 @@
               <a:buChar char="○"/>
               <a:defRPr/>
             </a:lvl8pPr>
-            <a:lvl9pPr indent="-317500" lvl="8" marL="4114800" rtl="0" algn="ctr">
+            <a:lvl9pPr marL="4114800" lvl="8" indent="-317500" algn="ctr" rtl="0">
               <a:spcBef>
                 <a:spcPts val="0"/>
               </a:spcBef>
@@ -2792,15 +2895,19 @@
               <a:defRPr/>
             </a:lvl9pPr>
           </a:lstStyle>
-          <a:p/>
+          <a:p>
+            <a:endParaRPr/>
+          </a:p>
         </p:txBody>
       </p:sp>
       <p:sp>
         <p:nvSpPr>
           <p:cNvPr id="47" name="Google Shape;47;p11"/>
-          <p:cNvSpPr txBox="1"/>
+          <p:cNvSpPr txBox="1">
+            <a:spLocks noGrp="1"/>
+          </p:cNvSpPr>
           <p:nvPr>
-            <p:ph idx="12" type="sldNum"/>
+            <p:ph type="sldNum" idx="12"/>
           </p:nvPr>
         </p:nvSpPr>
         <p:spPr>
@@ -2813,7 +2920,7 @@
           </a:prstGeom>
         </p:spPr>
         <p:txBody>
-          <a:bodyPr anchorCtr="0" anchor="ctr" bIns="91425" lIns="91425" spcFirstLastPara="1" rIns="91425" wrap="square" tIns="91425">
+          <a:bodyPr spcFirstLastPara="1" wrap="square" lIns="91425" tIns="91425" rIns="91425" bIns="91425" anchor="ctr" anchorCtr="0">
             <a:normAutofit/>
           </a:bodyPr>
           <a:lstStyle>
@@ -2855,7 +2962,7 @@
             </a:lvl9pPr>
           </a:lstStyle>
           <a:p>
-            <a:pPr indent="0" lvl="0" marL="0" rtl="0" algn="r">
+            <a:pPr marL="0" lvl="0" indent="0" algn="r" rtl="0">
               <a:spcBef>
                 <a:spcPts val="0"/>
               </a:spcBef>
@@ -2881,11 +2988,11 @@
 </file>
 
 <file path=ppt/slideLayouts/slideLayout11.xml><?xml version="1.0" encoding="utf-8"?>
-<p:sldLayout xmlns:a="http://schemas.openxmlformats.org/drawingml/2006/main" xmlns:r="http://schemas.openxmlformats.org/officeDocument/2006/relationships" xmlns:mc="http://schemas.openxmlformats.org/markup-compatibility/2006" xmlns:mv="urn:schemas-microsoft-com:mac:vml" xmlns:p="http://schemas.openxmlformats.org/presentationml/2006/main" xmlns:c="http://schemas.openxmlformats.org/drawingml/2006/chart" xmlns:dgm="http://schemas.openxmlformats.org/drawingml/2006/diagram" xmlns:o="urn:schemas-microsoft-com:office:office" xmlns:v="urn:schemas-microsoft-com:vml" xmlns:pvml="urn:schemas-microsoft-com:office:powerpoint" xmlns:com="http://schemas.openxmlformats.org/drawingml/2006/compatibility" xmlns:p14="http://schemas.microsoft.com/office/powerpoint/2010/main" xmlns:p15="http://schemas.microsoft.com/office/powerpoint/2012/main" xmlns:ahyp="http://schemas.microsoft.com/office/drawing/2018/hyperlinkcolor" matchingName="Blank" type="blank">
+<p:sldLayout xmlns:a="http://schemas.openxmlformats.org/drawingml/2006/main" xmlns:r="http://schemas.openxmlformats.org/officeDocument/2006/relationships" xmlns:p="http://schemas.openxmlformats.org/presentationml/2006/main" matchingName="Blank" type="blank">
   <p:cSld name="BLANK">
     <p:spTree>
       <p:nvGrpSpPr>
-        <p:cNvPr id="48" name="Shape 48"/>
+        <p:cNvPr id="1" name="Shape 48"/>
         <p:cNvGrpSpPr/>
         <p:nvPr/>
       </p:nvGrpSpPr>
@@ -2900,9 +3007,11 @@
       <p:sp>
         <p:nvSpPr>
           <p:cNvPr id="49" name="Google Shape;49;p12"/>
-          <p:cNvSpPr txBox="1"/>
+          <p:cNvSpPr txBox="1">
+            <a:spLocks noGrp="1"/>
+          </p:cNvSpPr>
           <p:nvPr>
-            <p:ph idx="12" type="sldNum"/>
+            <p:ph type="sldNum" idx="12"/>
           </p:nvPr>
         </p:nvSpPr>
         <p:spPr>
@@ -2915,7 +3024,7 @@
           </a:prstGeom>
         </p:spPr>
         <p:txBody>
-          <a:bodyPr anchorCtr="0" anchor="ctr" bIns="91425" lIns="91425" spcFirstLastPara="1" rIns="91425" wrap="square" tIns="91425">
+          <a:bodyPr spcFirstLastPara="1" wrap="square" lIns="91425" tIns="91425" rIns="91425" bIns="91425" anchor="ctr" anchorCtr="0">
             <a:normAutofit/>
           </a:bodyPr>
           <a:lstStyle>
@@ -2957,7 +3066,7 @@
             </a:lvl9pPr>
           </a:lstStyle>
           <a:p>
-            <a:pPr indent="0" lvl="0" marL="0" rtl="0" algn="r">
+            <a:pPr marL="0" lvl="0" indent="0" algn="r" rtl="0">
               <a:spcBef>
                 <a:spcPts val="0"/>
               </a:spcBef>
@@ -2983,11 +3092,11 @@
 </file>
 
 <file path=ppt/slideLayouts/slideLayout2.xml><?xml version="1.0" encoding="utf-8"?>
-<p:sldLayout xmlns:a="http://schemas.openxmlformats.org/drawingml/2006/main" xmlns:r="http://schemas.openxmlformats.org/officeDocument/2006/relationships" xmlns:mc="http://schemas.openxmlformats.org/markup-compatibility/2006" xmlns:mv="urn:schemas-microsoft-com:mac:vml" xmlns:p="http://schemas.openxmlformats.org/presentationml/2006/main" xmlns:c="http://schemas.openxmlformats.org/drawingml/2006/chart" xmlns:dgm="http://schemas.openxmlformats.org/drawingml/2006/diagram" xmlns:o="urn:schemas-microsoft-com:office:office" xmlns:v="urn:schemas-microsoft-com:vml" xmlns:pvml="urn:schemas-microsoft-com:office:powerpoint" xmlns:com="http://schemas.openxmlformats.org/drawingml/2006/compatibility" xmlns:p14="http://schemas.microsoft.com/office/powerpoint/2010/main" xmlns:p15="http://schemas.microsoft.com/office/powerpoint/2012/main" xmlns:ahyp="http://schemas.microsoft.com/office/drawing/2018/hyperlinkcolor" matchingName="Section header" type="secHead">
+<p:sldLayout xmlns:a="http://schemas.openxmlformats.org/drawingml/2006/main" xmlns:r="http://schemas.openxmlformats.org/officeDocument/2006/relationships" xmlns:p="http://schemas.openxmlformats.org/presentationml/2006/main" matchingName="Section header" type="secHead">
   <p:cSld name="SECTION_HEADER">
     <p:spTree>
       <p:nvGrpSpPr>
-        <p:cNvPr id="13" name="Shape 13"/>
+        <p:cNvPr id="1" name="Shape 13"/>
         <p:cNvGrpSpPr/>
         <p:nvPr/>
       </p:nvGrpSpPr>
@@ -3002,7 +3111,9 @@
       <p:sp>
         <p:nvSpPr>
           <p:cNvPr id="14" name="Google Shape;14;p3"/>
-          <p:cNvSpPr txBox="1"/>
+          <p:cNvSpPr txBox="1">
+            <a:spLocks noGrp="1"/>
+          </p:cNvSpPr>
           <p:nvPr>
             <p:ph type="title"/>
           </p:nvPr>
@@ -3017,11 +3128,11 @@
           </a:prstGeom>
         </p:spPr>
         <p:txBody>
-          <a:bodyPr anchorCtr="0" anchor="ctr" bIns="91425" lIns="91425" spcFirstLastPara="1" rIns="91425" wrap="square" tIns="91425">
+          <a:bodyPr spcFirstLastPara="1" wrap="square" lIns="91425" tIns="91425" rIns="91425" bIns="91425" anchor="ctr" anchorCtr="0">
             <a:normAutofit/>
           </a:bodyPr>
           <a:lstStyle>
-            <a:lvl1pPr lvl="0" rtl="0" algn="ctr">
+            <a:lvl1pPr lvl="0" algn="ctr" rtl="0">
               <a:spcBef>
                 <a:spcPts val="0"/>
               </a:spcBef>
@@ -3032,7 +3143,7 @@
               <a:buNone/>
               <a:defRPr sz="3600"/>
             </a:lvl1pPr>
-            <a:lvl2pPr lvl="1" rtl="0" algn="ctr">
+            <a:lvl2pPr lvl="1" algn="ctr" rtl="0">
               <a:spcBef>
                 <a:spcPts val="0"/>
               </a:spcBef>
@@ -3043,7 +3154,7 @@
               <a:buNone/>
               <a:defRPr sz="3600"/>
             </a:lvl2pPr>
-            <a:lvl3pPr lvl="2" rtl="0" algn="ctr">
+            <a:lvl3pPr lvl="2" algn="ctr" rtl="0">
               <a:spcBef>
                 <a:spcPts val="0"/>
               </a:spcBef>
@@ -3054,7 +3165,7 @@
               <a:buNone/>
               <a:defRPr sz="3600"/>
             </a:lvl3pPr>
-            <a:lvl4pPr lvl="3" rtl="0" algn="ctr">
+            <a:lvl4pPr lvl="3" algn="ctr" rtl="0">
               <a:spcBef>
                 <a:spcPts val="0"/>
               </a:spcBef>
@@ -3065,7 +3176,7 @@
               <a:buNone/>
               <a:defRPr sz="3600"/>
             </a:lvl4pPr>
-            <a:lvl5pPr lvl="4" rtl="0" algn="ctr">
+            <a:lvl5pPr lvl="4" algn="ctr" rtl="0">
               <a:spcBef>
                 <a:spcPts val="0"/>
               </a:spcBef>
@@ -3076,7 +3187,7 @@
               <a:buNone/>
               <a:defRPr sz="3600"/>
             </a:lvl5pPr>
-            <a:lvl6pPr lvl="5" rtl="0" algn="ctr">
+            <a:lvl6pPr lvl="5" algn="ctr" rtl="0">
               <a:spcBef>
                 <a:spcPts val="0"/>
               </a:spcBef>
@@ -3087,7 +3198,7 @@
               <a:buNone/>
               <a:defRPr sz="3600"/>
             </a:lvl6pPr>
-            <a:lvl7pPr lvl="6" rtl="0" algn="ctr">
+            <a:lvl7pPr lvl="6" algn="ctr" rtl="0">
               <a:spcBef>
                 <a:spcPts val="0"/>
               </a:spcBef>
@@ -3098,7 +3209,7 @@
               <a:buNone/>
               <a:defRPr sz="3600"/>
             </a:lvl7pPr>
-            <a:lvl8pPr lvl="7" rtl="0" algn="ctr">
+            <a:lvl8pPr lvl="7" algn="ctr" rtl="0">
               <a:spcBef>
                 <a:spcPts val="0"/>
               </a:spcBef>
@@ -3109,7 +3220,7 @@
               <a:buNone/>
               <a:defRPr sz="3600"/>
             </a:lvl8pPr>
-            <a:lvl9pPr lvl="8" rtl="0" algn="ctr">
+            <a:lvl9pPr lvl="8" algn="ctr" rtl="0">
               <a:spcBef>
                 <a:spcPts val="0"/>
               </a:spcBef>
@@ -3121,15 +3232,19 @@
               <a:defRPr sz="3600"/>
             </a:lvl9pPr>
           </a:lstStyle>
-          <a:p/>
+          <a:p>
+            <a:endParaRPr/>
+          </a:p>
         </p:txBody>
       </p:sp>
       <p:sp>
         <p:nvSpPr>
           <p:cNvPr id="15" name="Google Shape;15;p3"/>
-          <p:cNvSpPr txBox="1"/>
+          <p:cNvSpPr txBox="1">
+            <a:spLocks noGrp="1"/>
+          </p:cNvSpPr>
           <p:nvPr>
-            <p:ph idx="12" type="sldNum"/>
+            <p:ph type="sldNum" idx="12"/>
           </p:nvPr>
         </p:nvSpPr>
         <p:spPr>
@@ -3142,7 +3257,7 @@
           </a:prstGeom>
         </p:spPr>
         <p:txBody>
-          <a:bodyPr anchorCtr="0" anchor="ctr" bIns="91425" lIns="91425" spcFirstLastPara="1" rIns="91425" wrap="square" tIns="91425">
+          <a:bodyPr spcFirstLastPara="1" wrap="square" lIns="91425" tIns="91425" rIns="91425" bIns="91425" anchor="ctr" anchorCtr="0">
             <a:normAutofit/>
           </a:bodyPr>
           <a:lstStyle>
@@ -3184,7 +3299,7 @@
             </a:lvl9pPr>
           </a:lstStyle>
           <a:p>
-            <a:pPr indent="0" lvl="0" marL="0" rtl="0" algn="r">
+            <a:pPr marL="0" lvl="0" indent="0" algn="r" rtl="0">
               <a:spcBef>
                 <a:spcPts val="0"/>
               </a:spcBef>
@@ -3210,11 +3325,11 @@
 </file>
 
 <file path=ppt/slideLayouts/slideLayout3.xml><?xml version="1.0" encoding="utf-8"?>
-<p:sldLayout xmlns:a="http://schemas.openxmlformats.org/drawingml/2006/main" xmlns:r="http://schemas.openxmlformats.org/officeDocument/2006/relationships" xmlns:mc="http://schemas.openxmlformats.org/markup-compatibility/2006" xmlns:mv="urn:schemas-microsoft-com:mac:vml" xmlns:p="http://schemas.openxmlformats.org/presentationml/2006/main" xmlns:c="http://schemas.openxmlformats.org/drawingml/2006/chart" xmlns:dgm="http://schemas.openxmlformats.org/drawingml/2006/diagram" xmlns:o="urn:schemas-microsoft-com:office:office" xmlns:v="urn:schemas-microsoft-com:vml" xmlns:pvml="urn:schemas-microsoft-com:office:powerpoint" xmlns:com="http://schemas.openxmlformats.org/drawingml/2006/compatibility" xmlns:p14="http://schemas.microsoft.com/office/powerpoint/2010/main" xmlns:p15="http://schemas.microsoft.com/office/powerpoint/2012/main" xmlns:ahyp="http://schemas.microsoft.com/office/drawing/2018/hyperlinkcolor" matchingName="Title and body" type="tx">
+<p:sldLayout xmlns:a="http://schemas.openxmlformats.org/drawingml/2006/main" xmlns:r="http://schemas.openxmlformats.org/officeDocument/2006/relationships" xmlns:p="http://schemas.openxmlformats.org/presentationml/2006/main" matchingName="Title and body" type="tx">
   <p:cSld name="TITLE_AND_BODY">
     <p:spTree>
       <p:nvGrpSpPr>
-        <p:cNvPr id="16" name="Shape 16"/>
+        <p:cNvPr id="1" name="Shape 16"/>
         <p:cNvGrpSpPr/>
         <p:nvPr/>
       </p:nvGrpSpPr>
@@ -3229,7 +3344,9 @@
       <p:sp>
         <p:nvSpPr>
           <p:cNvPr id="17" name="Google Shape;17;p4"/>
-          <p:cNvSpPr txBox="1"/>
+          <p:cNvSpPr txBox="1">
+            <a:spLocks noGrp="1"/>
+          </p:cNvSpPr>
           <p:nvPr>
             <p:ph type="title"/>
           </p:nvPr>
@@ -3244,7 +3361,7 @@
           </a:prstGeom>
         </p:spPr>
         <p:txBody>
-          <a:bodyPr anchorCtr="0" anchor="t" bIns="91425" lIns="91425" spcFirstLastPara="1" rIns="91425" wrap="square" tIns="91425">
+          <a:bodyPr spcFirstLastPara="1" wrap="square" lIns="91425" tIns="91425" rIns="91425" bIns="91425" anchor="t" anchorCtr="0">
             <a:normAutofit/>
           </a:bodyPr>
           <a:lstStyle>
@@ -3348,15 +3465,19 @@
               <a:defRPr/>
             </a:lvl9pPr>
           </a:lstStyle>
-          <a:p/>
+          <a:p>
+            <a:endParaRPr/>
+          </a:p>
         </p:txBody>
       </p:sp>
       <p:sp>
         <p:nvSpPr>
           <p:cNvPr id="18" name="Google Shape;18;p4"/>
-          <p:cNvSpPr txBox="1"/>
+          <p:cNvSpPr txBox="1">
+            <a:spLocks noGrp="1"/>
+          </p:cNvSpPr>
           <p:nvPr>
-            <p:ph idx="1" type="body"/>
+            <p:ph type="body" idx="1"/>
           </p:nvPr>
         </p:nvSpPr>
         <p:spPr>
@@ -3369,11 +3490,11 @@
           </a:prstGeom>
         </p:spPr>
         <p:txBody>
-          <a:bodyPr anchorCtr="0" anchor="t" bIns="91425" lIns="91425" spcFirstLastPara="1" rIns="91425" wrap="square" tIns="91425">
+          <a:bodyPr spcFirstLastPara="1" wrap="square" lIns="91425" tIns="91425" rIns="91425" bIns="91425" anchor="t" anchorCtr="0">
             <a:normAutofit/>
           </a:bodyPr>
           <a:lstStyle>
-            <a:lvl1pPr indent="-342900" lvl="0" marL="457200" rtl="0">
+            <a:lvl1pPr marL="457200" lvl="0" indent="-342900" rtl="0">
               <a:spcBef>
                 <a:spcPts val="0"/>
               </a:spcBef>
@@ -3384,7 +3505,7 @@
               <a:buChar char="●"/>
               <a:defRPr/>
             </a:lvl1pPr>
-            <a:lvl2pPr indent="-317500" lvl="1" marL="914400" rtl="0">
+            <a:lvl2pPr marL="914400" lvl="1" indent="-317500" rtl="0">
               <a:spcBef>
                 <a:spcPts val="0"/>
               </a:spcBef>
@@ -3395,7 +3516,7 @@
               <a:buChar char="○"/>
               <a:defRPr/>
             </a:lvl2pPr>
-            <a:lvl3pPr indent="-317500" lvl="2" marL="1371600" rtl="0">
+            <a:lvl3pPr marL="1371600" lvl="2" indent="-317500" rtl="0">
               <a:spcBef>
                 <a:spcPts val="0"/>
               </a:spcBef>
@@ -3406,7 +3527,7 @@
               <a:buChar char="■"/>
               <a:defRPr/>
             </a:lvl3pPr>
-            <a:lvl4pPr indent="-317500" lvl="3" marL="1828800" rtl="0">
+            <a:lvl4pPr marL="1828800" lvl="3" indent="-317500" rtl="0">
               <a:spcBef>
                 <a:spcPts val="0"/>
               </a:spcBef>
@@ -3417,7 +3538,7 @@
               <a:buChar char="●"/>
               <a:defRPr/>
             </a:lvl4pPr>
-            <a:lvl5pPr indent="-317500" lvl="4" marL="2286000" rtl="0">
+            <a:lvl5pPr marL="2286000" lvl="4" indent="-317500" rtl="0">
               <a:spcBef>
                 <a:spcPts val="0"/>
               </a:spcBef>
@@ -3428,7 +3549,7 @@
               <a:buChar char="○"/>
               <a:defRPr/>
             </a:lvl5pPr>
-            <a:lvl6pPr indent="-317500" lvl="5" marL="2743200" rtl="0">
+            <a:lvl6pPr marL="2743200" lvl="5" indent="-317500" rtl="0">
               <a:spcBef>
                 <a:spcPts val="0"/>
               </a:spcBef>
@@ -3439,7 +3560,7 @@
               <a:buChar char="■"/>
               <a:defRPr/>
             </a:lvl6pPr>
-            <a:lvl7pPr indent="-317500" lvl="6" marL="3200400" rtl="0">
+            <a:lvl7pPr marL="3200400" lvl="6" indent="-317500" rtl="0">
               <a:spcBef>
                 <a:spcPts val="0"/>
               </a:spcBef>
@@ -3450,7 +3571,7 @@
               <a:buChar char="●"/>
               <a:defRPr/>
             </a:lvl7pPr>
-            <a:lvl8pPr indent="-317500" lvl="7" marL="3657600" rtl="0">
+            <a:lvl8pPr marL="3657600" lvl="7" indent="-317500" rtl="0">
               <a:spcBef>
                 <a:spcPts val="0"/>
               </a:spcBef>
@@ -3461,7 +3582,7 @@
               <a:buChar char="○"/>
               <a:defRPr/>
             </a:lvl8pPr>
-            <a:lvl9pPr indent="-317500" lvl="8" marL="4114800" rtl="0">
+            <a:lvl9pPr marL="4114800" lvl="8" indent="-317500" rtl="0">
               <a:spcBef>
                 <a:spcPts val="0"/>
               </a:spcBef>
@@ -3473,15 +3594,19 @@
               <a:defRPr/>
             </a:lvl9pPr>
           </a:lstStyle>
-          <a:p/>
+          <a:p>
+            <a:endParaRPr/>
+          </a:p>
         </p:txBody>
       </p:sp>
       <p:sp>
         <p:nvSpPr>
           <p:cNvPr id="19" name="Google Shape;19;p4"/>
-          <p:cNvSpPr txBox="1"/>
+          <p:cNvSpPr txBox="1">
+            <a:spLocks noGrp="1"/>
+          </p:cNvSpPr>
           <p:nvPr>
-            <p:ph idx="12" type="sldNum"/>
+            <p:ph type="sldNum" idx="12"/>
           </p:nvPr>
         </p:nvSpPr>
         <p:spPr>
@@ -3494,7 +3619,7 @@
           </a:prstGeom>
         </p:spPr>
         <p:txBody>
-          <a:bodyPr anchorCtr="0" anchor="ctr" bIns="91425" lIns="91425" spcFirstLastPara="1" rIns="91425" wrap="square" tIns="91425">
+          <a:bodyPr spcFirstLastPara="1" wrap="square" lIns="91425" tIns="91425" rIns="91425" bIns="91425" anchor="ctr" anchorCtr="0">
             <a:normAutofit/>
           </a:bodyPr>
           <a:lstStyle>
@@ -3536,7 +3661,7 @@
             </a:lvl9pPr>
           </a:lstStyle>
           <a:p>
-            <a:pPr indent="0" lvl="0" marL="0" rtl="0" algn="r">
+            <a:pPr marL="0" lvl="0" indent="0" algn="r" rtl="0">
               <a:spcBef>
                 <a:spcPts val="0"/>
               </a:spcBef>
@@ -3562,11 +3687,11 @@
 </file>
 
 <file path=ppt/slideLayouts/slideLayout4.xml><?xml version="1.0" encoding="utf-8"?>
-<p:sldLayout xmlns:a="http://schemas.openxmlformats.org/drawingml/2006/main" xmlns:r="http://schemas.openxmlformats.org/officeDocument/2006/relationships" xmlns:mc="http://schemas.openxmlformats.org/markup-compatibility/2006" xmlns:mv="urn:schemas-microsoft-com:mac:vml" xmlns:p="http://schemas.openxmlformats.org/presentationml/2006/main" xmlns:c="http://schemas.openxmlformats.org/drawingml/2006/chart" xmlns:dgm="http://schemas.openxmlformats.org/drawingml/2006/diagram" xmlns:o="urn:schemas-microsoft-com:office:office" xmlns:v="urn:schemas-microsoft-com:vml" xmlns:pvml="urn:schemas-microsoft-com:office:powerpoint" xmlns:com="http://schemas.openxmlformats.org/drawingml/2006/compatibility" xmlns:p14="http://schemas.microsoft.com/office/powerpoint/2010/main" xmlns:p15="http://schemas.microsoft.com/office/powerpoint/2012/main" xmlns:ahyp="http://schemas.microsoft.com/office/drawing/2018/hyperlinkcolor" matchingName="Title and two columns" type="twoColTx">
+<p:sldLayout xmlns:a="http://schemas.openxmlformats.org/drawingml/2006/main" xmlns:r="http://schemas.openxmlformats.org/officeDocument/2006/relationships" xmlns:p="http://schemas.openxmlformats.org/presentationml/2006/main" matchingName="Title and two columns" type="twoColTx">
   <p:cSld name="TITLE_AND_TWO_COLUMNS">
     <p:spTree>
       <p:nvGrpSpPr>
-        <p:cNvPr id="20" name="Shape 20"/>
+        <p:cNvPr id="1" name="Shape 20"/>
         <p:cNvGrpSpPr/>
         <p:nvPr/>
       </p:nvGrpSpPr>
@@ -3581,7 +3706,9 @@
       <p:sp>
         <p:nvSpPr>
           <p:cNvPr id="21" name="Google Shape;21;p5"/>
-          <p:cNvSpPr txBox="1"/>
+          <p:cNvSpPr txBox="1">
+            <a:spLocks noGrp="1"/>
+          </p:cNvSpPr>
           <p:nvPr>
             <p:ph type="title"/>
           </p:nvPr>
@@ -3596,7 +3723,7 @@
           </a:prstGeom>
         </p:spPr>
         <p:txBody>
-          <a:bodyPr anchorCtr="0" anchor="t" bIns="91425" lIns="91425" spcFirstLastPara="1" rIns="91425" wrap="square" tIns="91425">
+          <a:bodyPr spcFirstLastPara="1" wrap="square" lIns="91425" tIns="91425" rIns="91425" bIns="91425" anchor="t" anchorCtr="0">
             <a:normAutofit/>
           </a:bodyPr>
           <a:lstStyle>
@@ -3700,15 +3827,19 @@
               <a:defRPr/>
             </a:lvl9pPr>
           </a:lstStyle>
-          <a:p/>
+          <a:p>
+            <a:endParaRPr/>
+          </a:p>
         </p:txBody>
       </p:sp>
       <p:sp>
         <p:nvSpPr>
           <p:cNvPr id="22" name="Google Shape;22;p5"/>
-          <p:cNvSpPr txBox="1"/>
+          <p:cNvSpPr txBox="1">
+            <a:spLocks noGrp="1"/>
+          </p:cNvSpPr>
           <p:nvPr>
-            <p:ph idx="1" type="body"/>
+            <p:ph type="body" idx="1"/>
           </p:nvPr>
         </p:nvSpPr>
         <p:spPr>
@@ -3721,11 +3852,11 @@
           </a:prstGeom>
         </p:spPr>
         <p:txBody>
-          <a:bodyPr anchorCtr="0" anchor="t" bIns="91425" lIns="91425" spcFirstLastPara="1" rIns="91425" wrap="square" tIns="91425">
+          <a:bodyPr spcFirstLastPara="1" wrap="square" lIns="91425" tIns="91425" rIns="91425" bIns="91425" anchor="t" anchorCtr="0">
             <a:normAutofit/>
           </a:bodyPr>
           <a:lstStyle>
-            <a:lvl1pPr indent="-317500" lvl="0" marL="457200" rtl="0">
+            <a:lvl1pPr marL="457200" lvl="0" indent="-317500" rtl="0">
               <a:spcBef>
                 <a:spcPts val="0"/>
               </a:spcBef>
@@ -3736,7 +3867,7 @@
               <a:buChar char="●"/>
               <a:defRPr sz="1400"/>
             </a:lvl1pPr>
-            <a:lvl2pPr indent="-304800" lvl="1" marL="914400" rtl="0">
+            <a:lvl2pPr marL="914400" lvl="1" indent="-304800" rtl="0">
               <a:spcBef>
                 <a:spcPts val="0"/>
               </a:spcBef>
@@ -3747,7 +3878,7 @@
               <a:buChar char="○"/>
               <a:defRPr sz="1200"/>
             </a:lvl2pPr>
-            <a:lvl3pPr indent="-304800" lvl="2" marL="1371600" rtl="0">
+            <a:lvl3pPr marL="1371600" lvl="2" indent="-304800" rtl="0">
               <a:spcBef>
                 <a:spcPts val="0"/>
               </a:spcBef>
@@ -3758,7 +3889,7 @@
               <a:buChar char="■"/>
               <a:defRPr sz="1200"/>
             </a:lvl3pPr>
-            <a:lvl4pPr indent="-304800" lvl="3" marL="1828800" rtl="0">
+            <a:lvl4pPr marL="1828800" lvl="3" indent="-304800" rtl="0">
               <a:spcBef>
                 <a:spcPts val="0"/>
               </a:spcBef>
@@ -3769,7 +3900,7 @@
               <a:buChar char="●"/>
               <a:defRPr sz="1200"/>
             </a:lvl4pPr>
-            <a:lvl5pPr indent="-304800" lvl="4" marL="2286000" rtl="0">
+            <a:lvl5pPr marL="2286000" lvl="4" indent="-304800" rtl="0">
               <a:spcBef>
                 <a:spcPts val="0"/>
               </a:spcBef>
@@ -3780,7 +3911,7 @@
               <a:buChar char="○"/>
               <a:defRPr sz="1200"/>
             </a:lvl5pPr>
-            <a:lvl6pPr indent="-304800" lvl="5" marL="2743200" rtl="0">
+            <a:lvl6pPr marL="2743200" lvl="5" indent="-304800" rtl="0">
               <a:spcBef>
                 <a:spcPts val="0"/>
               </a:spcBef>
@@ -3791,7 +3922,7 @@
               <a:buChar char="■"/>
               <a:defRPr sz="1200"/>
             </a:lvl6pPr>
-            <a:lvl7pPr indent="-304800" lvl="6" marL="3200400" rtl="0">
+            <a:lvl7pPr marL="3200400" lvl="6" indent="-304800" rtl="0">
               <a:spcBef>
                 <a:spcPts val="0"/>
               </a:spcBef>
@@ -3802,7 +3933,7 @@
               <a:buChar char="●"/>
               <a:defRPr sz="1200"/>
             </a:lvl7pPr>
-            <a:lvl8pPr indent="-304800" lvl="7" marL="3657600" rtl="0">
+            <a:lvl8pPr marL="3657600" lvl="7" indent="-304800" rtl="0">
               <a:spcBef>
                 <a:spcPts val="0"/>
               </a:spcBef>
@@ -3813,7 +3944,7 @@
               <a:buChar char="○"/>
               <a:defRPr sz="1200"/>
             </a:lvl8pPr>
-            <a:lvl9pPr indent="-304800" lvl="8" marL="4114800" rtl="0">
+            <a:lvl9pPr marL="4114800" lvl="8" indent="-304800" rtl="0">
               <a:spcBef>
                 <a:spcPts val="0"/>
               </a:spcBef>
@@ -3825,15 +3956,19 @@
               <a:defRPr sz="1200"/>
             </a:lvl9pPr>
           </a:lstStyle>
-          <a:p/>
+          <a:p>
+            <a:endParaRPr/>
+          </a:p>
         </p:txBody>
       </p:sp>
       <p:sp>
         <p:nvSpPr>
           <p:cNvPr id="23" name="Google Shape;23;p5"/>
-          <p:cNvSpPr txBox="1"/>
+          <p:cNvSpPr txBox="1">
+            <a:spLocks noGrp="1"/>
+          </p:cNvSpPr>
           <p:nvPr>
-            <p:ph idx="2" type="body"/>
+            <p:ph type="body" idx="2"/>
           </p:nvPr>
         </p:nvSpPr>
         <p:spPr>
@@ -3846,11 +3981,11 @@
           </a:prstGeom>
         </p:spPr>
         <p:txBody>
-          <a:bodyPr anchorCtr="0" anchor="t" bIns="91425" lIns="91425" spcFirstLastPara="1" rIns="91425" wrap="square" tIns="91425">
+          <a:bodyPr spcFirstLastPara="1" wrap="square" lIns="91425" tIns="91425" rIns="91425" bIns="91425" anchor="t" anchorCtr="0">
             <a:normAutofit/>
           </a:bodyPr>
           <a:lstStyle>
-            <a:lvl1pPr indent="-317500" lvl="0" marL="457200" rtl="0">
+            <a:lvl1pPr marL="457200" lvl="0" indent="-317500" rtl="0">
               <a:spcBef>
                 <a:spcPts val="0"/>
               </a:spcBef>
@@ -3861,7 +3996,7 @@
               <a:buChar char="●"/>
               <a:defRPr sz="1400"/>
             </a:lvl1pPr>
-            <a:lvl2pPr indent="-304800" lvl="1" marL="914400" rtl="0">
+            <a:lvl2pPr marL="914400" lvl="1" indent="-304800" rtl="0">
               <a:spcBef>
                 <a:spcPts val="0"/>
               </a:spcBef>
@@ -3872,7 +4007,7 @@
               <a:buChar char="○"/>
               <a:defRPr sz="1200"/>
             </a:lvl2pPr>
-            <a:lvl3pPr indent="-304800" lvl="2" marL="1371600" rtl="0">
+            <a:lvl3pPr marL="1371600" lvl="2" indent="-304800" rtl="0">
               <a:spcBef>
                 <a:spcPts val="0"/>
               </a:spcBef>
@@ -3883,7 +4018,7 @@
               <a:buChar char="■"/>
               <a:defRPr sz="1200"/>
             </a:lvl3pPr>
-            <a:lvl4pPr indent="-304800" lvl="3" marL="1828800" rtl="0">
+            <a:lvl4pPr marL="1828800" lvl="3" indent="-304800" rtl="0">
               <a:spcBef>
                 <a:spcPts val="0"/>
               </a:spcBef>
@@ -3894,7 +4029,7 @@
               <a:buChar char="●"/>
               <a:defRPr sz="1200"/>
             </a:lvl4pPr>
-            <a:lvl5pPr indent="-304800" lvl="4" marL="2286000" rtl="0">
+            <a:lvl5pPr marL="2286000" lvl="4" indent="-304800" rtl="0">
               <a:spcBef>
                 <a:spcPts val="0"/>
               </a:spcBef>
@@ -3905,7 +4040,7 @@
               <a:buChar char="○"/>
               <a:defRPr sz="1200"/>
             </a:lvl5pPr>
-            <a:lvl6pPr indent="-304800" lvl="5" marL="2743200" rtl="0">
+            <a:lvl6pPr marL="2743200" lvl="5" indent="-304800" rtl="0">
               <a:spcBef>
                 <a:spcPts val="0"/>
               </a:spcBef>
@@ -3916,7 +4051,7 @@
               <a:buChar char="■"/>
               <a:defRPr sz="1200"/>
             </a:lvl6pPr>
-            <a:lvl7pPr indent="-304800" lvl="6" marL="3200400" rtl="0">
+            <a:lvl7pPr marL="3200400" lvl="6" indent="-304800" rtl="0">
               <a:spcBef>
                 <a:spcPts val="0"/>
               </a:spcBef>
@@ -3927,7 +4062,7 @@
               <a:buChar char="●"/>
               <a:defRPr sz="1200"/>
             </a:lvl7pPr>
-            <a:lvl8pPr indent="-304800" lvl="7" marL="3657600" rtl="0">
+            <a:lvl8pPr marL="3657600" lvl="7" indent="-304800" rtl="0">
               <a:spcBef>
                 <a:spcPts val="0"/>
               </a:spcBef>
@@ -3938,7 +4073,7 @@
               <a:buChar char="○"/>
               <a:defRPr sz="1200"/>
             </a:lvl8pPr>
-            <a:lvl9pPr indent="-304800" lvl="8" marL="4114800" rtl="0">
+            <a:lvl9pPr marL="4114800" lvl="8" indent="-304800" rtl="0">
               <a:spcBef>
                 <a:spcPts val="0"/>
               </a:spcBef>
@@ -3950,15 +4085,19 @@
               <a:defRPr sz="1200"/>
             </a:lvl9pPr>
           </a:lstStyle>
-          <a:p/>
+          <a:p>
+            <a:endParaRPr/>
+          </a:p>
         </p:txBody>
       </p:sp>
       <p:sp>
         <p:nvSpPr>
           <p:cNvPr id="24" name="Google Shape;24;p5"/>
-          <p:cNvSpPr txBox="1"/>
+          <p:cNvSpPr txBox="1">
+            <a:spLocks noGrp="1"/>
+          </p:cNvSpPr>
           <p:nvPr>
-            <p:ph idx="12" type="sldNum"/>
+            <p:ph type="sldNum" idx="12"/>
           </p:nvPr>
         </p:nvSpPr>
         <p:spPr>
@@ -3971,7 +4110,7 @@
           </a:prstGeom>
         </p:spPr>
         <p:txBody>
-          <a:bodyPr anchorCtr="0" anchor="ctr" bIns="91425" lIns="91425" spcFirstLastPara="1" rIns="91425" wrap="square" tIns="91425">
+          <a:bodyPr spcFirstLastPara="1" wrap="square" lIns="91425" tIns="91425" rIns="91425" bIns="91425" anchor="ctr" anchorCtr="0">
             <a:normAutofit/>
           </a:bodyPr>
           <a:lstStyle>
@@ -4013,7 +4152,7 @@
             </a:lvl9pPr>
           </a:lstStyle>
           <a:p>
-            <a:pPr indent="0" lvl="0" marL="0" rtl="0" algn="r">
+            <a:pPr marL="0" lvl="0" indent="0" algn="r" rtl="0">
               <a:spcBef>
                 <a:spcPts val="0"/>
               </a:spcBef>
@@ -4039,11 +4178,11 @@
 </file>
 
 <file path=ppt/slideLayouts/slideLayout5.xml><?xml version="1.0" encoding="utf-8"?>
-<p:sldLayout xmlns:a="http://schemas.openxmlformats.org/drawingml/2006/main" xmlns:r="http://schemas.openxmlformats.org/officeDocument/2006/relationships" xmlns:mc="http://schemas.openxmlformats.org/markup-compatibility/2006" xmlns:mv="urn:schemas-microsoft-com:mac:vml" xmlns:p="http://schemas.openxmlformats.org/presentationml/2006/main" xmlns:c="http://schemas.openxmlformats.org/drawingml/2006/chart" xmlns:dgm="http://schemas.openxmlformats.org/drawingml/2006/diagram" xmlns:o="urn:schemas-microsoft-com:office:office" xmlns:v="urn:schemas-microsoft-com:vml" xmlns:pvml="urn:schemas-microsoft-com:office:powerpoint" xmlns:com="http://schemas.openxmlformats.org/drawingml/2006/compatibility" xmlns:p14="http://schemas.microsoft.com/office/powerpoint/2010/main" xmlns:p15="http://schemas.microsoft.com/office/powerpoint/2012/main" xmlns:ahyp="http://schemas.microsoft.com/office/drawing/2018/hyperlinkcolor" matchingName="Title only" type="titleOnly">
+<p:sldLayout xmlns:a="http://schemas.openxmlformats.org/drawingml/2006/main" xmlns:r="http://schemas.openxmlformats.org/officeDocument/2006/relationships" xmlns:p="http://schemas.openxmlformats.org/presentationml/2006/main" matchingName="Title only" type="titleOnly">
   <p:cSld name="TITLE_ONLY">
     <p:spTree>
       <p:nvGrpSpPr>
-        <p:cNvPr id="25" name="Shape 25"/>
+        <p:cNvPr id="1" name="Shape 25"/>
         <p:cNvGrpSpPr/>
         <p:nvPr/>
       </p:nvGrpSpPr>
@@ -4058,7 +4197,9 @@
       <p:sp>
         <p:nvSpPr>
           <p:cNvPr id="26" name="Google Shape;26;p6"/>
-          <p:cNvSpPr txBox="1"/>
+          <p:cNvSpPr txBox="1">
+            <a:spLocks noGrp="1"/>
+          </p:cNvSpPr>
           <p:nvPr>
             <p:ph type="title"/>
           </p:nvPr>
@@ -4073,7 +4214,7 @@
           </a:prstGeom>
         </p:spPr>
         <p:txBody>
-          <a:bodyPr anchorCtr="0" anchor="t" bIns="91425" lIns="91425" spcFirstLastPara="1" rIns="91425" wrap="square" tIns="91425">
+          <a:bodyPr spcFirstLastPara="1" wrap="square" lIns="91425" tIns="91425" rIns="91425" bIns="91425" anchor="t" anchorCtr="0">
             <a:normAutofit/>
           </a:bodyPr>
           <a:lstStyle>
@@ -4177,15 +4318,19 @@
               <a:defRPr/>
             </a:lvl9pPr>
           </a:lstStyle>
-          <a:p/>
+          <a:p>
+            <a:endParaRPr/>
+          </a:p>
         </p:txBody>
       </p:sp>
       <p:sp>
         <p:nvSpPr>
           <p:cNvPr id="27" name="Google Shape;27;p6"/>
-          <p:cNvSpPr txBox="1"/>
+          <p:cNvSpPr txBox="1">
+            <a:spLocks noGrp="1"/>
+          </p:cNvSpPr>
           <p:nvPr>
-            <p:ph idx="12" type="sldNum"/>
+            <p:ph type="sldNum" idx="12"/>
           </p:nvPr>
         </p:nvSpPr>
         <p:spPr>
@@ -4198,7 +4343,7 @@
           </a:prstGeom>
         </p:spPr>
         <p:txBody>
-          <a:bodyPr anchorCtr="0" anchor="ctr" bIns="91425" lIns="91425" spcFirstLastPara="1" rIns="91425" wrap="square" tIns="91425">
+          <a:bodyPr spcFirstLastPara="1" wrap="square" lIns="91425" tIns="91425" rIns="91425" bIns="91425" anchor="ctr" anchorCtr="0">
             <a:normAutofit/>
           </a:bodyPr>
           <a:lstStyle>
@@ -4240,7 +4385,7 @@
             </a:lvl9pPr>
           </a:lstStyle>
           <a:p>
-            <a:pPr indent="0" lvl="0" marL="0" rtl="0" algn="r">
+            <a:pPr marL="0" lvl="0" indent="0" algn="r" rtl="0">
               <a:spcBef>
                 <a:spcPts val="0"/>
               </a:spcBef>
@@ -4266,11 +4411,11 @@
 </file>
 
 <file path=ppt/slideLayouts/slideLayout6.xml><?xml version="1.0" encoding="utf-8"?>
-<p:sldLayout xmlns:a="http://schemas.openxmlformats.org/drawingml/2006/main" xmlns:r="http://schemas.openxmlformats.org/officeDocument/2006/relationships" xmlns:mc="http://schemas.openxmlformats.org/markup-compatibility/2006" xmlns:mv="urn:schemas-microsoft-com:mac:vml" xmlns:p="http://schemas.openxmlformats.org/presentationml/2006/main" xmlns:c="http://schemas.openxmlformats.org/drawingml/2006/chart" xmlns:dgm="http://schemas.openxmlformats.org/drawingml/2006/diagram" xmlns:o="urn:schemas-microsoft-com:office:office" xmlns:v="urn:schemas-microsoft-com:vml" xmlns:pvml="urn:schemas-microsoft-com:office:powerpoint" xmlns:com="http://schemas.openxmlformats.org/drawingml/2006/compatibility" xmlns:p14="http://schemas.microsoft.com/office/powerpoint/2010/main" xmlns:p15="http://schemas.microsoft.com/office/powerpoint/2012/main" xmlns:ahyp="http://schemas.microsoft.com/office/drawing/2018/hyperlinkcolor" matchingName="One column text">
+<p:sldLayout xmlns:a="http://schemas.openxmlformats.org/drawingml/2006/main" xmlns:r="http://schemas.openxmlformats.org/officeDocument/2006/relationships" xmlns:p="http://schemas.openxmlformats.org/presentationml/2006/main" matchingName="One column text">
   <p:cSld name="ONE_COLUMN_TEXT">
     <p:spTree>
       <p:nvGrpSpPr>
-        <p:cNvPr id="28" name="Shape 28"/>
+        <p:cNvPr id="1" name="Shape 28"/>
         <p:cNvGrpSpPr/>
         <p:nvPr/>
       </p:nvGrpSpPr>
@@ -4285,7 +4430,9 @@
       <p:sp>
         <p:nvSpPr>
           <p:cNvPr id="29" name="Google Shape;29;p7"/>
-          <p:cNvSpPr txBox="1"/>
+          <p:cNvSpPr txBox="1">
+            <a:spLocks noGrp="1"/>
+          </p:cNvSpPr>
           <p:nvPr>
             <p:ph type="title"/>
           </p:nvPr>
@@ -4300,7 +4447,7 @@
           </a:prstGeom>
         </p:spPr>
         <p:txBody>
-          <a:bodyPr anchorCtr="0" anchor="b" bIns="91425" lIns="91425" spcFirstLastPara="1" rIns="91425" wrap="square" tIns="91425">
+          <a:bodyPr spcFirstLastPara="1" wrap="square" lIns="91425" tIns="91425" rIns="91425" bIns="91425" anchor="b" anchorCtr="0">
             <a:normAutofit/>
           </a:bodyPr>
           <a:lstStyle>
@@ -4404,15 +4551,19 @@
               <a:defRPr sz="2400"/>
             </a:lvl9pPr>
           </a:lstStyle>
-          <a:p/>
+          <a:p>
+            <a:endParaRPr/>
+          </a:p>
         </p:txBody>
       </p:sp>
       <p:sp>
         <p:nvSpPr>
           <p:cNvPr id="30" name="Google Shape;30;p7"/>
-          <p:cNvSpPr txBox="1"/>
+          <p:cNvSpPr txBox="1">
+            <a:spLocks noGrp="1"/>
+          </p:cNvSpPr>
           <p:nvPr>
-            <p:ph idx="1" type="body"/>
+            <p:ph type="body" idx="1"/>
           </p:nvPr>
         </p:nvSpPr>
         <p:spPr>
@@ -4425,11 +4576,11 @@
           </a:prstGeom>
         </p:spPr>
         <p:txBody>
-          <a:bodyPr anchorCtr="0" anchor="t" bIns="91425" lIns="91425" spcFirstLastPara="1" rIns="91425" wrap="square" tIns="91425">
+          <a:bodyPr spcFirstLastPara="1" wrap="square" lIns="91425" tIns="91425" rIns="91425" bIns="91425" anchor="t" anchorCtr="0">
             <a:normAutofit/>
           </a:bodyPr>
           <a:lstStyle>
-            <a:lvl1pPr indent="-304800" lvl="0" marL="457200" rtl="0">
+            <a:lvl1pPr marL="457200" lvl="0" indent="-304800" rtl="0">
               <a:spcBef>
                 <a:spcPts val="0"/>
               </a:spcBef>
@@ -4440,7 +4591,7 @@
               <a:buChar char="●"/>
               <a:defRPr sz="1200"/>
             </a:lvl1pPr>
-            <a:lvl2pPr indent="-304800" lvl="1" marL="914400" rtl="0">
+            <a:lvl2pPr marL="914400" lvl="1" indent="-304800" rtl="0">
               <a:spcBef>
                 <a:spcPts val="0"/>
               </a:spcBef>
@@ -4451,7 +4602,7 @@
               <a:buChar char="○"/>
               <a:defRPr sz="1200"/>
             </a:lvl2pPr>
-            <a:lvl3pPr indent="-304800" lvl="2" marL="1371600" rtl="0">
+            <a:lvl3pPr marL="1371600" lvl="2" indent="-304800" rtl="0">
               <a:spcBef>
                 <a:spcPts val="0"/>
               </a:spcBef>
@@ -4462,7 +4613,7 @@
               <a:buChar char="■"/>
               <a:defRPr sz="1200"/>
             </a:lvl3pPr>
-            <a:lvl4pPr indent="-304800" lvl="3" marL="1828800" rtl="0">
+            <a:lvl4pPr marL="1828800" lvl="3" indent="-304800" rtl="0">
               <a:spcBef>
                 <a:spcPts val="0"/>
               </a:spcBef>
@@ -4473,7 +4624,7 @@
               <a:buChar char="●"/>
               <a:defRPr sz="1200"/>
             </a:lvl4pPr>
-            <a:lvl5pPr indent="-304800" lvl="4" marL="2286000" rtl="0">
+            <a:lvl5pPr marL="2286000" lvl="4" indent="-304800" rtl="0">
               <a:spcBef>
                 <a:spcPts val="0"/>
               </a:spcBef>
@@ -4484,7 +4635,7 @@
               <a:buChar char="○"/>
               <a:defRPr sz="1200"/>
             </a:lvl5pPr>
-            <a:lvl6pPr indent="-304800" lvl="5" marL="2743200" rtl="0">
+            <a:lvl6pPr marL="2743200" lvl="5" indent="-304800" rtl="0">
               <a:spcBef>
                 <a:spcPts val="0"/>
               </a:spcBef>
@@ -4495,7 +4646,7 @@
               <a:buChar char="■"/>
               <a:defRPr sz="1200"/>
             </a:lvl6pPr>
-            <a:lvl7pPr indent="-304800" lvl="6" marL="3200400" rtl="0">
+            <a:lvl7pPr marL="3200400" lvl="6" indent="-304800" rtl="0">
               <a:spcBef>
                 <a:spcPts val="0"/>
               </a:spcBef>
@@ -4506,7 +4657,7 @@
               <a:buChar char="●"/>
               <a:defRPr sz="1200"/>
             </a:lvl7pPr>
-            <a:lvl8pPr indent="-304800" lvl="7" marL="3657600" rtl="0">
+            <a:lvl8pPr marL="3657600" lvl="7" indent="-304800" rtl="0">
               <a:spcBef>
                 <a:spcPts val="0"/>
               </a:spcBef>
@@ -4517,7 +4668,7 @@
               <a:buChar char="○"/>
               <a:defRPr sz="1200"/>
             </a:lvl8pPr>
-            <a:lvl9pPr indent="-304800" lvl="8" marL="4114800" rtl="0">
+            <a:lvl9pPr marL="4114800" lvl="8" indent="-304800" rtl="0">
               <a:spcBef>
                 <a:spcPts val="0"/>
               </a:spcBef>
@@ -4529,15 +4680,19 @@
               <a:defRPr sz="1200"/>
             </a:lvl9pPr>
           </a:lstStyle>
-          <a:p/>
+          <a:p>
+            <a:endParaRPr/>
+          </a:p>
         </p:txBody>
       </p:sp>
       <p:sp>
         <p:nvSpPr>
           <p:cNvPr id="31" name="Google Shape;31;p7"/>
-          <p:cNvSpPr txBox="1"/>
+          <p:cNvSpPr txBox="1">
+            <a:spLocks noGrp="1"/>
+          </p:cNvSpPr>
           <p:nvPr>
-            <p:ph idx="12" type="sldNum"/>
+            <p:ph type="sldNum" idx="12"/>
           </p:nvPr>
         </p:nvSpPr>
         <p:spPr>
@@ -4550,7 +4705,7 @@
           </a:prstGeom>
         </p:spPr>
         <p:txBody>
-          <a:bodyPr anchorCtr="0" anchor="ctr" bIns="91425" lIns="91425" spcFirstLastPara="1" rIns="91425" wrap="square" tIns="91425">
+          <a:bodyPr spcFirstLastPara="1" wrap="square" lIns="91425" tIns="91425" rIns="91425" bIns="91425" anchor="ctr" anchorCtr="0">
             <a:normAutofit/>
           </a:bodyPr>
           <a:lstStyle>
@@ -4592,7 +4747,7 @@
             </a:lvl9pPr>
           </a:lstStyle>
           <a:p>
-            <a:pPr indent="0" lvl="0" marL="0" rtl="0" algn="r">
+            <a:pPr marL="0" lvl="0" indent="0" algn="r" rtl="0">
               <a:spcBef>
                 <a:spcPts val="0"/>
               </a:spcBef>
@@ -4618,11 +4773,11 @@
 </file>
 
 <file path=ppt/slideLayouts/slideLayout7.xml><?xml version="1.0" encoding="utf-8"?>
-<p:sldLayout xmlns:a="http://schemas.openxmlformats.org/drawingml/2006/main" xmlns:r="http://schemas.openxmlformats.org/officeDocument/2006/relationships" xmlns:mc="http://schemas.openxmlformats.org/markup-compatibility/2006" xmlns:mv="urn:schemas-microsoft-com:mac:vml" xmlns:p="http://schemas.openxmlformats.org/presentationml/2006/main" xmlns:c="http://schemas.openxmlformats.org/drawingml/2006/chart" xmlns:dgm="http://schemas.openxmlformats.org/drawingml/2006/diagram" xmlns:o="urn:schemas-microsoft-com:office:office" xmlns:v="urn:schemas-microsoft-com:vml" xmlns:pvml="urn:schemas-microsoft-com:office:powerpoint" xmlns:com="http://schemas.openxmlformats.org/drawingml/2006/compatibility" xmlns:p14="http://schemas.microsoft.com/office/powerpoint/2010/main" xmlns:p15="http://schemas.microsoft.com/office/powerpoint/2012/main" xmlns:ahyp="http://schemas.microsoft.com/office/drawing/2018/hyperlinkcolor" matchingName="Main point">
+<p:sldLayout xmlns:a="http://schemas.openxmlformats.org/drawingml/2006/main" xmlns:r="http://schemas.openxmlformats.org/officeDocument/2006/relationships" xmlns:p="http://schemas.openxmlformats.org/presentationml/2006/main" matchingName="Main point">
   <p:cSld name="MAIN_POINT">
     <p:spTree>
       <p:nvGrpSpPr>
-        <p:cNvPr id="32" name="Shape 32"/>
+        <p:cNvPr id="1" name="Shape 32"/>
         <p:cNvGrpSpPr/>
         <p:nvPr/>
       </p:nvGrpSpPr>
@@ -4637,7 +4792,9 @@
       <p:sp>
         <p:nvSpPr>
           <p:cNvPr id="33" name="Google Shape;33;p8"/>
-          <p:cNvSpPr txBox="1"/>
+          <p:cNvSpPr txBox="1">
+            <a:spLocks noGrp="1"/>
+          </p:cNvSpPr>
           <p:nvPr>
             <p:ph type="title"/>
           </p:nvPr>
@@ -4652,7 +4809,7 @@
           </a:prstGeom>
         </p:spPr>
         <p:txBody>
-          <a:bodyPr anchorCtr="0" anchor="ctr" bIns="91425" lIns="91425" spcFirstLastPara="1" rIns="91425" wrap="square" tIns="91425">
+          <a:bodyPr spcFirstLastPara="1" wrap="square" lIns="91425" tIns="91425" rIns="91425" bIns="91425" anchor="ctr" anchorCtr="0">
             <a:normAutofit/>
           </a:bodyPr>
           <a:lstStyle>
@@ -4756,15 +4913,19 @@
               <a:defRPr sz="4800"/>
             </a:lvl9pPr>
           </a:lstStyle>
-          <a:p/>
+          <a:p>
+            <a:endParaRPr/>
+          </a:p>
         </p:txBody>
       </p:sp>
       <p:sp>
         <p:nvSpPr>
           <p:cNvPr id="34" name="Google Shape;34;p8"/>
-          <p:cNvSpPr txBox="1"/>
+          <p:cNvSpPr txBox="1">
+            <a:spLocks noGrp="1"/>
+          </p:cNvSpPr>
           <p:nvPr>
-            <p:ph idx="12" type="sldNum"/>
+            <p:ph type="sldNum" idx="12"/>
           </p:nvPr>
         </p:nvSpPr>
         <p:spPr>
@@ -4777,7 +4938,7 @@
           </a:prstGeom>
         </p:spPr>
         <p:txBody>
-          <a:bodyPr anchorCtr="0" anchor="ctr" bIns="91425" lIns="91425" spcFirstLastPara="1" rIns="91425" wrap="square" tIns="91425">
+          <a:bodyPr spcFirstLastPara="1" wrap="square" lIns="91425" tIns="91425" rIns="91425" bIns="91425" anchor="ctr" anchorCtr="0">
             <a:normAutofit/>
           </a:bodyPr>
           <a:lstStyle>
@@ -4819,7 +4980,7 @@
             </a:lvl9pPr>
           </a:lstStyle>
           <a:p>
-            <a:pPr indent="0" lvl="0" marL="0" rtl="0" algn="r">
+            <a:pPr marL="0" lvl="0" indent="0" algn="r" rtl="0">
               <a:spcBef>
                 <a:spcPts val="0"/>
               </a:spcBef>
@@ -4845,11 +5006,11 @@
 </file>
 
 <file path=ppt/slideLayouts/slideLayout8.xml><?xml version="1.0" encoding="utf-8"?>
-<p:sldLayout xmlns:a="http://schemas.openxmlformats.org/drawingml/2006/main" xmlns:r="http://schemas.openxmlformats.org/officeDocument/2006/relationships" xmlns:mc="http://schemas.openxmlformats.org/markup-compatibility/2006" xmlns:mv="urn:schemas-microsoft-com:mac:vml" xmlns:p="http://schemas.openxmlformats.org/presentationml/2006/main" xmlns:c="http://schemas.openxmlformats.org/drawingml/2006/chart" xmlns:dgm="http://schemas.openxmlformats.org/drawingml/2006/diagram" xmlns:o="urn:schemas-microsoft-com:office:office" xmlns:v="urn:schemas-microsoft-com:vml" xmlns:pvml="urn:schemas-microsoft-com:office:powerpoint" xmlns:com="http://schemas.openxmlformats.org/drawingml/2006/compatibility" xmlns:p14="http://schemas.microsoft.com/office/powerpoint/2010/main" xmlns:p15="http://schemas.microsoft.com/office/powerpoint/2012/main" xmlns:ahyp="http://schemas.microsoft.com/office/drawing/2018/hyperlinkcolor" matchingName="Section title and description">
+<p:sldLayout xmlns:a="http://schemas.openxmlformats.org/drawingml/2006/main" xmlns:r="http://schemas.openxmlformats.org/officeDocument/2006/relationships" xmlns:p="http://schemas.openxmlformats.org/presentationml/2006/main" matchingName="Section title and description">
   <p:cSld name="SECTION_TITLE_AND_DESCRIPTION">
     <p:spTree>
       <p:nvGrpSpPr>
-        <p:cNvPr id="35" name="Shape 35"/>
+        <p:cNvPr id="1" name="Shape 35"/>
         <p:cNvGrpSpPr/>
         <p:nvPr/>
       </p:nvGrpSpPr>
@@ -4883,12 +5044,12 @@
           </a:ln>
         </p:spPr>
         <p:txBody>
-          <a:bodyPr anchorCtr="0" anchor="ctr" bIns="91425" lIns="91425" spcFirstLastPara="1" rIns="91425" wrap="square" tIns="91425">
+          <a:bodyPr spcFirstLastPara="1" wrap="square" lIns="91425" tIns="91425" rIns="91425" bIns="91425" anchor="ctr" anchorCtr="0">
             <a:noAutofit/>
           </a:bodyPr>
           <a:lstStyle/>
           <a:p>
-            <a:pPr indent="0" lvl="0" marL="0" rtl="0" algn="l">
+            <a:pPr marL="0" lvl="0" indent="0" algn="l" rtl="0">
               <a:spcBef>
                 <a:spcPts val="0"/>
               </a:spcBef>
@@ -4897,9 +5058,6 @@
               </a:spcAft>
               <a:buNone/>
             </a:pPr>
-            <a:r>
-              <a:t/>
-            </a:r>
             <a:endParaRPr/>
           </a:p>
         </p:txBody>
@@ -4907,7 +5065,9 @@
       <p:sp>
         <p:nvSpPr>
           <p:cNvPr id="37" name="Google Shape;37;p9"/>
-          <p:cNvSpPr txBox="1"/>
+          <p:cNvSpPr txBox="1">
+            <a:spLocks noGrp="1"/>
+          </p:cNvSpPr>
           <p:nvPr>
             <p:ph type="title"/>
           </p:nvPr>
@@ -4922,11 +5082,11 @@
           </a:prstGeom>
         </p:spPr>
         <p:txBody>
-          <a:bodyPr anchorCtr="0" anchor="b" bIns="91425" lIns="91425" spcFirstLastPara="1" rIns="91425" wrap="square" tIns="91425">
+          <a:bodyPr spcFirstLastPara="1" wrap="square" lIns="91425" tIns="91425" rIns="91425" bIns="91425" anchor="b" anchorCtr="0">
             <a:normAutofit/>
           </a:bodyPr>
           <a:lstStyle>
-            <a:lvl1pPr lvl="0" rtl="0" algn="ctr">
+            <a:lvl1pPr lvl="0" algn="ctr" rtl="0">
               <a:spcBef>
                 <a:spcPts val="0"/>
               </a:spcBef>
@@ -4937,7 +5097,7 @@
               <a:buNone/>
               <a:defRPr sz="4200"/>
             </a:lvl1pPr>
-            <a:lvl2pPr lvl="1" rtl="0" algn="ctr">
+            <a:lvl2pPr lvl="1" algn="ctr" rtl="0">
               <a:spcBef>
                 <a:spcPts val="0"/>
               </a:spcBef>
@@ -4948,7 +5108,7 @@
               <a:buNone/>
               <a:defRPr sz="4200"/>
             </a:lvl2pPr>
-            <a:lvl3pPr lvl="2" rtl="0" algn="ctr">
+            <a:lvl3pPr lvl="2" algn="ctr" rtl="0">
               <a:spcBef>
                 <a:spcPts val="0"/>
               </a:spcBef>
@@ -4959,7 +5119,7 @@
               <a:buNone/>
               <a:defRPr sz="4200"/>
             </a:lvl3pPr>
-            <a:lvl4pPr lvl="3" rtl="0" algn="ctr">
+            <a:lvl4pPr lvl="3" algn="ctr" rtl="0">
               <a:spcBef>
                 <a:spcPts val="0"/>
               </a:spcBef>
@@ -4970,7 +5130,7 @@
               <a:buNone/>
               <a:defRPr sz="4200"/>
             </a:lvl4pPr>
-            <a:lvl5pPr lvl="4" rtl="0" algn="ctr">
+            <a:lvl5pPr lvl="4" algn="ctr" rtl="0">
               <a:spcBef>
                 <a:spcPts val="0"/>
               </a:spcBef>
@@ -4981,7 +5141,7 @@
               <a:buNone/>
               <a:defRPr sz="4200"/>
             </a:lvl5pPr>
-            <a:lvl6pPr lvl="5" rtl="0" algn="ctr">
+            <a:lvl6pPr lvl="5" algn="ctr" rtl="0">
               <a:spcBef>
                 <a:spcPts val="0"/>
               </a:spcBef>
@@ -4992,7 +5152,7 @@
               <a:buNone/>
               <a:defRPr sz="4200"/>
             </a:lvl6pPr>
-            <a:lvl7pPr lvl="6" rtl="0" algn="ctr">
+            <a:lvl7pPr lvl="6" algn="ctr" rtl="0">
               <a:spcBef>
                 <a:spcPts val="0"/>
               </a:spcBef>
@@ -5003,7 +5163,7 @@
               <a:buNone/>
               <a:defRPr sz="4200"/>
             </a:lvl7pPr>
-            <a:lvl8pPr lvl="7" rtl="0" algn="ctr">
+            <a:lvl8pPr lvl="7" algn="ctr" rtl="0">
               <a:spcBef>
                 <a:spcPts val="0"/>
               </a:spcBef>
@@ -5014,7 +5174,7 @@
               <a:buNone/>
               <a:defRPr sz="4200"/>
             </a:lvl8pPr>
-            <a:lvl9pPr lvl="8" rtl="0" algn="ctr">
+            <a:lvl9pPr lvl="8" algn="ctr" rtl="0">
               <a:spcBef>
                 <a:spcPts val="0"/>
               </a:spcBef>
@@ -5026,15 +5186,19 @@
               <a:defRPr sz="4200"/>
             </a:lvl9pPr>
           </a:lstStyle>
-          <a:p/>
+          <a:p>
+            <a:endParaRPr/>
+          </a:p>
         </p:txBody>
       </p:sp>
       <p:sp>
         <p:nvSpPr>
           <p:cNvPr id="38" name="Google Shape;38;p9"/>
-          <p:cNvSpPr txBox="1"/>
+          <p:cNvSpPr txBox="1">
+            <a:spLocks noGrp="1"/>
+          </p:cNvSpPr>
           <p:nvPr>
-            <p:ph idx="1" type="subTitle"/>
+            <p:ph type="subTitle" idx="1"/>
           </p:nvPr>
         </p:nvSpPr>
         <p:spPr>
@@ -5047,11 +5211,11 @@
           </a:prstGeom>
         </p:spPr>
         <p:txBody>
-          <a:bodyPr anchorCtr="0" anchor="t" bIns="91425" lIns="91425" spcFirstLastPara="1" rIns="91425" wrap="square" tIns="91425">
+          <a:bodyPr spcFirstLastPara="1" wrap="square" lIns="91425" tIns="91425" rIns="91425" bIns="91425" anchor="t" anchorCtr="0">
             <a:normAutofit/>
           </a:bodyPr>
           <a:lstStyle>
-            <a:lvl1pPr lvl="0" rtl="0" algn="ctr">
+            <a:lvl1pPr lvl="0" algn="ctr" rtl="0">
               <a:lnSpc>
                 <a:spcPct val="100000"/>
               </a:lnSpc>
@@ -5065,7 +5229,7 @@
               <a:buNone/>
               <a:defRPr sz="2100"/>
             </a:lvl1pPr>
-            <a:lvl2pPr lvl="1" rtl="0" algn="ctr">
+            <a:lvl2pPr lvl="1" algn="ctr" rtl="0">
               <a:lnSpc>
                 <a:spcPct val="100000"/>
               </a:lnSpc>
@@ -5079,7 +5243,7 @@
               <a:buNone/>
               <a:defRPr sz="2100"/>
             </a:lvl2pPr>
-            <a:lvl3pPr lvl="2" rtl="0" algn="ctr">
+            <a:lvl3pPr lvl="2" algn="ctr" rtl="0">
               <a:lnSpc>
                 <a:spcPct val="100000"/>
               </a:lnSpc>
@@ -5093,7 +5257,7 @@
               <a:buNone/>
               <a:defRPr sz="2100"/>
             </a:lvl3pPr>
-            <a:lvl4pPr lvl="3" rtl="0" algn="ctr">
+            <a:lvl4pPr lvl="3" algn="ctr" rtl="0">
               <a:lnSpc>
                 <a:spcPct val="100000"/>
               </a:lnSpc>
@@ -5107,7 +5271,7 @@
               <a:buNone/>
               <a:defRPr sz="2100"/>
             </a:lvl4pPr>
-            <a:lvl5pPr lvl="4" rtl="0" algn="ctr">
+            <a:lvl5pPr lvl="4" algn="ctr" rtl="0">
               <a:lnSpc>
                 <a:spcPct val="100000"/>
               </a:lnSpc>
@@ -5121,7 +5285,7 @@
               <a:buNone/>
               <a:defRPr sz="2100"/>
             </a:lvl5pPr>
-            <a:lvl6pPr lvl="5" rtl="0" algn="ctr">
+            <a:lvl6pPr lvl="5" algn="ctr" rtl="0">
               <a:lnSpc>
                 <a:spcPct val="100000"/>
               </a:lnSpc>
@@ -5135,7 +5299,7 @@
               <a:buNone/>
               <a:defRPr sz="2100"/>
             </a:lvl6pPr>
-            <a:lvl7pPr lvl="6" rtl="0" algn="ctr">
+            <a:lvl7pPr lvl="6" algn="ctr" rtl="0">
               <a:lnSpc>
                 <a:spcPct val="100000"/>
               </a:lnSpc>
@@ -5149,7 +5313,7 @@
               <a:buNone/>
               <a:defRPr sz="2100"/>
             </a:lvl7pPr>
-            <a:lvl8pPr lvl="7" rtl="0" algn="ctr">
+            <a:lvl8pPr lvl="7" algn="ctr" rtl="0">
               <a:lnSpc>
                 <a:spcPct val="100000"/>
               </a:lnSpc>
@@ -5163,7 +5327,7 @@
               <a:buNone/>
               <a:defRPr sz="2100"/>
             </a:lvl8pPr>
-            <a:lvl9pPr lvl="8" rtl="0" algn="ctr">
+            <a:lvl9pPr lvl="8" algn="ctr" rtl="0">
               <a:lnSpc>
                 <a:spcPct val="100000"/>
               </a:lnSpc>
@@ -5178,15 +5342,19 @@
               <a:defRPr sz="2100"/>
             </a:lvl9pPr>
           </a:lstStyle>
-          <a:p/>
+          <a:p>
+            <a:endParaRPr/>
+          </a:p>
         </p:txBody>
       </p:sp>
       <p:sp>
         <p:nvSpPr>
           <p:cNvPr id="39" name="Google Shape;39;p9"/>
-          <p:cNvSpPr txBox="1"/>
+          <p:cNvSpPr txBox="1">
+            <a:spLocks noGrp="1"/>
+          </p:cNvSpPr>
           <p:nvPr>
-            <p:ph idx="2" type="body"/>
+            <p:ph type="body" idx="2"/>
           </p:nvPr>
         </p:nvSpPr>
         <p:spPr>
@@ -5199,11 +5367,11 @@
           </a:prstGeom>
         </p:spPr>
         <p:txBody>
-          <a:bodyPr anchorCtr="0" anchor="ctr" bIns="91425" lIns="91425" spcFirstLastPara="1" rIns="91425" wrap="square" tIns="91425">
+          <a:bodyPr spcFirstLastPara="1" wrap="square" lIns="91425" tIns="91425" rIns="91425" bIns="91425" anchor="ctr" anchorCtr="0">
             <a:normAutofit/>
           </a:bodyPr>
           <a:lstStyle>
-            <a:lvl1pPr indent="-342900" lvl="0" marL="457200" rtl="0">
+            <a:lvl1pPr marL="457200" lvl="0" indent="-342900" rtl="0">
               <a:spcBef>
                 <a:spcPts val="0"/>
               </a:spcBef>
@@ -5214,7 +5382,7 @@
               <a:buChar char="●"/>
               <a:defRPr/>
             </a:lvl1pPr>
-            <a:lvl2pPr indent="-317500" lvl="1" marL="914400" rtl="0">
+            <a:lvl2pPr marL="914400" lvl="1" indent="-317500" rtl="0">
               <a:spcBef>
                 <a:spcPts val="0"/>
               </a:spcBef>
@@ -5225,7 +5393,7 @@
               <a:buChar char="○"/>
               <a:defRPr/>
             </a:lvl2pPr>
-            <a:lvl3pPr indent="-317500" lvl="2" marL="1371600" rtl="0">
+            <a:lvl3pPr marL="1371600" lvl="2" indent="-317500" rtl="0">
               <a:spcBef>
                 <a:spcPts val="0"/>
               </a:spcBef>
@@ -5236,7 +5404,7 @@
               <a:buChar char="■"/>
               <a:defRPr/>
             </a:lvl3pPr>
-            <a:lvl4pPr indent="-317500" lvl="3" marL="1828800" rtl="0">
+            <a:lvl4pPr marL="1828800" lvl="3" indent="-317500" rtl="0">
               <a:spcBef>
                 <a:spcPts val="0"/>
               </a:spcBef>
@@ -5247,7 +5415,7 @@
               <a:buChar char="●"/>
               <a:defRPr/>
             </a:lvl4pPr>
-            <a:lvl5pPr indent="-317500" lvl="4" marL="2286000" rtl="0">
+            <a:lvl5pPr marL="2286000" lvl="4" indent="-317500" rtl="0">
               <a:spcBef>
                 <a:spcPts val="0"/>
               </a:spcBef>
@@ -5258,7 +5426,7 @@
               <a:buChar char="○"/>
               <a:defRPr/>
             </a:lvl5pPr>
-            <a:lvl6pPr indent="-317500" lvl="5" marL="2743200" rtl="0">
+            <a:lvl6pPr marL="2743200" lvl="5" indent="-317500" rtl="0">
               <a:spcBef>
                 <a:spcPts val="0"/>
               </a:spcBef>
@@ -5269,7 +5437,7 @@
               <a:buChar char="■"/>
               <a:defRPr/>
             </a:lvl6pPr>
-            <a:lvl7pPr indent="-317500" lvl="6" marL="3200400" rtl="0">
+            <a:lvl7pPr marL="3200400" lvl="6" indent="-317500" rtl="0">
               <a:spcBef>
                 <a:spcPts val="0"/>
               </a:spcBef>
@@ -5280,7 +5448,7 @@
               <a:buChar char="●"/>
               <a:defRPr/>
             </a:lvl7pPr>
-            <a:lvl8pPr indent="-317500" lvl="7" marL="3657600" rtl="0">
+            <a:lvl8pPr marL="3657600" lvl="7" indent="-317500" rtl="0">
               <a:spcBef>
                 <a:spcPts val="0"/>
               </a:spcBef>
@@ -5291,7 +5459,7 @@
               <a:buChar char="○"/>
               <a:defRPr/>
             </a:lvl8pPr>
-            <a:lvl9pPr indent="-317500" lvl="8" marL="4114800" rtl="0">
+            <a:lvl9pPr marL="4114800" lvl="8" indent="-317500" rtl="0">
               <a:spcBef>
                 <a:spcPts val="0"/>
               </a:spcBef>
@@ -5303,15 +5471,19 @@
               <a:defRPr/>
             </a:lvl9pPr>
           </a:lstStyle>
-          <a:p/>
+          <a:p>
+            <a:endParaRPr/>
+          </a:p>
         </p:txBody>
       </p:sp>
       <p:sp>
         <p:nvSpPr>
           <p:cNvPr id="40" name="Google Shape;40;p9"/>
-          <p:cNvSpPr txBox="1"/>
+          <p:cNvSpPr txBox="1">
+            <a:spLocks noGrp="1"/>
+          </p:cNvSpPr>
           <p:nvPr>
-            <p:ph idx="12" type="sldNum"/>
+            <p:ph type="sldNum" idx="12"/>
           </p:nvPr>
         </p:nvSpPr>
         <p:spPr>
@@ -5324,7 +5496,7 @@
           </a:prstGeom>
         </p:spPr>
         <p:txBody>
-          <a:bodyPr anchorCtr="0" anchor="ctr" bIns="91425" lIns="91425" spcFirstLastPara="1" rIns="91425" wrap="square" tIns="91425">
+          <a:bodyPr spcFirstLastPara="1" wrap="square" lIns="91425" tIns="91425" rIns="91425" bIns="91425" anchor="ctr" anchorCtr="0">
             <a:normAutofit/>
           </a:bodyPr>
           <a:lstStyle>
@@ -5366,7 +5538,7 @@
             </a:lvl9pPr>
           </a:lstStyle>
           <a:p>
-            <a:pPr indent="0" lvl="0" marL="0" rtl="0" algn="r">
+            <a:pPr marL="0" lvl="0" indent="0" algn="r" rtl="0">
               <a:spcBef>
                 <a:spcPts val="0"/>
               </a:spcBef>
@@ -5392,11 +5564,11 @@
 </file>
 
 <file path=ppt/slideLayouts/slideLayout9.xml><?xml version="1.0" encoding="utf-8"?>
-<p:sldLayout xmlns:a="http://schemas.openxmlformats.org/drawingml/2006/main" xmlns:r="http://schemas.openxmlformats.org/officeDocument/2006/relationships" xmlns:mc="http://schemas.openxmlformats.org/markup-compatibility/2006" xmlns:mv="urn:schemas-microsoft-com:mac:vml" xmlns:p="http://schemas.openxmlformats.org/presentationml/2006/main" xmlns:c="http://schemas.openxmlformats.org/drawingml/2006/chart" xmlns:dgm="http://schemas.openxmlformats.org/drawingml/2006/diagram" xmlns:o="urn:schemas-microsoft-com:office:office" xmlns:v="urn:schemas-microsoft-com:vml" xmlns:pvml="urn:schemas-microsoft-com:office:powerpoint" xmlns:com="http://schemas.openxmlformats.org/drawingml/2006/compatibility" xmlns:p14="http://schemas.microsoft.com/office/powerpoint/2010/main" xmlns:p15="http://schemas.microsoft.com/office/powerpoint/2012/main" xmlns:ahyp="http://schemas.microsoft.com/office/drawing/2018/hyperlinkcolor" matchingName="Caption">
+<p:sldLayout xmlns:a="http://schemas.openxmlformats.org/drawingml/2006/main" xmlns:r="http://schemas.openxmlformats.org/officeDocument/2006/relationships" xmlns:p="http://schemas.openxmlformats.org/presentationml/2006/main" matchingName="Caption">
   <p:cSld name="CAPTION_ONLY">
     <p:spTree>
       <p:nvGrpSpPr>
-        <p:cNvPr id="41" name="Shape 41"/>
+        <p:cNvPr id="1" name="Shape 41"/>
         <p:cNvGrpSpPr/>
         <p:nvPr/>
       </p:nvGrpSpPr>
@@ -5411,9 +5583,11 @@
       <p:sp>
         <p:nvSpPr>
           <p:cNvPr id="42" name="Google Shape;42;p10"/>
-          <p:cNvSpPr txBox="1"/>
+          <p:cNvSpPr txBox="1">
+            <a:spLocks noGrp="1"/>
+          </p:cNvSpPr>
           <p:nvPr>
-            <p:ph idx="1" type="body"/>
+            <p:ph type="body" idx="1"/>
           </p:nvPr>
         </p:nvSpPr>
         <p:spPr>
@@ -5426,11 +5600,11 @@
           </a:prstGeom>
         </p:spPr>
         <p:txBody>
-          <a:bodyPr anchorCtr="0" anchor="ctr" bIns="91425" lIns="91425" spcFirstLastPara="1" rIns="91425" wrap="square" tIns="91425">
+          <a:bodyPr spcFirstLastPara="1" wrap="square" lIns="91425" tIns="91425" rIns="91425" bIns="91425" anchor="ctr" anchorCtr="0">
             <a:normAutofit/>
           </a:bodyPr>
           <a:lstStyle>
-            <a:lvl1pPr indent="-228600" lvl="0" marL="457200" rtl="0">
+            <a:lvl1pPr marL="457200" lvl="0" indent="-228600" rtl="0">
               <a:lnSpc>
                 <a:spcPct val="100000"/>
               </a:lnSpc>
@@ -5445,15 +5619,19 @@
               <a:defRPr/>
             </a:lvl1pPr>
           </a:lstStyle>
-          <a:p/>
+          <a:p>
+            <a:endParaRPr/>
+          </a:p>
         </p:txBody>
       </p:sp>
       <p:sp>
         <p:nvSpPr>
           <p:cNvPr id="43" name="Google Shape;43;p10"/>
-          <p:cNvSpPr txBox="1"/>
+          <p:cNvSpPr txBox="1">
+            <a:spLocks noGrp="1"/>
+          </p:cNvSpPr>
           <p:nvPr>
-            <p:ph idx="12" type="sldNum"/>
+            <p:ph type="sldNum" idx="12"/>
           </p:nvPr>
         </p:nvSpPr>
         <p:spPr>
@@ -5466,7 +5644,7 @@
           </a:prstGeom>
         </p:spPr>
         <p:txBody>
-          <a:bodyPr anchorCtr="0" anchor="ctr" bIns="91425" lIns="91425" spcFirstLastPara="1" rIns="91425" wrap="square" tIns="91425">
+          <a:bodyPr spcFirstLastPara="1" wrap="square" lIns="91425" tIns="91425" rIns="91425" bIns="91425" anchor="ctr" anchorCtr="0">
             <a:normAutofit/>
           </a:bodyPr>
           <a:lstStyle>
@@ -5508,7 +5686,7 @@
             </a:lvl9pPr>
           </a:lstStyle>
           <a:p>
-            <a:pPr indent="0" lvl="0" marL="0" rtl="0" algn="r">
+            <a:pPr marL="0" lvl="0" indent="0" algn="r" rtl="0">
               <a:spcBef>
                 <a:spcPts val="0"/>
               </a:spcBef>
@@ -5534,18 +5712,19 @@
 </file>
 
 <file path=ppt/slideMasters/slideMaster1.xml><?xml version="1.0" encoding="utf-8"?>
-<p:sldMaster xmlns:a="http://schemas.openxmlformats.org/drawingml/2006/main" xmlns:r="http://schemas.openxmlformats.org/officeDocument/2006/relationships" xmlns:mc="http://schemas.openxmlformats.org/markup-compatibility/2006" xmlns:mv="urn:schemas-microsoft-com:mac:vml" xmlns:p="http://schemas.openxmlformats.org/presentationml/2006/main" xmlns:c="http://schemas.openxmlformats.org/drawingml/2006/chart" xmlns:dgm="http://schemas.openxmlformats.org/drawingml/2006/diagram" xmlns:o="urn:schemas-microsoft-com:office:office" xmlns:v="urn:schemas-microsoft-com:vml" xmlns:pvml="urn:schemas-microsoft-com:office:powerpoint" xmlns:com="http://schemas.openxmlformats.org/drawingml/2006/compatibility" xmlns:p14="http://schemas.microsoft.com/office/powerpoint/2010/main" xmlns:p15="http://schemas.microsoft.com/office/powerpoint/2012/main" xmlns:ahyp="http://schemas.microsoft.com/office/drawing/2018/hyperlinkcolor">
+<p:sldMaster xmlns:a="http://schemas.openxmlformats.org/drawingml/2006/main" xmlns:r="http://schemas.openxmlformats.org/officeDocument/2006/relationships" xmlns:p="http://schemas.openxmlformats.org/presentationml/2006/main">
   <p:cSld name="simple-light-2">
     <p:bg>
       <p:bgPr>
         <a:solidFill>
           <a:schemeClr val="lt1"/>
         </a:solidFill>
+        <a:effectLst/>
       </p:bgPr>
     </p:bg>
     <p:spTree>
       <p:nvGrpSpPr>
-        <p:cNvPr id="5" name="Shape 5"/>
+        <p:cNvPr id="1" name="Shape 5"/>
         <p:cNvGrpSpPr/>
         <p:nvPr/>
       </p:nvGrpSpPr>
@@ -5560,7 +5739,9 @@
       <p:sp>
         <p:nvSpPr>
           <p:cNvPr id="6" name="Google Shape;6;p1"/>
-          <p:cNvSpPr txBox="1"/>
+          <p:cNvSpPr txBox="1">
+            <a:spLocks noGrp="1"/>
+          </p:cNvSpPr>
           <p:nvPr>
             <p:ph type="title"/>
           </p:nvPr>
@@ -5579,7 +5760,7 @@
           </a:ln>
         </p:spPr>
         <p:txBody>
-          <a:bodyPr anchorCtr="0" anchor="t" bIns="91425" lIns="91425" spcFirstLastPara="1" rIns="91425" wrap="square" tIns="91425">
+          <a:bodyPr spcFirstLastPara="1" wrap="square" lIns="91425" tIns="91425" rIns="91425" bIns="91425" anchor="t" anchorCtr="0">
             <a:normAutofit/>
           </a:bodyPr>
           <a:lstStyle>
@@ -5746,15 +5927,19 @@
               </a:defRPr>
             </a:lvl9pPr>
           </a:lstStyle>
-          <a:p/>
+          <a:p>
+            <a:endParaRPr/>
+          </a:p>
         </p:txBody>
       </p:sp>
       <p:sp>
         <p:nvSpPr>
           <p:cNvPr id="7" name="Google Shape;7;p1"/>
-          <p:cNvSpPr txBox="1"/>
+          <p:cNvSpPr txBox="1">
+            <a:spLocks noGrp="1"/>
+          </p:cNvSpPr>
           <p:nvPr>
-            <p:ph idx="1" type="body"/>
+            <p:ph type="body" idx="1"/>
           </p:nvPr>
         </p:nvSpPr>
         <p:spPr>
@@ -5771,11 +5956,11 @@
           </a:ln>
         </p:spPr>
         <p:txBody>
-          <a:bodyPr anchorCtr="0" anchor="t" bIns="91425" lIns="91425" spcFirstLastPara="1" rIns="91425" wrap="square" tIns="91425">
+          <a:bodyPr spcFirstLastPara="1" wrap="square" lIns="91425" tIns="91425" rIns="91425" bIns="91425" anchor="t" anchorCtr="0">
             <a:normAutofit/>
           </a:bodyPr>
           <a:lstStyle>
-            <a:lvl1pPr indent="-342900" lvl="0" marL="457200" rtl="0">
+            <a:lvl1pPr marL="457200" lvl="0" indent="-342900" rtl="0">
               <a:lnSpc>
                 <a:spcPct val="115000"/>
               </a:lnSpc>
@@ -5796,7 +5981,7 @@
                 </a:solidFill>
               </a:defRPr>
             </a:lvl1pPr>
-            <a:lvl2pPr indent="-317500" lvl="1" marL="914400" rtl="0">
+            <a:lvl2pPr marL="914400" lvl="1" indent="-317500" rtl="0">
               <a:lnSpc>
                 <a:spcPct val="115000"/>
               </a:lnSpc>
@@ -5817,7 +6002,7 @@
                 </a:solidFill>
               </a:defRPr>
             </a:lvl2pPr>
-            <a:lvl3pPr indent="-317500" lvl="2" marL="1371600" rtl="0">
+            <a:lvl3pPr marL="1371600" lvl="2" indent="-317500" rtl="0">
               <a:lnSpc>
                 <a:spcPct val="115000"/>
               </a:lnSpc>
@@ -5838,7 +6023,7 @@
                 </a:solidFill>
               </a:defRPr>
             </a:lvl3pPr>
-            <a:lvl4pPr indent="-317500" lvl="3" marL="1828800" rtl="0">
+            <a:lvl4pPr marL="1828800" lvl="3" indent="-317500" rtl="0">
               <a:lnSpc>
                 <a:spcPct val="115000"/>
               </a:lnSpc>
@@ -5859,7 +6044,7 @@
                 </a:solidFill>
               </a:defRPr>
             </a:lvl4pPr>
-            <a:lvl5pPr indent="-317500" lvl="4" marL="2286000" rtl="0">
+            <a:lvl5pPr marL="2286000" lvl="4" indent="-317500" rtl="0">
               <a:lnSpc>
                 <a:spcPct val="115000"/>
               </a:lnSpc>
@@ -5880,7 +6065,7 @@
                 </a:solidFill>
               </a:defRPr>
             </a:lvl5pPr>
-            <a:lvl6pPr indent="-317500" lvl="5" marL="2743200" rtl="0">
+            <a:lvl6pPr marL="2743200" lvl="5" indent="-317500" rtl="0">
               <a:lnSpc>
                 <a:spcPct val="115000"/>
               </a:lnSpc>
@@ -5901,7 +6086,7 @@
                 </a:solidFill>
               </a:defRPr>
             </a:lvl6pPr>
-            <a:lvl7pPr indent="-317500" lvl="6" marL="3200400" rtl="0">
+            <a:lvl7pPr marL="3200400" lvl="6" indent="-317500" rtl="0">
               <a:lnSpc>
                 <a:spcPct val="115000"/>
               </a:lnSpc>
@@ -5922,7 +6107,7 @@
                 </a:solidFill>
               </a:defRPr>
             </a:lvl7pPr>
-            <a:lvl8pPr indent="-317500" lvl="7" marL="3657600" rtl="0">
+            <a:lvl8pPr marL="3657600" lvl="7" indent="-317500" rtl="0">
               <a:lnSpc>
                 <a:spcPct val="115000"/>
               </a:lnSpc>
@@ -5943,7 +6128,7 @@
                 </a:solidFill>
               </a:defRPr>
             </a:lvl8pPr>
-            <a:lvl9pPr indent="-317500" lvl="8" marL="4114800" rtl="0">
+            <a:lvl9pPr marL="4114800" lvl="8" indent="-317500" rtl="0">
               <a:lnSpc>
                 <a:spcPct val="115000"/>
               </a:lnSpc>
@@ -5965,15 +6150,19 @@
               </a:defRPr>
             </a:lvl9pPr>
           </a:lstStyle>
-          <a:p/>
+          <a:p>
+            <a:endParaRPr/>
+          </a:p>
         </p:txBody>
       </p:sp>
       <p:sp>
         <p:nvSpPr>
           <p:cNvPr id="8" name="Google Shape;8;p1"/>
-          <p:cNvSpPr txBox="1"/>
+          <p:cNvSpPr txBox="1">
+            <a:spLocks noGrp="1"/>
+          </p:cNvSpPr>
           <p:nvPr>
-            <p:ph idx="12" type="sldNum"/>
+            <p:ph type="sldNum" idx="12"/>
           </p:nvPr>
         </p:nvSpPr>
         <p:spPr>
@@ -5990,11 +6179,11 @@
           </a:ln>
         </p:spPr>
         <p:txBody>
-          <a:bodyPr anchorCtr="0" anchor="ctr" bIns="91425" lIns="91425" spcFirstLastPara="1" rIns="91425" wrap="square" tIns="91425">
+          <a:bodyPr spcFirstLastPara="1" wrap="square" lIns="91425" tIns="91425" rIns="91425" bIns="91425" anchor="ctr" anchorCtr="0">
             <a:normAutofit/>
           </a:bodyPr>
           <a:lstStyle>
-            <a:lvl1pPr lvl="0" rtl="0" algn="r">
+            <a:lvl1pPr lvl="0" algn="r" rtl="0">
               <a:buNone/>
               <a:defRPr sz="1000">
                 <a:solidFill>
@@ -6002,7 +6191,7 @@
                 </a:solidFill>
               </a:defRPr>
             </a:lvl1pPr>
-            <a:lvl2pPr lvl="1" rtl="0" algn="r">
+            <a:lvl2pPr lvl="1" algn="r" rtl="0">
               <a:buNone/>
               <a:defRPr sz="1000">
                 <a:solidFill>
@@ -6010,7 +6199,7 @@
                 </a:solidFill>
               </a:defRPr>
             </a:lvl2pPr>
-            <a:lvl3pPr lvl="2" rtl="0" algn="r">
+            <a:lvl3pPr lvl="2" algn="r" rtl="0">
               <a:buNone/>
               <a:defRPr sz="1000">
                 <a:solidFill>
@@ -6018,7 +6207,7 @@
                 </a:solidFill>
               </a:defRPr>
             </a:lvl3pPr>
-            <a:lvl4pPr lvl="3" rtl="0" algn="r">
+            <a:lvl4pPr lvl="3" algn="r" rtl="0">
               <a:buNone/>
               <a:defRPr sz="1000">
                 <a:solidFill>
@@ -6026,7 +6215,7 @@
                 </a:solidFill>
               </a:defRPr>
             </a:lvl4pPr>
-            <a:lvl5pPr lvl="4" rtl="0" algn="r">
+            <a:lvl5pPr lvl="4" algn="r" rtl="0">
               <a:buNone/>
               <a:defRPr sz="1000">
                 <a:solidFill>
@@ -6034,7 +6223,7 @@
                 </a:solidFill>
               </a:defRPr>
             </a:lvl5pPr>
-            <a:lvl6pPr lvl="5" rtl="0" algn="r">
+            <a:lvl6pPr lvl="5" algn="r" rtl="0">
               <a:buNone/>
               <a:defRPr sz="1000">
                 <a:solidFill>
@@ -6042,7 +6231,7 @@
                 </a:solidFill>
               </a:defRPr>
             </a:lvl6pPr>
-            <a:lvl7pPr lvl="6" rtl="0" algn="r">
+            <a:lvl7pPr lvl="6" algn="r" rtl="0">
               <a:buNone/>
               <a:defRPr sz="1000">
                 <a:solidFill>
@@ -6050,7 +6239,7 @@
                 </a:solidFill>
               </a:defRPr>
             </a:lvl7pPr>
-            <a:lvl8pPr lvl="7" rtl="0" algn="r">
+            <a:lvl8pPr lvl="7" algn="r" rtl="0">
               <a:buNone/>
               <a:defRPr sz="1000">
                 <a:solidFill>
@@ -6058,7 +6247,7 @@
                 </a:solidFill>
               </a:defRPr>
             </a:lvl8pPr>
-            <a:lvl9pPr lvl="8" rtl="0" algn="r">
+            <a:lvl9pPr lvl="8" algn="r" rtl="0">
               <a:buNone/>
               <a:defRPr sz="1000">
                 <a:solidFill>
@@ -6068,7 +6257,7 @@
             </a:lvl9pPr>
           </a:lstStyle>
           <a:p>
-            <a:pPr indent="0" lvl="0" marL="0" rtl="0" algn="r">
+            <a:pPr marL="0" lvl="0" indent="0" algn="r" rtl="0">
               <a:spcBef>
                 <a:spcPts val="0"/>
               </a:spcBef>
@@ -6087,7 +6276,7 @@
       </p:sp>
     </p:spTree>
   </p:cSld>
-  <p:clrMap accent1="accent1" accent2="accent2" accent3="accent3" accent4="accent4" accent5="accent5" accent6="accent6" bg1="lt1" bg2="dk2" tx1="dk1" tx2="lt2" folHlink="folHlink" hlink="hlink"/>
+  <p:clrMap bg1="lt1" tx1="dk1" bg2="dk2" tx2="lt2" accent1="accent1" accent2="accent2" accent3="accent3" accent4="accent4" accent5="accent5" accent6="accent6" hlink="hlink" folHlink="folHlink"/>
   <p:sldLayoutIdLst>
     <p:sldLayoutId id="2147483648" r:id="rId1"/>
     <p:sldLayoutId id="2147483649" r:id="rId2"/>
@@ -6101,10 +6290,10 @@
     <p:sldLayoutId id="2147483657" r:id="rId10"/>
     <p:sldLayoutId id="2147483658" r:id="rId11"/>
   </p:sldLayoutIdLst>
-  <p:hf dt="0" ftr="0" hdr="0" sldNum="0"/>
+  <p:hf sldNum="0" hdr="0" ftr="0" dt="0"/>
   <p:txStyles>
     <p:titleStyle>
-      <a:defPPr lvl="0" marR="0" rtl="0" algn="l">
+      <a:defPPr marR="0" lvl="0" algn="l" rtl="0">
         <a:lnSpc>
           <a:spcPct val="100000"/>
         </a:lnSpc>
@@ -6115,7 +6304,7 @@
           <a:spcPts val="0"/>
         </a:spcAft>
       </a:defPPr>
-      <a:lvl1pPr lvl="0" marR="0" rtl="0" algn="l">
+      <a:lvl1pPr marR="0" lvl="0" algn="l" rtl="0">
         <a:lnSpc>
           <a:spcPct val="100000"/>
         </a:lnSpc>
@@ -6129,7 +6318,7 @@
           <a:srgbClr val="000000"/>
         </a:buClr>
         <a:buFont typeface="Arial"/>
-        <a:defRPr b="0" i="0" sz="1400" u="none" cap="none" strike="noStrike">
+        <a:defRPr sz="1400" b="0" i="0" u="none" strike="noStrike" cap="none">
           <a:solidFill>
             <a:srgbClr val="000000"/>
           </a:solidFill>
@@ -6139,7 +6328,7 @@
           <a:sym typeface="Arial"/>
         </a:defRPr>
       </a:lvl1pPr>
-      <a:lvl2pPr lvl="1" marR="0" rtl="0" algn="l">
+      <a:lvl2pPr marR="0" lvl="1" algn="l" rtl="0">
         <a:lnSpc>
           <a:spcPct val="100000"/>
         </a:lnSpc>
@@ -6153,7 +6342,7 @@
           <a:srgbClr val="000000"/>
         </a:buClr>
         <a:buFont typeface="Arial"/>
-        <a:defRPr b="0" i="0" sz="1400" u="none" cap="none" strike="noStrike">
+        <a:defRPr sz="1400" b="0" i="0" u="none" strike="noStrike" cap="none">
           <a:solidFill>
             <a:srgbClr val="000000"/>
           </a:solidFill>
@@ -6163,7 +6352,7 @@
           <a:sym typeface="Arial"/>
         </a:defRPr>
       </a:lvl2pPr>
-      <a:lvl3pPr lvl="2" marR="0" rtl="0" algn="l">
+      <a:lvl3pPr marR="0" lvl="2" algn="l" rtl="0">
         <a:lnSpc>
           <a:spcPct val="100000"/>
         </a:lnSpc>
@@ -6177,7 +6366,7 @@
           <a:srgbClr val="000000"/>
         </a:buClr>
         <a:buFont typeface="Arial"/>
-        <a:defRPr b="0" i="0" sz="1400" u="none" cap="none" strike="noStrike">
+        <a:defRPr sz="1400" b="0" i="0" u="none" strike="noStrike" cap="none">
           <a:solidFill>
             <a:srgbClr val="000000"/>
           </a:solidFill>
@@ -6187,7 +6376,7 @@
           <a:sym typeface="Arial"/>
         </a:defRPr>
       </a:lvl3pPr>
-      <a:lvl4pPr lvl="3" marR="0" rtl="0" algn="l">
+      <a:lvl4pPr marR="0" lvl="3" algn="l" rtl="0">
         <a:lnSpc>
           <a:spcPct val="100000"/>
         </a:lnSpc>
@@ -6201,7 +6390,7 @@
           <a:srgbClr val="000000"/>
         </a:buClr>
         <a:buFont typeface="Arial"/>
-        <a:defRPr b="0" i="0" sz="1400" u="none" cap="none" strike="noStrike">
+        <a:defRPr sz="1400" b="0" i="0" u="none" strike="noStrike" cap="none">
           <a:solidFill>
             <a:srgbClr val="000000"/>
           </a:solidFill>
@@ -6211,7 +6400,7 @@
           <a:sym typeface="Arial"/>
         </a:defRPr>
       </a:lvl4pPr>
-      <a:lvl5pPr lvl="4" marR="0" rtl="0" algn="l">
+      <a:lvl5pPr marR="0" lvl="4" algn="l" rtl="0">
         <a:lnSpc>
           <a:spcPct val="100000"/>
         </a:lnSpc>
@@ -6225,7 +6414,7 @@
           <a:srgbClr val="000000"/>
         </a:buClr>
         <a:buFont typeface="Arial"/>
-        <a:defRPr b="0" i="0" sz="1400" u="none" cap="none" strike="noStrike">
+        <a:defRPr sz="1400" b="0" i="0" u="none" strike="noStrike" cap="none">
           <a:solidFill>
             <a:srgbClr val="000000"/>
           </a:solidFill>
@@ -6235,7 +6424,7 @@
           <a:sym typeface="Arial"/>
         </a:defRPr>
       </a:lvl5pPr>
-      <a:lvl6pPr lvl="5" marR="0" rtl="0" algn="l">
+      <a:lvl6pPr marR="0" lvl="5" algn="l" rtl="0">
         <a:lnSpc>
           <a:spcPct val="100000"/>
         </a:lnSpc>
@@ -6249,7 +6438,7 @@
           <a:srgbClr val="000000"/>
         </a:buClr>
         <a:buFont typeface="Arial"/>
-        <a:defRPr b="0" i="0" sz="1400" u="none" cap="none" strike="noStrike">
+        <a:defRPr sz="1400" b="0" i="0" u="none" strike="noStrike" cap="none">
           <a:solidFill>
             <a:srgbClr val="000000"/>
           </a:solidFill>
@@ -6259,7 +6448,7 @@
           <a:sym typeface="Arial"/>
         </a:defRPr>
       </a:lvl6pPr>
-      <a:lvl7pPr lvl="6" marR="0" rtl="0" algn="l">
+      <a:lvl7pPr marR="0" lvl="6" algn="l" rtl="0">
         <a:lnSpc>
           <a:spcPct val="100000"/>
         </a:lnSpc>
@@ -6273,7 +6462,7 @@
           <a:srgbClr val="000000"/>
         </a:buClr>
         <a:buFont typeface="Arial"/>
-        <a:defRPr b="0" i="0" sz="1400" u="none" cap="none" strike="noStrike">
+        <a:defRPr sz="1400" b="0" i="0" u="none" strike="noStrike" cap="none">
           <a:solidFill>
             <a:srgbClr val="000000"/>
           </a:solidFill>
@@ -6283,7 +6472,7 @@
           <a:sym typeface="Arial"/>
         </a:defRPr>
       </a:lvl7pPr>
-      <a:lvl8pPr lvl="7" marR="0" rtl="0" algn="l">
+      <a:lvl8pPr marR="0" lvl="7" algn="l" rtl="0">
         <a:lnSpc>
           <a:spcPct val="100000"/>
         </a:lnSpc>
@@ -6297,7 +6486,7 @@
           <a:srgbClr val="000000"/>
         </a:buClr>
         <a:buFont typeface="Arial"/>
-        <a:defRPr b="0" i="0" sz="1400" u="none" cap="none" strike="noStrike">
+        <a:defRPr sz="1400" b="0" i="0" u="none" strike="noStrike" cap="none">
           <a:solidFill>
             <a:srgbClr val="000000"/>
           </a:solidFill>
@@ -6307,7 +6496,7 @@
           <a:sym typeface="Arial"/>
         </a:defRPr>
       </a:lvl8pPr>
-      <a:lvl9pPr lvl="8" marR="0" rtl="0" algn="l">
+      <a:lvl9pPr marR="0" lvl="8" algn="l" rtl="0">
         <a:lnSpc>
           <a:spcPct val="100000"/>
         </a:lnSpc>
@@ -6321,7 +6510,7 @@
           <a:srgbClr val="000000"/>
         </a:buClr>
         <a:buFont typeface="Arial"/>
-        <a:defRPr b="0" i="0" sz="1400" u="none" cap="none" strike="noStrike">
+        <a:defRPr sz="1400" b="0" i="0" u="none" strike="noStrike" cap="none">
           <a:solidFill>
             <a:srgbClr val="000000"/>
           </a:solidFill>
@@ -6333,7 +6522,7 @@
       </a:lvl9pPr>
     </p:titleStyle>
     <p:bodyStyle>
-      <a:defPPr lvl="0" marR="0" rtl="0" algn="l">
+      <a:defPPr marR="0" lvl="0" algn="l" rtl="0">
         <a:lnSpc>
           <a:spcPct val="100000"/>
         </a:lnSpc>
@@ -6344,7 +6533,7 @@
           <a:spcPts val="0"/>
         </a:spcAft>
       </a:defPPr>
-      <a:lvl1pPr lvl="0" marR="0" rtl="0" algn="l">
+      <a:lvl1pPr marR="0" lvl="0" algn="l" rtl="0">
         <a:lnSpc>
           <a:spcPct val="100000"/>
         </a:lnSpc>
@@ -6358,7 +6547,7 @@
           <a:srgbClr val="000000"/>
         </a:buClr>
         <a:buFont typeface="Arial"/>
-        <a:defRPr b="0" i="0" sz="1400" u="none" cap="none" strike="noStrike">
+        <a:defRPr sz="1400" b="0" i="0" u="none" strike="noStrike" cap="none">
           <a:solidFill>
             <a:srgbClr val="000000"/>
           </a:solidFill>
@@ -6368,7 +6557,7 @@
           <a:sym typeface="Arial"/>
         </a:defRPr>
       </a:lvl1pPr>
-      <a:lvl2pPr lvl="1" marR="0" rtl="0" algn="l">
+      <a:lvl2pPr marR="0" lvl="1" algn="l" rtl="0">
         <a:lnSpc>
           <a:spcPct val="100000"/>
         </a:lnSpc>
@@ -6382,7 +6571,7 @@
           <a:srgbClr val="000000"/>
         </a:buClr>
         <a:buFont typeface="Arial"/>
-        <a:defRPr b="0" i="0" sz="1400" u="none" cap="none" strike="noStrike">
+        <a:defRPr sz="1400" b="0" i="0" u="none" strike="noStrike" cap="none">
           <a:solidFill>
             <a:srgbClr val="000000"/>
           </a:solidFill>
@@ -6392,7 +6581,7 @@
           <a:sym typeface="Arial"/>
         </a:defRPr>
       </a:lvl2pPr>
-      <a:lvl3pPr lvl="2" marR="0" rtl="0" algn="l">
+      <a:lvl3pPr marR="0" lvl="2" algn="l" rtl="0">
         <a:lnSpc>
           <a:spcPct val="100000"/>
         </a:lnSpc>
@@ -6406,7 +6595,7 @@
           <a:srgbClr val="000000"/>
         </a:buClr>
         <a:buFont typeface="Arial"/>
-        <a:defRPr b="0" i="0" sz="1400" u="none" cap="none" strike="noStrike">
+        <a:defRPr sz="1400" b="0" i="0" u="none" strike="noStrike" cap="none">
           <a:solidFill>
             <a:srgbClr val="000000"/>
           </a:solidFill>
@@ -6416,7 +6605,7 @@
           <a:sym typeface="Arial"/>
         </a:defRPr>
       </a:lvl3pPr>
-      <a:lvl4pPr lvl="3" marR="0" rtl="0" algn="l">
+      <a:lvl4pPr marR="0" lvl="3" algn="l" rtl="0">
         <a:lnSpc>
           <a:spcPct val="100000"/>
         </a:lnSpc>
@@ -6430,7 +6619,7 @@
           <a:srgbClr val="000000"/>
         </a:buClr>
         <a:buFont typeface="Arial"/>
-        <a:defRPr b="0" i="0" sz="1400" u="none" cap="none" strike="noStrike">
+        <a:defRPr sz="1400" b="0" i="0" u="none" strike="noStrike" cap="none">
           <a:solidFill>
             <a:srgbClr val="000000"/>
           </a:solidFill>
@@ -6440,7 +6629,7 @@
           <a:sym typeface="Arial"/>
         </a:defRPr>
       </a:lvl4pPr>
-      <a:lvl5pPr lvl="4" marR="0" rtl="0" algn="l">
+      <a:lvl5pPr marR="0" lvl="4" algn="l" rtl="0">
         <a:lnSpc>
           <a:spcPct val="100000"/>
         </a:lnSpc>
@@ -6454,7 +6643,7 @@
           <a:srgbClr val="000000"/>
         </a:buClr>
         <a:buFont typeface="Arial"/>
-        <a:defRPr b="0" i="0" sz="1400" u="none" cap="none" strike="noStrike">
+        <a:defRPr sz="1400" b="0" i="0" u="none" strike="noStrike" cap="none">
           <a:solidFill>
             <a:srgbClr val="000000"/>
           </a:solidFill>
@@ -6464,7 +6653,7 @@
           <a:sym typeface="Arial"/>
         </a:defRPr>
       </a:lvl5pPr>
-      <a:lvl6pPr lvl="5" marR="0" rtl="0" algn="l">
+      <a:lvl6pPr marR="0" lvl="5" algn="l" rtl="0">
         <a:lnSpc>
           <a:spcPct val="100000"/>
         </a:lnSpc>
@@ -6478,7 +6667,7 @@
           <a:srgbClr val="000000"/>
         </a:buClr>
         <a:buFont typeface="Arial"/>
-        <a:defRPr b="0" i="0" sz="1400" u="none" cap="none" strike="noStrike">
+        <a:defRPr sz="1400" b="0" i="0" u="none" strike="noStrike" cap="none">
           <a:solidFill>
             <a:srgbClr val="000000"/>
           </a:solidFill>
@@ -6488,7 +6677,7 @@
           <a:sym typeface="Arial"/>
         </a:defRPr>
       </a:lvl6pPr>
-      <a:lvl7pPr lvl="6" marR="0" rtl="0" algn="l">
+      <a:lvl7pPr marR="0" lvl="6" algn="l" rtl="0">
         <a:lnSpc>
           <a:spcPct val="100000"/>
         </a:lnSpc>
@@ -6502,7 +6691,7 @@
           <a:srgbClr val="000000"/>
         </a:buClr>
         <a:buFont typeface="Arial"/>
-        <a:defRPr b="0" i="0" sz="1400" u="none" cap="none" strike="noStrike">
+        <a:defRPr sz="1400" b="0" i="0" u="none" strike="noStrike" cap="none">
           <a:solidFill>
             <a:srgbClr val="000000"/>
           </a:solidFill>
@@ -6512,7 +6701,7 @@
           <a:sym typeface="Arial"/>
         </a:defRPr>
       </a:lvl7pPr>
-      <a:lvl8pPr lvl="7" marR="0" rtl="0" algn="l">
+      <a:lvl8pPr marR="0" lvl="7" algn="l" rtl="0">
         <a:lnSpc>
           <a:spcPct val="100000"/>
         </a:lnSpc>
@@ -6526,7 +6715,7 @@
           <a:srgbClr val="000000"/>
         </a:buClr>
         <a:buFont typeface="Arial"/>
-        <a:defRPr b="0" i="0" sz="1400" u="none" cap="none" strike="noStrike">
+        <a:defRPr sz="1400" b="0" i="0" u="none" strike="noStrike" cap="none">
           <a:solidFill>
             <a:srgbClr val="000000"/>
           </a:solidFill>
@@ -6536,7 +6725,7 @@
           <a:sym typeface="Arial"/>
         </a:defRPr>
       </a:lvl8pPr>
-      <a:lvl9pPr lvl="8" marR="0" rtl="0" algn="l">
+      <a:lvl9pPr marR="0" lvl="8" algn="l" rtl="0">
         <a:lnSpc>
           <a:spcPct val="100000"/>
         </a:lnSpc>
@@ -6550,7 +6739,7 @@
           <a:srgbClr val="000000"/>
         </a:buClr>
         <a:buFont typeface="Arial"/>
-        <a:defRPr b="0" i="0" sz="1400" u="none" cap="none" strike="noStrike">
+        <a:defRPr sz="1400" b="0" i="0" u="none" strike="noStrike" cap="none">
           <a:solidFill>
             <a:srgbClr val="000000"/>
           </a:solidFill>
@@ -6562,7 +6751,7 @@
       </a:lvl9pPr>
     </p:bodyStyle>
     <p:otherStyle>
-      <a:defPPr lvl="0" marR="0" rtl="0" algn="l">
+      <a:defPPr marR="0" lvl="0" algn="l" rtl="0">
         <a:lnSpc>
           <a:spcPct val="100000"/>
         </a:lnSpc>
@@ -6573,7 +6762,7 @@
           <a:spcPts val="0"/>
         </a:spcAft>
       </a:defPPr>
-      <a:lvl1pPr lvl="0" marR="0" rtl="0" algn="l">
+      <a:lvl1pPr marR="0" lvl="0" algn="l" rtl="0">
         <a:lnSpc>
           <a:spcPct val="100000"/>
         </a:lnSpc>
@@ -6587,7 +6776,7 @@
           <a:srgbClr val="000000"/>
         </a:buClr>
         <a:buFont typeface="Arial"/>
-        <a:defRPr b="0" i="0" sz="1400" u="none" cap="none" strike="noStrike">
+        <a:defRPr sz="1400" b="0" i="0" u="none" strike="noStrike" cap="none">
           <a:solidFill>
             <a:srgbClr val="000000"/>
           </a:solidFill>
@@ -6597,7 +6786,7 @@
           <a:sym typeface="Arial"/>
         </a:defRPr>
       </a:lvl1pPr>
-      <a:lvl2pPr lvl="1" marR="0" rtl="0" algn="l">
+      <a:lvl2pPr marR="0" lvl="1" algn="l" rtl="0">
         <a:lnSpc>
           <a:spcPct val="100000"/>
         </a:lnSpc>
@@ -6611,7 +6800,7 @@
           <a:srgbClr val="000000"/>
         </a:buClr>
         <a:buFont typeface="Arial"/>
-        <a:defRPr b="0" i="0" sz="1400" u="none" cap="none" strike="noStrike">
+        <a:defRPr sz="1400" b="0" i="0" u="none" strike="noStrike" cap="none">
           <a:solidFill>
             <a:srgbClr val="000000"/>
           </a:solidFill>
@@ -6621,7 +6810,7 @@
           <a:sym typeface="Arial"/>
         </a:defRPr>
       </a:lvl2pPr>
-      <a:lvl3pPr lvl="2" marR="0" rtl="0" algn="l">
+      <a:lvl3pPr marR="0" lvl="2" algn="l" rtl="0">
         <a:lnSpc>
           <a:spcPct val="100000"/>
         </a:lnSpc>
@@ -6635,7 +6824,7 @@
           <a:srgbClr val="000000"/>
         </a:buClr>
         <a:buFont typeface="Arial"/>
-        <a:defRPr b="0" i="0" sz="1400" u="none" cap="none" strike="noStrike">
+        <a:defRPr sz="1400" b="0" i="0" u="none" strike="noStrike" cap="none">
           <a:solidFill>
             <a:srgbClr val="000000"/>
           </a:solidFill>
@@ -6645,7 +6834,7 @@
           <a:sym typeface="Arial"/>
         </a:defRPr>
       </a:lvl3pPr>
-      <a:lvl4pPr lvl="3" marR="0" rtl="0" algn="l">
+      <a:lvl4pPr marR="0" lvl="3" algn="l" rtl="0">
         <a:lnSpc>
           <a:spcPct val="100000"/>
         </a:lnSpc>
@@ -6659,7 +6848,7 @@
           <a:srgbClr val="000000"/>
         </a:buClr>
         <a:buFont typeface="Arial"/>
-        <a:defRPr b="0" i="0" sz="1400" u="none" cap="none" strike="noStrike">
+        <a:defRPr sz="1400" b="0" i="0" u="none" strike="noStrike" cap="none">
           <a:solidFill>
             <a:srgbClr val="000000"/>
           </a:solidFill>
@@ -6669,7 +6858,7 @@
           <a:sym typeface="Arial"/>
         </a:defRPr>
       </a:lvl4pPr>
-      <a:lvl5pPr lvl="4" marR="0" rtl="0" algn="l">
+      <a:lvl5pPr marR="0" lvl="4" algn="l" rtl="0">
         <a:lnSpc>
           <a:spcPct val="100000"/>
         </a:lnSpc>
@@ -6683,7 +6872,7 @@
           <a:srgbClr val="000000"/>
         </a:buClr>
         <a:buFont typeface="Arial"/>
-        <a:defRPr b="0" i="0" sz="1400" u="none" cap="none" strike="noStrike">
+        <a:defRPr sz="1400" b="0" i="0" u="none" strike="noStrike" cap="none">
           <a:solidFill>
             <a:srgbClr val="000000"/>
           </a:solidFill>
@@ -6693,7 +6882,7 @@
           <a:sym typeface="Arial"/>
         </a:defRPr>
       </a:lvl5pPr>
-      <a:lvl6pPr lvl="5" marR="0" rtl="0" algn="l">
+      <a:lvl6pPr marR="0" lvl="5" algn="l" rtl="0">
         <a:lnSpc>
           <a:spcPct val="100000"/>
         </a:lnSpc>
@@ -6707,7 +6896,7 @@
           <a:srgbClr val="000000"/>
         </a:buClr>
         <a:buFont typeface="Arial"/>
-        <a:defRPr b="0" i="0" sz="1400" u="none" cap="none" strike="noStrike">
+        <a:defRPr sz="1400" b="0" i="0" u="none" strike="noStrike" cap="none">
           <a:solidFill>
             <a:srgbClr val="000000"/>
           </a:solidFill>
@@ -6717,7 +6906,7 @@
           <a:sym typeface="Arial"/>
         </a:defRPr>
       </a:lvl6pPr>
-      <a:lvl7pPr lvl="6" marR="0" rtl="0" algn="l">
+      <a:lvl7pPr marR="0" lvl="6" algn="l" rtl="0">
         <a:lnSpc>
           <a:spcPct val="100000"/>
         </a:lnSpc>
@@ -6731,7 +6920,7 @@
           <a:srgbClr val="000000"/>
         </a:buClr>
         <a:buFont typeface="Arial"/>
-        <a:defRPr b="0" i="0" sz="1400" u="none" cap="none" strike="noStrike">
+        <a:defRPr sz="1400" b="0" i="0" u="none" strike="noStrike" cap="none">
           <a:solidFill>
             <a:srgbClr val="000000"/>
           </a:solidFill>
@@ -6741,7 +6930,7 @@
           <a:sym typeface="Arial"/>
         </a:defRPr>
       </a:lvl7pPr>
-      <a:lvl8pPr lvl="7" marR="0" rtl="0" algn="l">
+      <a:lvl8pPr marR="0" lvl="7" algn="l" rtl="0">
         <a:lnSpc>
           <a:spcPct val="100000"/>
         </a:lnSpc>
@@ -6755,7 +6944,7 @@
           <a:srgbClr val="000000"/>
         </a:buClr>
         <a:buFont typeface="Arial"/>
-        <a:defRPr b="0" i="0" sz="1400" u="none" cap="none" strike="noStrike">
+        <a:defRPr sz="1400" b="0" i="0" u="none" strike="noStrike" cap="none">
           <a:solidFill>
             <a:srgbClr val="000000"/>
           </a:solidFill>
@@ -6765,7 +6954,7 @@
           <a:sym typeface="Arial"/>
         </a:defRPr>
       </a:lvl8pPr>
-      <a:lvl9pPr lvl="8" marR="0" rtl="0" algn="l">
+      <a:lvl9pPr marR="0" lvl="8" algn="l" rtl="0">
         <a:lnSpc>
           <a:spcPct val="100000"/>
         </a:lnSpc>
@@ -6779,7 +6968,7 @@
           <a:srgbClr val="000000"/>
         </a:buClr>
         <a:buFont typeface="Arial"/>
-        <a:defRPr b="0" i="0" sz="1400" u="none" cap="none" strike="noStrike">
+        <a:defRPr sz="1400" b="0" i="0" u="none" strike="noStrike" cap="none">
           <a:solidFill>
             <a:srgbClr val="000000"/>
           </a:solidFill>
@@ -6795,18 +6984,19 @@
 </file>
 
 <file path=ppt/slides/slide1.xml><?xml version="1.0" encoding="utf-8"?>
-<p:sld xmlns:a="http://schemas.openxmlformats.org/drawingml/2006/main" xmlns:r="http://schemas.openxmlformats.org/officeDocument/2006/relationships" xmlns:mc="http://schemas.openxmlformats.org/markup-compatibility/2006" xmlns:mv="urn:schemas-microsoft-com:mac:vml" xmlns:p="http://schemas.openxmlformats.org/presentationml/2006/main" xmlns:c="http://schemas.openxmlformats.org/drawingml/2006/chart" xmlns:dgm="http://schemas.openxmlformats.org/drawingml/2006/diagram" xmlns:o="urn:schemas-microsoft-com:office:office" xmlns:v="urn:schemas-microsoft-com:vml" xmlns:pvml="urn:schemas-microsoft-com:office:powerpoint" xmlns:com="http://schemas.openxmlformats.org/drawingml/2006/compatibility" xmlns:p14="http://schemas.microsoft.com/office/powerpoint/2010/main" xmlns:p15="http://schemas.microsoft.com/office/powerpoint/2012/main" xmlns:ahyp="http://schemas.microsoft.com/office/drawing/2018/hyperlinkcolor">
+<p:sld xmlns:a="http://schemas.openxmlformats.org/drawingml/2006/main" xmlns:r="http://schemas.openxmlformats.org/officeDocument/2006/relationships" xmlns:p="http://schemas.openxmlformats.org/presentationml/2006/main">
   <p:cSld>
     <p:bg>
       <p:bgPr>
         <a:solidFill>
           <a:srgbClr val="EFEFEF"/>
         </a:solidFill>
+        <a:effectLst/>
       </p:bgPr>
     </p:bg>
     <p:spTree>
       <p:nvGrpSpPr>
-        <p:cNvPr id="53" name="Shape 53"/>
+        <p:cNvPr id="1" name="Shape 53"/>
         <p:cNvGrpSpPr/>
         <p:nvPr/>
       </p:nvGrpSpPr>
@@ -6821,7 +7011,9 @@
       <p:sp>
         <p:nvSpPr>
           <p:cNvPr id="54" name="Google Shape;54;p13"/>
-          <p:cNvSpPr txBox="1"/>
+          <p:cNvSpPr txBox="1">
+            <a:spLocks noGrp="1"/>
+          </p:cNvSpPr>
           <p:nvPr>
             <p:ph type="ctrTitle"/>
           </p:nvPr>
@@ -6836,12 +7028,12 @@
           </a:prstGeom>
         </p:spPr>
         <p:txBody>
-          <a:bodyPr anchorCtr="0" anchor="b" bIns="91425" lIns="91425" spcFirstLastPara="1" rIns="91425" wrap="square" tIns="91425">
+          <a:bodyPr spcFirstLastPara="1" wrap="square" lIns="91425" tIns="91425" rIns="91425" bIns="91425" anchor="b" anchorCtr="0">
             <a:normAutofit fontScale="90000"/>
           </a:bodyPr>
           <a:lstStyle/>
           <a:p>
-            <a:pPr indent="0" lvl="0" marL="0" rtl="0" algn="ctr">
+            <a:pPr marL="0" lvl="0" indent="0" algn="ctr" rtl="0">
               <a:spcBef>
                 <a:spcPts val="0"/>
               </a:spcBef>
@@ -6861,9 +7053,11 @@
       <p:sp>
         <p:nvSpPr>
           <p:cNvPr id="55" name="Google Shape;55;p13"/>
-          <p:cNvSpPr txBox="1"/>
+          <p:cNvSpPr txBox="1">
+            <a:spLocks noGrp="1"/>
+          </p:cNvSpPr>
           <p:nvPr>
-            <p:ph idx="1" type="subTitle"/>
+            <p:ph type="subTitle" idx="1"/>
           </p:nvPr>
         </p:nvSpPr>
         <p:spPr>
@@ -6876,12 +7070,12 @@
           </a:prstGeom>
         </p:spPr>
         <p:txBody>
-          <a:bodyPr anchorCtr="0" anchor="t" bIns="91425" lIns="91425" spcFirstLastPara="1" rIns="91425" wrap="square" tIns="91425">
+          <a:bodyPr spcFirstLastPara="1" wrap="square" lIns="91425" tIns="91425" rIns="91425" bIns="91425" anchor="t" anchorCtr="0">
             <a:normAutofit fontScale="92500"/>
           </a:bodyPr>
           <a:lstStyle/>
           <a:p>
-            <a:pPr indent="0" lvl="0" marL="0" rtl="0" algn="ctr">
+            <a:pPr marL="0" lvl="0" indent="0" algn="ctr" rtl="0">
               <a:spcBef>
                 <a:spcPts val="0"/>
               </a:spcBef>
@@ -6899,28 +7093,12 @@
               <a:t>By:</a:t>
             </a:r>
             <a:r>
-              <a:rPr i="1" lang="en">
+              <a:rPr lang="en" i="1">
                 <a:solidFill>
                   <a:schemeClr val="dk1"/>
                 </a:solidFill>
               </a:rPr>
-              <a:t> Nick Brannum, Kevin Ho, Devi</a:t>
-            </a:r>
-            <a:r>
-              <a:rPr i="1" lang="en">
-                <a:solidFill>
-                  <a:schemeClr val="dk1"/>
-                </a:solidFill>
-              </a:rPr>
-              <a:t> </a:t>
-            </a:r>
-            <a:r>
-              <a:rPr i="1" lang="en">
-                <a:solidFill>
-                  <a:schemeClr val="dk1"/>
-                </a:solidFill>
-              </a:rPr>
-              <a:t>Balao Santhi Raman</a:t>
+              <a:t> Nick Brannum, Kevin Ho, Devi Balao Santhi Raman</a:t>
             </a:r>
             <a:endParaRPr i="1">
               <a:solidFill>
@@ -6939,18 +7117,19 @@
 </file>
 
 <file path=ppt/slides/slide10.xml><?xml version="1.0" encoding="utf-8"?>
-<p:sld xmlns:a="http://schemas.openxmlformats.org/drawingml/2006/main" xmlns:r="http://schemas.openxmlformats.org/officeDocument/2006/relationships" xmlns:mc="http://schemas.openxmlformats.org/markup-compatibility/2006" xmlns:mv="urn:schemas-microsoft-com:mac:vml" xmlns:p="http://schemas.openxmlformats.org/presentationml/2006/main" xmlns:c="http://schemas.openxmlformats.org/drawingml/2006/chart" xmlns:dgm="http://schemas.openxmlformats.org/drawingml/2006/diagram" xmlns:o="urn:schemas-microsoft-com:office:office" xmlns:v="urn:schemas-microsoft-com:vml" xmlns:pvml="urn:schemas-microsoft-com:office:powerpoint" xmlns:com="http://schemas.openxmlformats.org/drawingml/2006/compatibility" xmlns:p14="http://schemas.microsoft.com/office/powerpoint/2010/main" xmlns:p15="http://schemas.microsoft.com/office/powerpoint/2012/main" xmlns:ahyp="http://schemas.microsoft.com/office/drawing/2018/hyperlinkcolor">
+<p:sld xmlns:a="http://schemas.openxmlformats.org/drawingml/2006/main" xmlns:r="http://schemas.openxmlformats.org/officeDocument/2006/relationships" xmlns:p="http://schemas.openxmlformats.org/presentationml/2006/main">
   <p:cSld>
     <p:bg>
       <p:bgPr>
         <a:solidFill>
           <a:srgbClr val="EFEFEF"/>
         </a:solidFill>
+        <a:effectLst/>
       </p:bgPr>
     </p:bg>
     <p:spTree>
       <p:nvGrpSpPr>
-        <p:cNvPr id="115" name="Shape 115"/>
+        <p:cNvPr id="1" name="Shape 115"/>
         <p:cNvGrpSpPr/>
         <p:nvPr/>
       </p:nvGrpSpPr>
@@ -6965,7 +7144,9 @@
       <p:sp>
         <p:nvSpPr>
           <p:cNvPr id="116" name="Google Shape;116;p22"/>
-          <p:cNvSpPr txBox="1"/>
+          <p:cNvSpPr txBox="1">
+            <a:spLocks noGrp="1"/>
+          </p:cNvSpPr>
           <p:nvPr>
             <p:ph type="title"/>
           </p:nvPr>
@@ -6980,12 +7161,12 @@
           </a:prstGeom>
         </p:spPr>
         <p:txBody>
-          <a:bodyPr anchorCtr="0" anchor="t" bIns="91425" lIns="91425" spcFirstLastPara="1" rIns="91425" wrap="square" tIns="91425">
+          <a:bodyPr spcFirstLastPara="1" wrap="square" lIns="91425" tIns="91425" rIns="91425" bIns="91425" anchor="t" anchorCtr="0">
             <a:normAutofit fontScale="90000"/>
           </a:bodyPr>
           <a:lstStyle/>
           <a:p>
-            <a:pPr indent="0" lvl="0" marL="0" rtl="0" algn="l">
+            <a:pPr marL="0" lvl="0" indent="0" algn="l" rtl="0">
               <a:spcBef>
                 <a:spcPts val="0"/>
               </a:spcBef>
@@ -7039,18 +7220,19 @@
 </file>
 
 <file path=ppt/slides/slide11.xml><?xml version="1.0" encoding="utf-8"?>
-<p:sld xmlns:a="http://schemas.openxmlformats.org/drawingml/2006/main" xmlns:r="http://schemas.openxmlformats.org/officeDocument/2006/relationships" xmlns:mc="http://schemas.openxmlformats.org/markup-compatibility/2006" xmlns:mv="urn:schemas-microsoft-com:mac:vml" xmlns:p="http://schemas.openxmlformats.org/presentationml/2006/main" xmlns:c="http://schemas.openxmlformats.org/drawingml/2006/chart" xmlns:dgm="http://schemas.openxmlformats.org/drawingml/2006/diagram" xmlns:o="urn:schemas-microsoft-com:office:office" xmlns:v="urn:schemas-microsoft-com:vml" xmlns:pvml="urn:schemas-microsoft-com:office:powerpoint" xmlns:com="http://schemas.openxmlformats.org/drawingml/2006/compatibility" xmlns:p14="http://schemas.microsoft.com/office/powerpoint/2010/main" xmlns:p15="http://schemas.microsoft.com/office/powerpoint/2012/main" xmlns:ahyp="http://schemas.microsoft.com/office/drawing/2018/hyperlinkcolor">
+<p:sld xmlns:a="http://schemas.openxmlformats.org/drawingml/2006/main" xmlns:r="http://schemas.openxmlformats.org/officeDocument/2006/relationships" xmlns:p="http://schemas.openxmlformats.org/presentationml/2006/main">
   <p:cSld>
     <p:bg>
       <p:bgPr>
         <a:solidFill>
           <a:srgbClr val="EFEFEF"/>
         </a:solidFill>
+        <a:effectLst/>
       </p:bgPr>
     </p:bg>
     <p:spTree>
       <p:nvGrpSpPr>
-        <p:cNvPr id="121" name="Shape 121"/>
+        <p:cNvPr id="1" name="Shape 121"/>
         <p:cNvGrpSpPr/>
         <p:nvPr/>
       </p:nvGrpSpPr>
@@ -7065,7 +7247,9 @@
       <p:sp>
         <p:nvSpPr>
           <p:cNvPr id="122" name="Google Shape;122;p23"/>
-          <p:cNvSpPr txBox="1"/>
+          <p:cNvSpPr txBox="1">
+            <a:spLocks noGrp="1"/>
+          </p:cNvSpPr>
           <p:nvPr>
             <p:ph type="title"/>
           </p:nvPr>
@@ -7080,12 +7264,12 @@
           </a:prstGeom>
         </p:spPr>
         <p:txBody>
-          <a:bodyPr anchorCtr="0" anchor="t" bIns="91425" lIns="91425" spcFirstLastPara="1" rIns="91425" wrap="square" tIns="91425">
+          <a:bodyPr spcFirstLastPara="1" wrap="square" lIns="91425" tIns="91425" rIns="91425" bIns="91425" anchor="t" anchorCtr="0">
             <a:normAutofit fontScale="90000"/>
           </a:bodyPr>
           <a:lstStyle/>
           <a:p>
-            <a:pPr indent="0" lvl="0" marL="0" rtl="0" algn="l">
+            <a:pPr marL="0" lvl="0" indent="0" algn="l" rtl="0">
               <a:spcBef>
                 <a:spcPts val="0"/>
               </a:spcBef>
@@ -7139,18 +7323,19 @@
 </file>
 
 <file path=ppt/slides/slide12.xml><?xml version="1.0" encoding="utf-8"?>
-<p:sld xmlns:a="http://schemas.openxmlformats.org/drawingml/2006/main" xmlns:r="http://schemas.openxmlformats.org/officeDocument/2006/relationships" xmlns:mc="http://schemas.openxmlformats.org/markup-compatibility/2006" xmlns:mv="urn:schemas-microsoft-com:mac:vml" xmlns:p="http://schemas.openxmlformats.org/presentationml/2006/main" xmlns:c="http://schemas.openxmlformats.org/drawingml/2006/chart" xmlns:dgm="http://schemas.openxmlformats.org/drawingml/2006/diagram" xmlns:o="urn:schemas-microsoft-com:office:office" xmlns:v="urn:schemas-microsoft-com:vml" xmlns:pvml="urn:schemas-microsoft-com:office:powerpoint" xmlns:com="http://schemas.openxmlformats.org/drawingml/2006/compatibility" xmlns:p14="http://schemas.microsoft.com/office/powerpoint/2010/main" xmlns:p15="http://schemas.microsoft.com/office/powerpoint/2012/main" xmlns:ahyp="http://schemas.microsoft.com/office/drawing/2018/hyperlinkcolor">
+<p:sld xmlns:a="http://schemas.openxmlformats.org/drawingml/2006/main" xmlns:r="http://schemas.openxmlformats.org/officeDocument/2006/relationships" xmlns:p="http://schemas.openxmlformats.org/presentationml/2006/main">
   <p:cSld>
     <p:bg>
       <p:bgPr>
         <a:solidFill>
           <a:srgbClr val="EFEFEF"/>
         </a:solidFill>
+        <a:effectLst/>
       </p:bgPr>
     </p:bg>
     <p:spTree>
       <p:nvGrpSpPr>
-        <p:cNvPr id="127" name="Shape 127"/>
+        <p:cNvPr id="1" name="Shape 127"/>
         <p:cNvGrpSpPr/>
         <p:nvPr/>
       </p:nvGrpSpPr>
@@ -7165,7 +7350,9 @@
       <p:sp>
         <p:nvSpPr>
           <p:cNvPr id="128" name="Google Shape;128;p24"/>
-          <p:cNvSpPr txBox="1"/>
+          <p:cNvSpPr txBox="1">
+            <a:spLocks noGrp="1"/>
+          </p:cNvSpPr>
           <p:nvPr>
             <p:ph type="title"/>
           </p:nvPr>
@@ -7180,12 +7367,12 @@
           </a:prstGeom>
         </p:spPr>
         <p:txBody>
-          <a:bodyPr anchorCtr="0" anchor="t" bIns="91425" lIns="91425" spcFirstLastPara="1" rIns="91425" wrap="square" tIns="91425">
+          <a:bodyPr spcFirstLastPara="1" wrap="square" lIns="91425" tIns="91425" rIns="91425" bIns="91425" anchor="t" anchorCtr="0">
             <a:normAutofit fontScale="90000"/>
           </a:bodyPr>
           <a:lstStyle/>
           <a:p>
-            <a:pPr indent="0" lvl="0" marL="0" rtl="0" algn="l">
+            <a:pPr marL="0" lvl="0" indent="0" algn="l" rtl="0">
               <a:spcBef>
                 <a:spcPts val="0"/>
               </a:spcBef>
@@ -7239,18 +7426,19 @@
 </file>
 
 <file path=ppt/slides/slide13.xml><?xml version="1.0" encoding="utf-8"?>
-<p:sld xmlns:a="http://schemas.openxmlformats.org/drawingml/2006/main" xmlns:r="http://schemas.openxmlformats.org/officeDocument/2006/relationships" xmlns:mc="http://schemas.openxmlformats.org/markup-compatibility/2006" xmlns:mv="urn:schemas-microsoft-com:mac:vml" xmlns:p="http://schemas.openxmlformats.org/presentationml/2006/main" xmlns:c="http://schemas.openxmlformats.org/drawingml/2006/chart" xmlns:dgm="http://schemas.openxmlformats.org/drawingml/2006/diagram" xmlns:o="urn:schemas-microsoft-com:office:office" xmlns:v="urn:schemas-microsoft-com:vml" xmlns:pvml="urn:schemas-microsoft-com:office:powerpoint" xmlns:com="http://schemas.openxmlformats.org/drawingml/2006/compatibility" xmlns:p14="http://schemas.microsoft.com/office/powerpoint/2010/main" xmlns:p15="http://schemas.microsoft.com/office/powerpoint/2012/main" xmlns:ahyp="http://schemas.microsoft.com/office/drawing/2018/hyperlinkcolor">
+<p:sld xmlns:a="http://schemas.openxmlformats.org/drawingml/2006/main" xmlns:r="http://schemas.openxmlformats.org/officeDocument/2006/relationships" xmlns:p="http://schemas.openxmlformats.org/presentationml/2006/main">
   <p:cSld>
     <p:bg>
       <p:bgPr>
         <a:solidFill>
           <a:srgbClr val="EFEFEF"/>
         </a:solidFill>
+        <a:effectLst/>
       </p:bgPr>
     </p:bg>
     <p:spTree>
       <p:nvGrpSpPr>
-        <p:cNvPr id="133" name="Shape 133"/>
+        <p:cNvPr id="1" name="Shape 133"/>
         <p:cNvGrpSpPr/>
         <p:nvPr/>
       </p:nvGrpSpPr>
@@ -7265,7 +7453,9 @@
       <p:sp>
         <p:nvSpPr>
           <p:cNvPr id="134" name="Google Shape;134;p25"/>
-          <p:cNvSpPr txBox="1"/>
+          <p:cNvSpPr txBox="1">
+            <a:spLocks noGrp="1"/>
+          </p:cNvSpPr>
           <p:nvPr>
             <p:ph type="title"/>
           </p:nvPr>
@@ -7280,12 +7470,12 @@
           </a:prstGeom>
         </p:spPr>
         <p:txBody>
-          <a:bodyPr anchorCtr="0" anchor="t" bIns="91425" lIns="91425" spcFirstLastPara="1" rIns="91425" wrap="square" tIns="91425">
+          <a:bodyPr spcFirstLastPara="1" wrap="square" lIns="91425" tIns="91425" rIns="91425" bIns="91425" anchor="t" anchorCtr="0">
             <a:normAutofit fontScale="90000"/>
           </a:bodyPr>
           <a:lstStyle/>
           <a:p>
-            <a:pPr indent="0" lvl="0" marL="0" rtl="0" algn="l">
+            <a:pPr marL="0" lvl="0" indent="0" algn="l" rtl="0">
               <a:spcBef>
                 <a:spcPts val="0"/>
               </a:spcBef>
@@ -7395,18 +7585,19 @@
 </file>
 
 <file path=ppt/slides/slide14.xml><?xml version="1.0" encoding="utf-8"?>
-<p:sld xmlns:a="http://schemas.openxmlformats.org/drawingml/2006/main" xmlns:r="http://schemas.openxmlformats.org/officeDocument/2006/relationships" xmlns:mc="http://schemas.openxmlformats.org/markup-compatibility/2006" xmlns:mv="urn:schemas-microsoft-com:mac:vml" xmlns:p="http://schemas.openxmlformats.org/presentationml/2006/main" xmlns:c="http://schemas.openxmlformats.org/drawingml/2006/chart" xmlns:dgm="http://schemas.openxmlformats.org/drawingml/2006/diagram" xmlns:o="urn:schemas-microsoft-com:office:office" xmlns:v="urn:schemas-microsoft-com:vml" xmlns:pvml="urn:schemas-microsoft-com:office:powerpoint" xmlns:com="http://schemas.openxmlformats.org/drawingml/2006/compatibility" xmlns:p14="http://schemas.microsoft.com/office/powerpoint/2010/main" xmlns:p15="http://schemas.microsoft.com/office/powerpoint/2012/main" xmlns:ahyp="http://schemas.microsoft.com/office/drawing/2018/hyperlinkcolor">
+<p:sld xmlns:a="http://schemas.openxmlformats.org/drawingml/2006/main" xmlns:r="http://schemas.openxmlformats.org/officeDocument/2006/relationships" xmlns:p="http://schemas.openxmlformats.org/presentationml/2006/main">
   <p:cSld>
     <p:bg>
       <p:bgPr>
         <a:solidFill>
           <a:srgbClr val="EFEFEF"/>
         </a:solidFill>
+        <a:effectLst/>
       </p:bgPr>
     </p:bg>
     <p:spTree>
       <p:nvGrpSpPr>
-        <p:cNvPr id="141" name="Shape 141"/>
+        <p:cNvPr id="1" name="Shape 141"/>
         <p:cNvGrpSpPr/>
         <p:nvPr/>
       </p:nvGrpSpPr>
@@ -7421,7 +7612,9 @@
       <p:sp>
         <p:nvSpPr>
           <p:cNvPr id="142" name="Google Shape;142;p26"/>
-          <p:cNvSpPr txBox="1"/>
+          <p:cNvSpPr txBox="1">
+            <a:spLocks noGrp="1"/>
+          </p:cNvSpPr>
           <p:nvPr>
             <p:ph type="title"/>
           </p:nvPr>
@@ -7436,12 +7629,12 @@
           </a:prstGeom>
         </p:spPr>
         <p:txBody>
-          <a:bodyPr anchorCtr="0" anchor="ctr" bIns="91425" lIns="91425" spcFirstLastPara="1" rIns="91425" wrap="square" tIns="91425">
+          <a:bodyPr spcFirstLastPara="1" wrap="square" lIns="91425" tIns="91425" rIns="91425" bIns="91425" anchor="ctr" anchorCtr="0">
             <a:normAutofit/>
           </a:bodyPr>
           <a:lstStyle/>
           <a:p>
-            <a:pPr indent="0" lvl="0" marL="0" rtl="0" algn="ctr">
+            <a:pPr marL="0" lvl="0" indent="0" algn="ctr" rtl="0">
               <a:spcBef>
                 <a:spcPts val="0"/>
               </a:spcBef>
@@ -7488,12 +7681,12 @@
           </a:ln>
         </p:spPr>
         <p:txBody>
-          <a:bodyPr anchorCtr="0" anchor="ctr" bIns="91425" lIns="91425" spcFirstLastPara="1" rIns="91425" wrap="square" tIns="91425">
+          <a:bodyPr spcFirstLastPara="1" wrap="square" lIns="91425" tIns="91425" rIns="91425" bIns="91425" anchor="ctr" anchorCtr="0">
             <a:noAutofit/>
           </a:bodyPr>
           <a:lstStyle/>
           <a:p>
-            <a:pPr indent="0" lvl="0" marL="0" rtl="0" algn="ctr">
+            <a:pPr marL="0" lvl="0" indent="0" algn="ctr" rtl="0">
               <a:spcBef>
                 <a:spcPts val="0"/>
               </a:spcBef>
@@ -7528,18 +7721,19 @@
 </file>
 
 <file path=ppt/slides/slide2.xml><?xml version="1.0" encoding="utf-8"?>
-<p:sld xmlns:a="http://schemas.openxmlformats.org/drawingml/2006/main" xmlns:r="http://schemas.openxmlformats.org/officeDocument/2006/relationships" xmlns:mc="http://schemas.openxmlformats.org/markup-compatibility/2006" xmlns:mv="urn:schemas-microsoft-com:mac:vml" xmlns:p="http://schemas.openxmlformats.org/presentationml/2006/main" xmlns:c="http://schemas.openxmlformats.org/drawingml/2006/chart" xmlns:dgm="http://schemas.openxmlformats.org/drawingml/2006/diagram" xmlns:o="urn:schemas-microsoft-com:office:office" xmlns:v="urn:schemas-microsoft-com:vml" xmlns:pvml="urn:schemas-microsoft-com:office:powerpoint" xmlns:com="http://schemas.openxmlformats.org/drawingml/2006/compatibility" xmlns:p14="http://schemas.microsoft.com/office/powerpoint/2010/main" xmlns:p15="http://schemas.microsoft.com/office/powerpoint/2012/main" xmlns:ahyp="http://schemas.microsoft.com/office/drawing/2018/hyperlinkcolor">
+<p:sld xmlns:a="http://schemas.openxmlformats.org/drawingml/2006/main" xmlns:r="http://schemas.openxmlformats.org/officeDocument/2006/relationships" xmlns:p="http://schemas.openxmlformats.org/presentationml/2006/main">
   <p:cSld>
     <p:bg>
       <p:bgPr>
         <a:solidFill>
           <a:srgbClr val="EFEFEF"/>
         </a:solidFill>
+        <a:effectLst/>
       </p:bgPr>
     </p:bg>
     <p:spTree>
       <p:nvGrpSpPr>
-        <p:cNvPr id="59" name="Shape 59"/>
+        <p:cNvPr id="1" name="Shape 59"/>
         <p:cNvGrpSpPr/>
         <p:nvPr/>
       </p:nvGrpSpPr>
@@ -7554,7 +7748,9 @@
       <p:sp>
         <p:nvSpPr>
           <p:cNvPr id="60" name="Google Shape;60;p14"/>
-          <p:cNvSpPr txBox="1"/>
+          <p:cNvSpPr txBox="1">
+            <a:spLocks noGrp="1"/>
+          </p:cNvSpPr>
           <p:nvPr>
             <p:ph type="title"/>
           </p:nvPr>
@@ -7569,12 +7765,12 @@
           </a:prstGeom>
         </p:spPr>
         <p:txBody>
-          <a:bodyPr anchorCtr="0" anchor="t" bIns="91425" lIns="91425" spcFirstLastPara="1" rIns="91425" wrap="square" tIns="91425">
-            <a:normAutofit/>
+          <a:bodyPr spcFirstLastPara="1" wrap="square" lIns="91425" tIns="91425" rIns="91425" bIns="91425" anchor="t" anchorCtr="0">
+            <a:normAutofit fontScale="90000"/>
           </a:bodyPr>
           <a:lstStyle/>
           <a:p>
-            <a:pPr indent="0" lvl="0" marL="0" rtl="0" algn="l">
+            <a:pPr marL="0" lvl="0" indent="0" algn="l" rtl="0">
               <a:lnSpc>
                 <a:spcPct val="115000"/>
               </a:lnSpc>
@@ -7592,7 +7788,7 @@
               <a:buNone/>
             </a:pPr>
             <a:r>
-              <a:rPr b="1" lang="en" sz="1600"/>
+              <a:rPr lang="en" sz="1600" b="1"/>
               <a:t>Dataset Used</a:t>
             </a:r>
             <a:r>
@@ -7613,10 +7809,10 @@
                 <a:solidFill>
                   <a:srgbClr val="1155CC"/>
                 </a:solidFill>
-                <a:hlinkClick r:id="rId4">
+                <a:hlinkClick r:id="rId3">
                   <a:extLst>
                     <a:ext uri="{A12FA001-AC4F-418D-AE19-62706E023703}">
-                      <ahyp:hlinkClr val="tx"/>
+                      <ahyp:hlinkClr xmlns:ahyp="http://schemas.microsoft.com/office/drawing/2018/hyperlinkcolor" val="tx"/>
                     </a:ext>
                   </a:extLst>
                 </a:hlinkClick>
@@ -7647,12 +7843,12 @@
           </a:ln>
         </p:spPr>
         <p:txBody>
-          <a:bodyPr anchorCtr="0" anchor="t" bIns="91425" lIns="91425" spcFirstLastPara="1" rIns="91425" wrap="square" tIns="91425">
+          <a:bodyPr spcFirstLastPara="1" wrap="square" lIns="91425" tIns="91425" rIns="91425" bIns="91425" anchor="t" anchorCtr="0">
             <a:noAutofit/>
           </a:bodyPr>
           <a:lstStyle/>
           <a:p>
-            <a:pPr indent="0" lvl="0" marL="457200" rtl="0" algn="l">
+            <a:pPr marL="457200" lvl="0" indent="0" algn="l" rtl="0">
               <a:spcBef>
                 <a:spcPts val="0"/>
               </a:spcBef>
@@ -7676,7 +7872,7 @@
             </a:endParaRPr>
           </a:p>
           <a:p>
-            <a:pPr indent="0" lvl="0" marL="457200" rtl="0" algn="l">
+            <a:pPr marL="457200" lvl="0" indent="0" algn="l" rtl="0">
               <a:spcBef>
                 <a:spcPts val="0"/>
               </a:spcBef>
@@ -7685,9 +7881,6 @@
               </a:spcAft>
               <a:buNone/>
             </a:pPr>
-            <a:r>
-              <a:t/>
-            </a:r>
             <a:endParaRPr sz="2220">
               <a:solidFill>
                 <a:schemeClr val="dk1"/>
@@ -7695,7 +7888,7 @@
             </a:endParaRPr>
           </a:p>
           <a:p>
-            <a:pPr indent="-369570" lvl="0" marL="457200" rtl="0" algn="l">
+            <a:pPr marL="457200" lvl="0" indent="-369570" algn="l" rtl="0">
               <a:spcBef>
                 <a:spcPts val="0"/>
               </a:spcBef>
@@ -7723,7 +7916,7 @@
             </a:endParaRPr>
           </a:p>
           <a:p>
-            <a:pPr indent="-369570" lvl="0" marL="457200" rtl="0" algn="l">
+            <a:pPr marL="457200" lvl="0" indent="-369570" algn="l" rtl="0">
               <a:spcBef>
                 <a:spcPts val="0"/>
               </a:spcBef>
@@ -7751,7 +7944,7 @@
             </a:endParaRPr>
           </a:p>
           <a:p>
-            <a:pPr indent="-369570" lvl="0" marL="457200" rtl="0" algn="l">
+            <a:pPr marL="457200" lvl="0" indent="-369570" algn="l" rtl="0">
               <a:spcBef>
                 <a:spcPts val="0"/>
               </a:spcBef>
@@ -7779,7 +7972,7 @@
             </a:endParaRPr>
           </a:p>
           <a:p>
-            <a:pPr indent="-388620" lvl="0" marL="457200" rtl="0" algn="l">
+            <a:pPr marL="457200" lvl="0" indent="-388620" algn="l" rtl="0">
               <a:spcBef>
                 <a:spcPts val="0"/>
               </a:spcBef>
@@ -7821,18 +8014,19 @@
 </file>
 
 <file path=ppt/slides/slide3.xml><?xml version="1.0" encoding="utf-8"?>
-<p:sld xmlns:a="http://schemas.openxmlformats.org/drawingml/2006/main" xmlns:r="http://schemas.openxmlformats.org/officeDocument/2006/relationships" xmlns:mc="http://schemas.openxmlformats.org/markup-compatibility/2006" xmlns:mv="urn:schemas-microsoft-com:mac:vml" xmlns:p="http://schemas.openxmlformats.org/presentationml/2006/main" xmlns:c="http://schemas.openxmlformats.org/drawingml/2006/chart" xmlns:dgm="http://schemas.openxmlformats.org/drawingml/2006/diagram" xmlns:o="urn:schemas-microsoft-com:office:office" xmlns:v="urn:schemas-microsoft-com:vml" xmlns:pvml="urn:schemas-microsoft-com:office:powerpoint" xmlns:com="http://schemas.openxmlformats.org/drawingml/2006/compatibility" xmlns:p14="http://schemas.microsoft.com/office/powerpoint/2010/main" xmlns:p15="http://schemas.microsoft.com/office/powerpoint/2012/main" xmlns:ahyp="http://schemas.microsoft.com/office/drawing/2018/hyperlinkcolor">
+<p:sld xmlns:a="http://schemas.openxmlformats.org/drawingml/2006/main" xmlns:r="http://schemas.openxmlformats.org/officeDocument/2006/relationships" xmlns:p="http://schemas.openxmlformats.org/presentationml/2006/main">
   <p:cSld>
     <p:bg>
       <p:bgPr>
         <a:solidFill>
           <a:srgbClr val="EFEFEF"/>
         </a:solidFill>
+        <a:effectLst/>
       </p:bgPr>
     </p:bg>
     <p:spTree>
       <p:nvGrpSpPr>
-        <p:cNvPr id="65" name="Shape 65"/>
+        <p:cNvPr id="1" name="Shape 65"/>
         <p:cNvGrpSpPr/>
         <p:nvPr/>
       </p:nvGrpSpPr>
@@ -7847,7 +8041,9 @@
       <p:sp>
         <p:nvSpPr>
           <p:cNvPr id="66" name="Google Shape;66;p15"/>
-          <p:cNvSpPr txBox="1"/>
+          <p:cNvSpPr txBox="1">
+            <a:spLocks noGrp="1"/>
+          </p:cNvSpPr>
           <p:nvPr>
             <p:ph type="title"/>
           </p:nvPr>
@@ -7862,12 +8058,12 @@
           </a:prstGeom>
         </p:spPr>
         <p:txBody>
-          <a:bodyPr anchorCtr="0" anchor="t" bIns="91425" lIns="91425" spcFirstLastPara="1" rIns="91425" wrap="square" tIns="91425">
+          <a:bodyPr spcFirstLastPara="1" wrap="square" lIns="91425" tIns="91425" rIns="91425" bIns="91425" anchor="t" anchorCtr="0">
             <a:normAutofit fontScale="90000"/>
           </a:bodyPr>
           <a:lstStyle/>
           <a:p>
-            <a:pPr indent="0" lvl="0" marL="0" rtl="0" algn="l">
+            <a:pPr marL="0" lvl="0" indent="0" algn="l" rtl="0">
               <a:spcBef>
                 <a:spcPts val="0"/>
               </a:spcBef>
@@ -7886,60 +8082,102 @@
       </p:sp>
       <p:pic>
         <p:nvPicPr>
-          <p:cNvPr id="67" name="Google Shape;67;p15"/>
-          <p:cNvPicPr preferRelativeResize="0"/>
+          <p:cNvPr id="3" name="Picture 2">
+            <a:extLst>
+              <a:ext uri="{FF2B5EF4-FFF2-40B4-BE49-F238E27FC236}">
+                <a16:creationId xmlns:a16="http://schemas.microsoft.com/office/drawing/2014/main" id="{A8F6FEB7-E126-FB91-9B39-36F459987FF1}"/>
+              </a:ext>
+            </a:extLst>
+          </p:cNvPr>
+          <p:cNvPicPr>
+            <a:picLocks noChangeAspect="1"/>
+          </p:cNvPicPr>
           <p:nvPr/>
         </p:nvPicPr>
         <p:blipFill>
-          <a:blip r:embed="rId3">
-            <a:alphaModFix/>
-          </a:blip>
+          <a:blip r:embed="rId3"/>
           <a:stretch>
             <a:fillRect/>
           </a:stretch>
         </p:blipFill>
         <p:spPr>
           <a:xfrm>
-            <a:off x="152400" y="1170125"/>
-            <a:ext cx="4036621" cy="3820975"/>
+            <a:off x="393699" y="1265464"/>
+            <a:ext cx="3113646" cy="2947307"/>
           </a:xfrm>
           <a:prstGeom prst="rect">
             <a:avLst/>
           </a:prstGeom>
-          <a:noFill/>
-          <a:ln>
-            <a:noFill/>
-          </a:ln>
         </p:spPr>
       </p:pic>
       <p:pic>
         <p:nvPicPr>
-          <p:cNvPr id="68" name="Google Shape;68;p15"/>
-          <p:cNvPicPr preferRelativeResize="0"/>
+          <p:cNvPr id="4" name="Picture 3">
+            <a:extLst>
+              <a:ext uri="{FF2B5EF4-FFF2-40B4-BE49-F238E27FC236}">
+                <a16:creationId xmlns:a16="http://schemas.microsoft.com/office/drawing/2014/main" id="{7EBDFC0D-8437-38AF-AC33-2C170474118C}"/>
+              </a:ext>
+            </a:extLst>
+          </p:cNvPr>
+          <p:cNvPicPr>
+            <a:picLocks noChangeAspect="1"/>
+          </p:cNvPicPr>
           <p:nvPr/>
         </p:nvPicPr>
         <p:blipFill>
-          <a:blip r:embed="rId4">
-            <a:alphaModFix/>
-          </a:blip>
+          <a:blip r:embed="rId4"/>
           <a:stretch>
             <a:fillRect/>
           </a:stretch>
         </p:blipFill>
         <p:spPr>
           <a:xfrm>
-            <a:off x="4385550" y="1170125"/>
-            <a:ext cx="3994352" cy="3820975"/>
+            <a:off x="4400550" y="1265464"/>
+            <a:ext cx="3113646" cy="2978497"/>
+          </a:xfrm>
+          <a:prstGeom prst="rect">
+            <a:avLst/>
+          </a:prstGeom>
+        </p:spPr>
+      </p:pic>
+      <p:sp>
+        <p:nvSpPr>
+          <p:cNvPr id="5" name="TextBox 4">
+            <a:extLst>
+              <a:ext uri="{FF2B5EF4-FFF2-40B4-BE49-F238E27FC236}">
+                <a16:creationId xmlns:a16="http://schemas.microsoft.com/office/drawing/2014/main" id="{C843AE3D-AA6C-DDDA-49ED-6CD7FB09CB1F}"/>
+              </a:ext>
+            </a:extLst>
+          </p:cNvPr>
+          <p:cNvSpPr txBox="1"/>
+          <p:nvPr/>
+        </p:nvSpPr>
+        <p:spPr>
+          <a:xfrm>
+            <a:off x="393699" y="4201929"/>
+            <a:ext cx="7664451" cy="738664"/>
           </a:xfrm>
           <a:prstGeom prst="rect">
             <a:avLst/>
           </a:prstGeom>
           <a:noFill/>
-          <a:ln>
-            <a:noFill/>
-          </a:ln>
-        </p:spPr>
-      </p:pic>
+        </p:spPr>
+        <p:txBody>
+          <a:bodyPr wrap="square" rtlCol="0">
+            <a:spAutoFit/>
+          </a:bodyPr>
+          <a:lstStyle/>
+          <a:p>
+            <a:r>
+              <a:rPr lang="en-US" dirty="0"/>
+              <a:t>The Bar charts show that Engineers have the best sleep (the average sleep duration and average quality of sleep is highest for Engineers).</a:t>
+            </a:r>
+          </a:p>
+          <a:p>
+            <a:endParaRPr lang="en-US" dirty="0"/>
+          </a:p>
+        </p:txBody>
+      </p:sp>
     </p:spTree>
   </p:cSld>
   <p:clrMapOvr>
@@ -7949,18 +8187,19 @@
 </file>
 
 <file path=ppt/slides/slide4.xml><?xml version="1.0" encoding="utf-8"?>
-<p:sld xmlns:a="http://schemas.openxmlformats.org/drawingml/2006/main" xmlns:r="http://schemas.openxmlformats.org/officeDocument/2006/relationships" xmlns:mc="http://schemas.openxmlformats.org/markup-compatibility/2006" xmlns:mv="urn:schemas-microsoft-com:mac:vml" xmlns:p="http://schemas.openxmlformats.org/presentationml/2006/main" xmlns:c="http://schemas.openxmlformats.org/drawingml/2006/chart" xmlns:dgm="http://schemas.openxmlformats.org/drawingml/2006/diagram" xmlns:o="urn:schemas-microsoft-com:office:office" xmlns:v="urn:schemas-microsoft-com:vml" xmlns:pvml="urn:schemas-microsoft-com:office:powerpoint" xmlns:com="http://schemas.openxmlformats.org/drawingml/2006/compatibility" xmlns:p14="http://schemas.microsoft.com/office/powerpoint/2010/main" xmlns:p15="http://schemas.microsoft.com/office/powerpoint/2012/main" xmlns:ahyp="http://schemas.microsoft.com/office/drawing/2018/hyperlinkcolor">
+<p:sld xmlns:a="http://schemas.openxmlformats.org/drawingml/2006/main" xmlns:r="http://schemas.openxmlformats.org/officeDocument/2006/relationships" xmlns:p="http://schemas.openxmlformats.org/presentationml/2006/main">
   <p:cSld>
     <p:bg>
       <p:bgPr>
         <a:solidFill>
           <a:srgbClr val="EFEFEF"/>
         </a:solidFill>
+        <a:effectLst/>
       </p:bgPr>
     </p:bg>
     <p:spTree>
       <p:nvGrpSpPr>
-        <p:cNvPr id="72" name="Shape 72"/>
+        <p:cNvPr id="1" name="Shape 72"/>
         <p:cNvGrpSpPr/>
         <p:nvPr/>
       </p:nvGrpSpPr>
@@ -7975,7 +8214,9 @@
       <p:sp>
         <p:nvSpPr>
           <p:cNvPr id="73" name="Google Shape;73;p16"/>
-          <p:cNvSpPr txBox="1"/>
+          <p:cNvSpPr txBox="1">
+            <a:spLocks noGrp="1"/>
+          </p:cNvSpPr>
           <p:nvPr>
             <p:ph type="title"/>
           </p:nvPr>
@@ -7990,12 +8231,12 @@
           </a:prstGeom>
         </p:spPr>
         <p:txBody>
-          <a:bodyPr anchorCtr="0" anchor="t" bIns="91425" lIns="91425" spcFirstLastPara="1" rIns="91425" wrap="square" tIns="91425">
+          <a:bodyPr spcFirstLastPara="1" wrap="square" lIns="91425" tIns="91425" rIns="91425" bIns="91425" anchor="t" anchorCtr="0">
             <a:normAutofit fontScale="90000"/>
           </a:bodyPr>
           <a:lstStyle/>
           <a:p>
-            <a:pPr indent="0" lvl="0" marL="0" rtl="0" algn="l">
+            <a:pPr marL="0" lvl="0" indent="0" algn="l" rtl="0">
               <a:spcBef>
                 <a:spcPts val="0"/>
               </a:spcBef>
@@ -8036,12 +8277,12 @@
           </a:ln>
         </p:spPr>
         <p:txBody>
-          <a:bodyPr anchorCtr="0" anchor="ctr" bIns="91425" lIns="91425" spcFirstLastPara="1" rIns="91425" wrap="square" tIns="91425">
+          <a:bodyPr spcFirstLastPara="1" wrap="square" lIns="91425" tIns="91425" rIns="91425" bIns="91425" anchor="ctr" anchorCtr="0">
             <a:noAutofit/>
           </a:bodyPr>
           <a:lstStyle/>
           <a:p>
-            <a:pPr indent="0" lvl="0" marL="0" rtl="0" algn="ctr">
+            <a:pPr marL="0" lvl="0" indent="0" algn="ctr" rtl="0">
               <a:spcBef>
                 <a:spcPts val="0"/>
               </a:spcBef>
@@ -8052,14 +8293,10 @@
             </a:pPr>
             <a:r>
               <a:rPr lang="en" sz="1700"/>
-              <a:t>Out of the categories with least sleep duration and quality, t</a:t>
+              <a:t>Out of the categories with least sleep duration and quality, there is </a:t>
             </a:r>
             <a:r>
-              <a:rPr lang="en" sz="1700"/>
-              <a:t>here is </a:t>
-            </a:r>
-            <a:r>
-              <a:rPr b="1" lang="en" sz="1700"/>
+              <a:rPr lang="en" sz="1700" b="1"/>
               <a:t>not sufficient data</a:t>
             </a:r>
             <a:r>
@@ -8067,7 +8304,7 @@
               <a:t> </a:t>
             </a:r>
             <a:r>
-              <a:rPr b="1" lang="en" sz="1700"/>
+              <a:rPr lang="en" sz="1700" b="1"/>
               <a:t>for Sales Representative (2) and Scientist (4)</a:t>
             </a:r>
             <a:r>
@@ -8077,7 +8314,7 @@
             <a:endParaRPr sz="1700"/>
           </a:p>
           <a:p>
-            <a:pPr indent="0" lvl="0" marL="0" rtl="0" algn="ctr">
+            <a:pPr marL="0" lvl="0" indent="0" algn="ctr" rtl="0">
               <a:spcBef>
                 <a:spcPts val="0"/>
               </a:spcBef>
@@ -8086,13 +8323,10 @@
               </a:spcAft>
               <a:buNone/>
             </a:pPr>
-            <a:r>
-              <a:t/>
-            </a:r>
             <a:endParaRPr sz="1700"/>
           </a:p>
           <a:p>
-            <a:pPr indent="0" lvl="0" marL="0" rtl="0" algn="ctr">
+            <a:pPr marL="0" lvl="0" indent="0" algn="ctr" rtl="0">
               <a:spcBef>
                 <a:spcPts val="0"/>
               </a:spcBef>
@@ -8106,7 +8340,7 @@
               <a:t>So will proceed with the </a:t>
             </a:r>
             <a:r>
-              <a:rPr b="1" lang="en" sz="1700"/>
+              <a:rPr lang="en" sz="1700" b="1"/>
               <a:t>Salesperson (32</a:t>
             </a:r>
             <a:r>
@@ -8116,7 +8350,7 @@
             <a:endParaRPr sz="1700"/>
           </a:p>
           <a:p>
-            <a:pPr indent="0" lvl="0" marL="0" rtl="0" algn="l">
+            <a:pPr marL="0" lvl="0" indent="0" algn="l" rtl="0">
               <a:spcBef>
                 <a:spcPts val="0"/>
               </a:spcBef>
@@ -8125,13 +8359,10 @@
               </a:spcAft>
               <a:buNone/>
             </a:pPr>
-            <a:r>
-              <a:t/>
-            </a:r>
             <a:endParaRPr sz="1600"/>
           </a:p>
           <a:p>
-            <a:pPr indent="0" lvl="0" marL="0" rtl="0" algn="l">
+            <a:pPr marL="0" lvl="0" indent="0" algn="l" rtl="0">
               <a:spcBef>
                 <a:spcPts val="0"/>
               </a:spcBef>
@@ -8140,9 +8371,6 @@
               </a:spcAft>
               <a:buNone/>
             </a:pPr>
-            <a:r>
-              <a:t/>
-            </a:r>
             <a:endParaRPr sz="1600"/>
           </a:p>
         </p:txBody>
@@ -8184,18 +8412,19 @@
 </file>
 
 <file path=ppt/slides/slide5.xml><?xml version="1.0" encoding="utf-8"?>
-<p:sld xmlns:a="http://schemas.openxmlformats.org/drawingml/2006/main" xmlns:r="http://schemas.openxmlformats.org/officeDocument/2006/relationships" xmlns:mc="http://schemas.openxmlformats.org/markup-compatibility/2006" xmlns:mv="urn:schemas-microsoft-com:mac:vml" xmlns:p="http://schemas.openxmlformats.org/presentationml/2006/main" xmlns:c="http://schemas.openxmlformats.org/drawingml/2006/chart" xmlns:dgm="http://schemas.openxmlformats.org/drawingml/2006/diagram" xmlns:o="urn:schemas-microsoft-com:office:office" xmlns:v="urn:schemas-microsoft-com:vml" xmlns:pvml="urn:schemas-microsoft-com:office:powerpoint" xmlns:com="http://schemas.openxmlformats.org/drawingml/2006/compatibility" xmlns:p14="http://schemas.microsoft.com/office/powerpoint/2010/main" xmlns:p15="http://schemas.microsoft.com/office/powerpoint/2012/main" xmlns:ahyp="http://schemas.microsoft.com/office/drawing/2018/hyperlinkcolor">
+<p:sld xmlns:a="http://schemas.openxmlformats.org/drawingml/2006/main" xmlns:r="http://schemas.openxmlformats.org/officeDocument/2006/relationships" xmlns:p="http://schemas.openxmlformats.org/presentationml/2006/main">
   <p:cSld>
     <p:bg>
       <p:bgPr>
         <a:solidFill>
           <a:srgbClr val="EFEFEF"/>
         </a:solidFill>
+        <a:effectLst/>
       </p:bgPr>
     </p:bg>
     <p:spTree>
       <p:nvGrpSpPr>
-        <p:cNvPr id="79" name="Shape 79"/>
+        <p:cNvPr id="1" name="Shape 79"/>
         <p:cNvGrpSpPr/>
         <p:nvPr/>
       </p:nvGrpSpPr>
@@ -8210,7 +8439,9 @@
       <p:sp>
         <p:nvSpPr>
           <p:cNvPr id="80" name="Google Shape;80;p17"/>
-          <p:cNvSpPr txBox="1"/>
+          <p:cNvSpPr txBox="1">
+            <a:spLocks noGrp="1"/>
+          </p:cNvSpPr>
           <p:nvPr>
             <p:ph type="title"/>
           </p:nvPr>
@@ -8225,12 +8456,12 @@
           </a:prstGeom>
         </p:spPr>
         <p:txBody>
-          <a:bodyPr anchorCtr="0" anchor="t" bIns="91425" lIns="91425" spcFirstLastPara="1" rIns="91425" wrap="square" tIns="91425">
-            <a:normAutofit fontScale="90000"/>
+          <a:bodyPr spcFirstLastPara="1" wrap="square" lIns="91425" tIns="91425" rIns="91425" bIns="91425" anchor="t" anchorCtr="0">
+            <a:normAutofit/>
           </a:bodyPr>
           <a:lstStyle/>
           <a:p>
-            <a:pPr indent="0" lvl="0" marL="0" rtl="0" algn="l">
+            <a:pPr marL="0" lvl="0" indent="0" algn="l" rtl="0">
               <a:spcBef>
                 <a:spcPts val="0"/>
               </a:spcBef>
@@ -8295,12 +8526,12 @@
           </a:ln>
         </p:spPr>
         <p:txBody>
-          <a:bodyPr anchorCtr="0" anchor="t" bIns="91425" lIns="91425" spcFirstLastPara="1" rIns="91425" wrap="square" tIns="91425">
+          <a:bodyPr spcFirstLastPara="1" wrap="square" lIns="91425" tIns="91425" rIns="91425" bIns="91425" anchor="t" anchorCtr="0">
             <a:noAutofit/>
           </a:bodyPr>
           <a:lstStyle/>
           <a:p>
-            <a:pPr indent="0" lvl="0" marL="0" rtl="0" algn="l">
+            <a:pPr marL="0" lvl="0" indent="0" algn="l" rtl="0">
               <a:spcBef>
                 <a:spcPts val="0"/>
               </a:spcBef>
@@ -8310,7 +8541,7 @@
               <a:buNone/>
             </a:pPr>
             <a:r>
-              <a:rPr b="1" lang="en">
+              <a:rPr lang="en" b="1">
                 <a:solidFill>
                   <a:schemeClr val="dk1"/>
                 </a:solidFill>
@@ -8324,7 +8555,7 @@
             </a:endParaRPr>
           </a:p>
           <a:p>
-            <a:pPr indent="-330200" lvl="0" marL="457200" rtl="0" algn="l">
+            <a:pPr marL="457200" lvl="0" indent="-330200" algn="l" rtl="0">
               <a:spcBef>
                 <a:spcPts val="0"/>
               </a:spcBef>
@@ -8352,7 +8583,7 @@
             </a:endParaRPr>
           </a:p>
           <a:p>
-            <a:pPr indent="-330200" lvl="0" marL="457200" rtl="0" algn="l">
+            <a:pPr marL="457200" lvl="0" indent="-330200" algn="l" rtl="0">
               <a:spcBef>
                 <a:spcPts val="0"/>
               </a:spcBef>
@@ -8369,7 +8600,7 @@
             <a:endParaRPr sz="1600"/>
           </a:p>
           <a:p>
-            <a:pPr indent="-330200" lvl="0" marL="457200" rtl="0" algn="l">
+            <a:pPr marL="457200" lvl="0" indent="-330200" algn="l" rtl="0">
               <a:spcBef>
                 <a:spcPts val="0"/>
               </a:spcBef>
@@ -8407,12 +8638,12 @@
           </a:ln>
         </p:spPr>
         <p:txBody>
-          <a:bodyPr anchorCtr="0" anchor="t" bIns="91425" lIns="91425" spcFirstLastPara="1" rIns="91425" wrap="square" tIns="91425">
+          <a:bodyPr spcFirstLastPara="1" wrap="square" lIns="91425" tIns="91425" rIns="91425" bIns="91425" anchor="t" anchorCtr="0">
             <a:noAutofit/>
           </a:bodyPr>
           <a:lstStyle/>
           <a:p>
-            <a:pPr indent="0" lvl="0" marL="0" rtl="0" algn="l">
+            <a:pPr marL="0" lvl="0" indent="0" algn="l" rtl="0">
               <a:spcBef>
                 <a:spcPts val="0"/>
               </a:spcBef>
@@ -8422,20 +8653,12 @@
               <a:buNone/>
             </a:pPr>
             <a:r>
-              <a:rPr b="1" lang="en">
+              <a:rPr lang="en" b="1">
                 <a:solidFill>
                   <a:schemeClr val="dk1"/>
                 </a:solidFill>
               </a:rPr>
-              <a:t>Salesperson</a:t>
-            </a:r>
-            <a:r>
-              <a:rPr b="1" lang="en">
-                <a:solidFill>
-                  <a:schemeClr val="dk1"/>
-                </a:solidFill>
-              </a:rPr>
-              <a:t> </a:t>
+              <a:t>Salesperson </a:t>
             </a:r>
             <a:endParaRPr b="1">
               <a:solidFill>
@@ -8444,7 +8667,7 @@
             </a:endParaRPr>
           </a:p>
           <a:p>
-            <a:pPr indent="-330200" lvl="0" marL="457200" rtl="0" algn="l">
+            <a:pPr marL="457200" lvl="0" indent="-330200" algn="l" rtl="0">
               <a:spcBef>
                 <a:spcPts val="0"/>
               </a:spcBef>
@@ -8472,7 +8695,7 @@
             </a:endParaRPr>
           </a:p>
           <a:p>
-            <a:pPr indent="-330200" lvl="0" marL="457200" rtl="0" algn="l">
+            <a:pPr marL="457200" lvl="0" indent="-330200" algn="l" rtl="0">
               <a:spcBef>
                 <a:spcPts val="0"/>
               </a:spcBef>
@@ -8484,16 +8707,12 @@
             </a:pPr>
             <a:r>
               <a:rPr lang="en" sz="1600"/>
-              <a:t>6.2</a:t>
-            </a:r>
-            <a:r>
-              <a:rPr lang="en" sz="1600"/>
-              <a:t>% have no sleep disorders</a:t>
+              <a:t>6.2% have no sleep disorders</a:t>
             </a:r>
             <a:endParaRPr sz="1600"/>
           </a:p>
           <a:p>
-            <a:pPr indent="-330200" lvl="0" marL="457200" rtl="0" algn="l">
+            <a:pPr marL="457200" lvl="0" indent="-330200" algn="l" rtl="0">
               <a:spcBef>
                 <a:spcPts val="0"/>
               </a:spcBef>
@@ -8531,12 +8750,12 @@
           </a:ln>
         </p:spPr>
         <p:txBody>
-          <a:bodyPr anchorCtr="0" anchor="t" bIns="91425" lIns="91425" spcFirstLastPara="1" rIns="91425" wrap="square" tIns="91425">
+          <a:bodyPr spcFirstLastPara="1" wrap="square" lIns="91425" tIns="91425" rIns="91425" bIns="91425" anchor="t" anchorCtr="0">
             <a:noAutofit/>
           </a:bodyPr>
           <a:lstStyle/>
           <a:p>
-            <a:pPr indent="0" lvl="0" marL="0" rtl="0" algn="l">
+            <a:pPr marL="0" lvl="0" indent="0" algn="l" rtl="0">
               <a:spcBef>
                 <a:spcPts val="0"/>
               </a:spcBef>
@@ -8546,7 +8765,7 @@
               <a:buNone/>
             </a:pPr>
             <a:r>
-              <a:rPr b="1" lang="en"/>
+              <a:rPr lang="en" b="1"/>
               <a:t>Conclusion: Engineers have best sleep. Salespersons have the lowest sleep.</a:t>
             </a:r>
             <a:endParaRPr b="1"/>
@@ -8562,18 +8781,19 @@
 </file>
 
 <file path=ppt/slides/slide6.xml><?xml version="1.0" encoding="utf-8"?>
-<p:sld xmlns:a="http://schemas.openxmlformats.org/drawingml/2006/main" xmlns:r="http://schemas.openxmlformats.org/officeDocument/2006/relationships" xmlns:mc="http://schemas.openxmlformats.org/markup-compatibility/2006" xmlns:mv="urn:schemas-microsoft-com:mac:vml" xmlns:p="http://schemas.openxmlformats.org/presentationml/2006/main" xmlns:c="http://schemas.openxmlformats.org/drawingml/2006/chart" xmlns:dgm="http://schemas.openxmlformats.org/drawingml/2006/diagram" xmlns:o="urn:schemas-microsoft-com:office:office" xmlns:v="urn:schemas-microsoft-com:vml" xmlns:pvml="urn:schemas-microsoft-com:office:powerpoint" xmlns:com="http://schemas.openxmlformats.org/drawingml/2006/compatibility" xmlns:p14="http://schemas.microsoft.com/office/powerpoint/2010/main" xmlns:p15="http://schemas.microsoft.com/office/powerpoint/2012/main" xmlns:ahyp="http://schemas.microsoft.com/office/drawing/2018/hyperlinkcolor">
+<p:sld xmlns:a="http://schemas.openxmlformats.org/drawingml/2006/main" xmlns:r="http://schemas.openxmlformats.org/officeDocument/2006/relationships" xmlns:p="http://schemas.openxmlformats.org/presentationml/2006/main">
   <p:cSld>
     <p:bg>
       <p:bgPr>
         <a:solidFill>
           <a:srgbClr val="EFEFEF"/>
         </a:solidFill>
+        <a:effectLst/>
       </p:bgPr>
     </p:bg>
     <p:spTree>
       <p:nvGrpSpPr>
-        <p:cNvPr id="88" name="Shape 88"/>
+        <p:cNvPr id="1" name="Shape 88"/>
         <p:cNvGrpSpPr/>
         <p:nvPr/>
       </p:nvGrpSpPr>
@@ -8588,7 +8808,9 @@
       <p:sp>
         <p:nvSpPr>
           <p:cNvPr id="89" name="Google Shape;89;p18"/>
-          <p:cNvSpPr txBox="1"/>
+          <p:cNvSpPr txBox="1">
+            <a:spLocks noGrp="1"/>
+          </p:cNvSpPr>
           <p:nvPr>
             <p:ph type="title"/>
           </p:nvPr>
@@ -8601,23 +8823,23 @@
           <a:prstGeom prst="rect">
             <a:avLst/>
           </a:prstGeom>
-          <a:ln cap="flat" cmpd="sng" w="9525">
+          <a:ln w="9525" cap="flat" cmpd="sng">
             <a:solidFill>
               <a:srgbClr val="000000"/>
             </a:solidFill>
             <a:prstDash val="solid"/>
             <a:round/>
-            <a:headEnd len="sm" w="sm" type="none"/>
-            <a:tailEnd len="sm" w="sm" type="none"/>
+            <a:headEnd type="none" w="sm" len="sm"/>
+            <a:tailEnd type="none" w="sm" len="sm"/>
           </a:ln>
         </p:spPr>
         <p:txBody>
-          <a:bodyPr anchorCtr="0" anchor="t" bIns="91425" lIns="91425" spcFirstLastPara="1" rIns="91425" wrap="square" tIns="91425">
-            <a:normAutofit/>
+          <a:bodyPr spcFirstLastPara="1" wrap="square" lIns="91425" tIns="91425" rIns="91425" bIns="91425" anchor="t" anchorCtr="0">
+            <a:normAutofit fontScale="90000"/>
           </a:bodyPr>
           <a:lstStyle/>
           <a:p>
-            <a:pPr indent="0" lvl="0" marL="0" rtl="0" algn="l">
+            <a:pPr marL="0" lvl="0" indent="0" algn="l" rtl="0">
               <a:spcBef>
                 <a:spcPts val="0"/>
               </a:spcBef>
@@ -8699,18 +8921,19 @@
 </file>
 
 <file path=ppt/slides/slide7.xml><?xml version="1.0" encoding="utf-8"?>
-<p:sld xmlns:a="http://schemas.openxmlformats.org/drawingml/2006/main" xmlns:r="http://schemas.openxmlformats.org/officeDocument/2006/relationships" xmlns:mc="http://schemas.openxmlformats.org/markup-compatibility/2006" xmlns:mv="urn:schemas-microsoft-com:mac:vml" xmlns:p="http://schemas.openxmlformats.org/presentationml/2006/main" xmlns:c="http://schemas.openxmlformats.org/drawingml/2006/chart" xmlns:dgm="http://schemas.openxmlformats.org/drawingml/2006/diagram" xmlns:o="urn:schemas-microsoft-com:office:office" xmlns:v="urn:schemas-microsoft-com:vml" xmlns:pvml="urn:schemas-microsoft-com:office:powerpoint" xmlns:com="http://schemas.openxmlformats.org/drawingml/2006/compatibility" xmlns:p14="http://schemas.microsoft.com/office/powerpoint/2010/main" xmlns:p15="http://schemas.microsoft.com/office/powerpoint/2012/main" xmlns:ahyp="http://schemas.microsoft.com/office/drawing/2018/hyperlinkcolor">
+<p:sld xmlns:a="http://schemas.openxmlformats.org/drawingml/2006/main" xmlns:r="http://schemas.openxmlformats.org/officeDocument/2006/relationships" xmlns:p="http://schemas.openxmlformats.org/presentationml/2006/main">
   <p:cSld>
     <p:bg>
       <p:bgPr>
         <a:solidFill>
           <a:srgbClr val="EFEFEF"/>
         </a:solidFill>
+        <a:effectLst/>
       </p:bgPr>
     </p:bg>
     <p:spTree>
       <p:nvGrpSpPr>
-        <p:cNvPr id="95" name="Shape 95"/>
+        <p:cNvPr id="1" name="Shape 95"/>
         <p:cNvGrpSpPr/>
         <p:nvPr/>
       </p:nvGrpSpPr>
@@ -8725,7 +8948,9 @@
       <p:sp>
         <p:nvSpPr>
           <p:cNvPr id="96" name="Google Shape;96;p19"/>
-          <p:cNvSpPr txBox="1"/>
+          <p:cNvSpPr txBox="1">
+            <a:spLocks noGrp="1"/>
+          </p:cNvSpPr>
           <p:nvPr>
             <p:ph type="title"/>
           </p:nvPr>
@@ -8738,23 +8963,23 @@
           <a:prstGeom prst="rect">
             <a:avLst/>
           </a:prstGeom>
-          <a:ln cap="flat" cmpd="sng" w="9525">
+          <a:ln w="9525" cap="flat" cmpd="sng">
             <a:solidFill>
               <a:schemeClr val="dk1"/>
             </a:solidFill>
             <a:prstDash val="solid"/>
             <a:round/>
-            <a:headEnd len="sm" w="sm" type="none"/>
-            <a:tailEnd len="sm" w="sm" type="none"/>
+            <a:headEnd type="none" w="sm" len="sm"/>
+            <a:tailEnd type="none" w="sm" len="sm"/>
           </a:ln>
         </p:spPr>
         <p:txBody>
-          <a:bodyPr anchorCtr="0" anchor="t" bIns="91425" lIns="91425" spcFirstLastPara="1" rIns="91425" wrap="square" tIns="91425">
-            <a:normAutofit/>
+          <a:bodyPr spcFirstLastPara="1" wrap="square" lIns="91425" tIns="91425" rIns="91425" bIns="91425" anchor="t" anchorCtr="0">
+            <a:normAutofit fontScale="90000"/>
           </a:bodyPr>
           <a:lstStyle/>
           <a:p>
-            <a:pPr indent="0" lvl="0" marL="0" rtl="0" algn="l">
+            <a:pPr marL="0" lvl="0" indent="0" algn="l" rtl="0">
               <a:spcBef>
                 <a:spcPts val="0"/>
               </a:spcBef>
@@ -8836,18 +9061,19 @@
 </file>
 
 <file path=ppt/slides/slide8.xml><?xml version="1.0" encoding="utf-8"?>
-<p:sld xmlns:a="http://schemas.openxmlformats.org/drawingml/2006/main" xmlns:r="http://schemas.openxmlformats.org/officeDocument/2006/relationships" xmlns:mc="http://schemas.openxmlformats.org/markup-compatibility/2006" xmlns:mv="urn:schemas-microsoft-com:mac:vml" xmlns:p="http://schemas.openxmlformats.org/presentationml/2006/main" xmlns:c="http://schemas.openxmlformats.org/drawingml/2006/chart" xmlns:dgm="http://schemas.openxmlformats.org/drawingml/2006/diagram" xmlns:o="urn:schemas-microsoft-com:office:office" xmlns:v="urn:schemas-microsoft-com:vml" xmlns:pvml="urn:schemas-microsoft-com:office:powerpoint" xmlns:com="http://schemas.openxmlformats.org/drawingml/2006/compatibility" xmlns:p14="http://schemas.microsoft.com/office/powerpoint/2010/main" xmlns:p15="http://schemas.microsoft.com/office/powerpoint/2012/main" xmlns:ahyp="http://schemas.microsoft.com/office/drawing/2018/hyperlinkcolor">
+<p:sld xmlns:a="http://schemas.openxmlformats.org/drawingml/2006/main" xmlns:r="http://schemas.openxmlformats.org/officeDocument/2006/relationships" xmlns:p="http://schemas.openxmlformats.org/presentationml/2006/main">
   <p:cSld>
     <p:bg>
       <p:bgPr>
         <a:solidFill>
           <a:srgbClr val="EFEFEF"/>
         </a:solidFill>
+        <a:effectLst/>
       </p:bgPr>
     </p:bg>
     <p:spTree>
       <p:nvGrpSpPr>
-        <p:cNvPr id="102" name="Shape 102"/>
+        <p:cNvPr id="1" name="Shape 102"/>
         <p:cNvGrpSpPr/>
         <p:nvPr/>
       </p:nvGrpSpPr>
@@ -8862,7 +9088,9 @@
       <p:sp>
         <p:nvSpPr>
           <p:cNvPr id="103" name="Google Shape;103;p20"/>
-          <p:cNvSpPr txBox="1"/>
+          <p:cNvSpPr txBox="1">
+            <a:spLocks noGrp="1"/>
+          </p:cNvSpPr>
           <p:nvPr>
             <p:ph type="title"/>
           </p:nvPr>
@@ -8877,12 +9105,12 @@
           </a:prstGeom>
         </p:spPr>
         <p:txBody>
-          <a:bodyPr anchorCtr="0" anchor="t" bIns="91425" lIns="91425" spcFirstLastPara="1" rIns="91425" wrap="square" tIns="91425">
+          <a:bodyPr spcFirstLastPara="1" wrap="square" lIns="91425" tIns="91425" rIns="91425" bIns="91425" anchor="t" anchorCtr="0">
             <a:noAutofit/>
           </a:bodyPr>
           <a:lstStyle/>
           <a:p>
-            <a:pPr indent="0" lvl="0" marL="0" rtl="0" algn="l">
+            <a:pPr marL="0" lvl="0" indent="0" algn="l" rtl="0">
               <a:spcBef>
                 <a:spcPts val="0"/>
               </a:spcBef>
@@ -8947,12 +9175,12 @@
           </a:ln>
         </p:spPr>
         <p:txBody>
-          <a:bodyPr anchorCtr="0" anchor="ctr" bIns="91425" lIns="91425" spcFirstLastPara="1" rIns="91425" wrap="square" tIns="91425">
+          <a:bodyPr spcFirstLastPara="1" wrap="square" lIns="91425" tIns="91425" rIns="91425" bIns="91425" anchor="ctr" anchorCtr="0">
             <a:noAutofit/>
           </a:bodyPr>
           <a:lstStyle/>
           <a:p>
-            <a:pPr indent="0" lvl="0" marL="0" rtl="0" algn="ctr">
+            <a:pPr marL="0" lvl="0" indent="0" algn="ctr" rtl="0">
               <a:spcBef>
                 <a:spcPts val="0"/>
               </a:spcBef>
@@ -8970,7 +9198,7 @@
               <a:t>When Physical Activity Level combined with Sleep Duration, Stress Level and Age is analyzed with Quality of Sleep, it  has a </a:t>
             </a:r>
             <a:r>
-              <a:rPr b="1" lang="en" sz="1100">
+              <a:rPr lang="en" sz="1100" b="1">
                 <a:solidFill>
                   <a:schemeClr val="dk1"/>
                 </a:solidFill>
@@ -8992,7 +9220,7 @@
             </a:endParaRPr>
           </a:p>
           <a:p>
-            <a:pPr indent="0" lvl="0" marL="0" rtl="0" algn="ctr">
+            <a:pPr marL="0" lvl="0" indent="0" algn="ctr" rtl="0">
               <a:spcBef>
                 <a:spcPts val="0"/>
               </a:spcBef>
@@ -9001,9 +9229,6 @@
               </a:spcAft>
               <a:buNone/>
             </a:pPr>
-            <a:r>
-              <a:t/>
-            </a:r>
             <a:endParaRPr sz="1100">
               <a:solidFill>
                 <a:schemeClr val="dk1"/>
@@ -9011,7 +9236,7 @@
             </a:endParaRPr>
           </a:p>
           <a:p>
-            <a:pPr indent="0" lvl="0" marL="0" rtl="0" algn="ctr">
+            <a:pPr marL="0" lvl="0" indent="0" algn="ctr" rtl="0">
               <a:spcBef>
                 <a:spcPts val="0"/>
               </a:spcBef>
@@ -9021,7 +9246,7 @@
               <a:buNone/>
             </a:pPr>
             <a:r>
-              <a:rPr b="1" lang="en" sz="1100">
+              <a:rPr lang="en" sz="1100" b="1">
                 <a:solidFill>
                   <a:schemeClr val="dk1"/>
                 </a:solidFill>
@@ -9043,7 +9268,7 @@
             </a:endParaRPr>
           </a:p>
           <a:p>
-            <a:pPr indent="0" lvl="0" marL="0" rtl="0" algn="l">
+            <a:pPr marL="0" lvl="0" indent="0" algn="l" rtl="0">
               <a:spcBef>
                 <a:spcPts val="0"/>
               </a:spcBef>
@@ -9052,9 +9277,6 @@
               </a:spcAft>
               <a:buNone/>
             </a:pPr>
-            <a:r>
-              <a:t/>
-            </a:r>
             <a:endParaRPr/>
           </a:p>
         </p:txBody>
@@ -9068,18 +9290,19 @@
 </file>
 
 <file path=ppt/slides/slide9.xml><?xml version="1.0" encoding="utf-8"?>
-<p:sld xmlns:a="http://schemas.openxmlformats.org/drawingml/2006/main" xmlns:r="http://schemas.openxmlformats.org/officeDocument/2006/relationships" xmlns:mc="http://schemas.openxmlformats.org/markup-compatibility/2006" xmlns:mv="urn:schemas-microsoft-com:mac:vml" xmlns:p="http://schemas.openxmlformats.org/presentationml/2006/main" xmlns:c="http://schemas.openxmlformats.org/drawingml/2006/chart" xmlns:dgm="http://schemas.openxmlformats.org/drawingml/2006/diagram" xmlns:o="urn:schemas-microsoft-com:office:office" xmlns:v="urn:schemas-microsoft-com:vml" xmlns:pvml="urn:schemas-microsoft-com:office:powerpoint" xmlns:com="http://schemas.openxmlformats.org/drawingml/2006/compatibility" xmlns:p14="http://schemas.microsoft.com/office/powerpoint/2010/main" xmlns:p15="http://schemas.microsoft.com/office/powerpoint/2012/main" xmlns:ahyp="http://schemas.microsoft.com/office/drawing/2018/hyperlinkcolor">
+<p:sld xmlns:a="http://schemas.openxmlformats.org/drawingml/2006/main" xmlns:r="http://schemas.openxmlformats.org/officeDocument/2006/relationships" xmlns:p="http://schemas.openxmlformats.org/presentationml/2006/main">
   <p:cSld>
     <p:bg>
       <p:bgPr>
         <a:solidFill>
           <a:srgbClr val="EFEFEF"/>
         </a:solidFill>
+        <a:effectLst/>
       </p:bgPr>
     </p:bg>
     <p:spTree>
       <p:nvGrpSpPr>
-        <p:cNvPr id="109" name="Shape 109"/>
+        <p:cNvPr id="1" name="Shape 109"/>
         <p:cNvGrpSpPr/>
         <p:nvPr/>
       </p:nvGrpSpPr>
@@ -9094,7 +9317,9 @@
       <p:sp>
         <p:nvSpPr>
           <p:cNvPr id="110" name="Google Shape;110;p21"/>
-          <p:cNvSpPr txBox="1"/>
+          <p:cNvSpPr txBox="1">
+            <a:spLocks noGrp="1"/>
+          </p:cNvSpPr>
           <p:nvPr>
             <p:ph type="title"/>
           </p:nvPr>
@@ -9109,12 +9334,12 @@
           </a:prstGeom>
         </p:spPr>
         <p:txBody>
-          <a:bodyPr anchorCtr="0" anchor="t" bIns="91425" lIns="91425" spcFirstLastPara="1" rIns="91425" wrap="square" tIns="91425">
+          <a:bodyPr spcFirstLastPara="1" wrap="square" lIns="91425" tIns="91425" rIns="91425" bIns="91425" anchor="t" anchorCtr="0">
             <a:normAutofit fontScale="90000"/>
           </a:bodyPr>
           <a:lstStyle/>
           <a:p>
-            <a:pPr indent="0" lvl="0" marL="0" rtl="0" algn="l">
+            <a:pPr marL="0" lvl="0" indent="0" algn="l" rtl="0">
               <a:spcBef>
                 <a:spcPts val="0"/>
               </a:spcBef>
@@ -9168,7 +9393,7 @@
 </file>
 
 <file path=ppt/theme/theme1.xml><?xml version="1.0" encoding="utf-8"?>
-<a:theme xmlns:a="http://schemas.openxmlformats.org/drawingml/2006/main" xmlns:r="http://schemas.openxmlformats.org/officeDocument/2006/relationships" name="Simple Light">
+<a:theme xmlns:a="http://schemas.openxmlformats.org/drawingml/2006/main" name="Simple Light">
   <a:themeElements>
     <a:clrScheme name="Simple Light">
       <a:dk1>
@@ -9443,11 +9668,13 @@
       </a:bgFillStyleLst>
     </a:fmtScheme>
   </a:themeElements>
+  <a:objectDefaults/>
+  <a:extraClrSchemeLst/>
 </a:theme>
 </file>
 
 <file path=ppt/theme/theme2.xml><?xml version="1.0" encoding="utf-8"?>
-<a:theme xmlns:a="http://schemas.openxmlformats.org/drawingml/2006/main" xmlns:r="http://schemas.openxmlformats.org/officeDocument/2006/relationships">
+<a:theme xmlns:a="http://schemas.openxmlformats.org/drawingml/2006/main">
   <a:themeElements>
     <a:clrScheme name="Default">
       <a:dk1>
@@ -9722,5 +9949,7 @@
       </a:bgFillStyleLst>
     </a:fmtScheme>
   </a:themeElements>
+  <a:objectDefaults/>
+  <a:extraClrSchemeLst/>
 </a:theme>
 </file>